--- a/epamkids/EPAMKids-Worked_out.pptx
+++ b/epamkids/EPAMKids-Worked_out.pptx
@@ -178,9 +178,9 @@
 </file>
 
 <file path=ppt/charts/chart1.xml><?xml version="1.0" encoding="utf-8"?>
-<c:chartSpace xmlns:c="http://schemas.openxmlformats.org/drawingml/2006/chart" xmlns:a="http://schemas.openxmlformats.org/drawingml/2006/main" xmlns:r="http://schemas.openxmlformats.org/officeDocument/2006/relationships" xmlns:c16r2="http://schemas.microsoft.com/office/drawing/2015/06/chart">
+<c:chartSpace xmlns:c="http://schemas.openxmlformats.org/drawingml/2006/chart" xmlns:a="http://schemas.openxmlformats.org/drawingml/2006/main" xmlns:r="http://schemas.openxmlformats.org/officeDocument/2006/relationships">
   <c:date1904 val="0"/>
-  <c:lang val="en-US"/>
+  <c:lang val="ru-RU"/>
   <c:roundedCorners val="0"/>
   <mc:AlternateContent xmlns:mc="http://schemas.openxmlformats.org/markup-compatibility/2006">
     <mc:Choice xmlns:c14="http://schemas.microsoft.com/office/drawing/2007/8/2/chart" Requires="c14">
@@ -225,7 +225,7 @@
               </a:ln>
               <a:effectLst/>
             </c:spPr>
-            <c:extLst>
+            <c:extLst xmlns:c16r2="http://schemas.microsoft.com/office/drawing/2015/06/chart">
               <c:ext xmlns:c16="http://schemas.microsoft.com/office/drawing/2014/chart" uri="{C3380CC4-5D6E-409C-BE32-E72D297353CC}">
                 <c16:uniqueId val="{00000001-7A44-4E5B-8C02-E4EDC55913DA}"/>
               </c:ext>
@@ -254,7 +254,7 @@
               </c:numCache>
             </c:numRef>
           </c:val>
-          <c:extLst>
+          <c:extLst xmlns:c16r2="http://schemas.microsoft.com/office/drawing/2015/06/chart">
             <c:ext xmlns:c16="http://schemas.microsoft.com/office/drawing/2014/chart" uri="{C3380CC4-5D6E-409C-BE32-E72D297353CC}">
               <c16:uniqueId val="{00000002-7A44-4E5B-8C02-E4EDC55913DA}"/>
             </c:ext>
@@ -348,9 +348,9 @@
 </file>
 
 <file path=ppt/charts/chart2.xml><?xml version="1.0" encoding="utf-8"?>
-<c:chartSpace xmlns:c="http://schemas.openxmlformats.org/drawingml/2006/chart" xmlns:a="http://schemas.openxmlformats.org/drawingml/2006/main" xmlns:r="http://schemas.openxmlformats.org/officeDocument/2006/relationships" xmlns:c16r2="http://schemas.microsoft.com/office/drawing/2015/06/chart">
+<c:chartSpace xmlns:c="http://schemas.openxmlformats.org/drawingml/2006/chart" xmlns:a="http://schemas.openxmlformats.org/drawingml/2006/main" xmlns:r="http://schemas.openxmlformats.org/officeDocument/2006/relationships">
   <c:date1904 val="0"/>
-  <c:lang val="en-US"/>
+  <c:lang val="ru-RU"/>
   <c:roundedCorners val="0"/>
   <mc:AlternateContent xmlns:mc="http://schemas.openxmlformats.org/markup-compatibility/2006">
     <mc:Choice xmlns:c14="http://schemas.microsoft.com/office/drawing/2007/8/2/chart" Requires="c14">
@@ -405,7 +405,7 @@
               </a:ln>
               <a:effectLst/>
             </c:spPr>
-            <c:extLst>
+            <c:extLst xmlns:c16r2="http://schemas.microsoft.com/office/drawing/2015/06/chart">
               <c:ext xmlns:c16="http://schemas.microsoft.com/office/drawing/2014/chart" uri="{C3380CC4-5D6E-409C-BE32-E72D297353CC}">
                 <c16:uniqueId val="{00000001-BDB3-4C94-A8A8-35BEEA26ADA0}"/>
               </c:ext>
@@ -425,7 +425,7 @@
               </a:ln>
               <a:effectLst/>
             </c:spPr>
-            <c:extLst>
+            <c:extLst xmlns:c16r2="http://schemas.microsoft.com/office/drawing/2015/06/chart">
               <c:ext xmlns:c16="http://schemas.microsoft.com/office/drawing/2014/chart" uri="{C3380CC4-5D6E-409C-BE32-E72D297353CC}">
                 <c16:uniqueId val="{00000003-BDB3-4C94-A8A8-35BEEA26ADA0}"/>
               </c:ext>
@@ -460,7 +460,7 @@
               </c:numCache>
             </c:numRef>
           </c:val>
-          <c:extLst>
+          <c:extLst xmlns:c16r2="http://schemas.microsoft.com/office/drawing/2015/06/chart">
             <c:ext xmlns:c16="http://schemas.microsoft.com/office/drawing/2014/chart" uri="{C3380CC4-5D6E-409C-BE32-E72D297353CC}">
               <c16:uniqueId val="{00000004-BDB3-4C94-A8A8-35BEEA26ADA0}"/>
             </c:ext>
@@ -554,9 +554,9 @@
 </file>
 
 <file path=ppt/charts/chart3.xml><?xml version="1.0" encoding="utf-8"?>
-<c:chartSpace xmlns:c="http://schemas.openxmlformats.org/drawingml/2006/chart" xmlns:a="http://schemas.openxmlformats.org/drawingml/2006/main" xmlns:r="http://schemas.openxmlformats.org/officeDocument/2006/relationships" xmlns:c16r2="http://schemas.microsoft.com/office/drawing/2015/06/chart">
+<c:chartSpace xmlns:c="http://schemas.openxmlformats.org/drawingml/2006/chart" xmlns:a="http://schemas.openxmlformats.org/drawingml/2006/main" xmlns:r="http://schemas.openxmlformats.org/officeDocument/2006/relationships">
   <c:date1904 val="0"/>
-  <c:lang val="en-US"/>
+  <c:lang val="ru-RU"/>
   <c:roundedCorners val="0"/>
   <mc:AlternateContent xmlns:mc="http://schemas.openxmlformats.org/markup-compatibility/2006">
     <mc:Choice xmlns:c14="http://schemas.microsoft.com/office/drawing/2007/8/2/chart" Requires="c14">
@@ -610,7 +610,7 @@
               </a:ln>
               <a:effectLst/>
             </c:spPr>
-            <c:extLst>
+            <c:extLst xmlns:c16r2="http://schemas.microsoft.com/office/drawing/2015/06/chart">
               <c:ext xmlns:c16="http://schemas.microsoft.com/office/drawing/2014/chart" uri="{C3380CC4-5D6E-409C-BE32-E72D297353CC}">
                 <c16:uniqueId val="{00000001-6C71-41DA-9079-06FF3770378A}"/>
               </c:ext>
@@ -630,7 +630,7 @@
               </a:ln>
               <a:effectLst/>
             </c:spPr>
-            <c:extLst>
+            <c:extLst xmlns:c16r2="http://schemas.microsoft.com/office/drawing/2015/06/chart">
               <c:ext xmlns:c16="http://schemas.microsoft.com/office/drawing/2014/chart" uri="{C3380CC4-5D6E-409C-BE32-E72D297353CC}">
                 <c16:uniqueId val="{00000003-6C71-41DA-9079-06FF3770378A}"/>
               </c:ext>
@@ -651,7 +651,7 @@
               </a:ln>
               <a:effectLst/>
             </c:spPr>
-            <c:extLst>
+            <c:extLst xmlns:c16r2="http://schemas.microsoft.com/office/drawing/2015/06/chart">
               <c:ext xmlns:c16="http://schemas.microsoft.com/office/drawing/2014/chart" uri="{C3380CC4-5D6E-409C-BE32-E72D297353CC}">
                 <c16:uniqueId val="{00000005-6C71-41DA-9079-06FF3770378A}"/>
               </c:ext>
@@ -692,7 +692,7 @@
               </c:numCache>
             </c:numRef>
           </c:val>
-          <c:extLst>
+          <c:extLst xmlns:c16r2="http://schemas.microsoft.com/office/drawing/2015/06/chart">
             <c:ext xmlns:c16="http://schemas.microsoft.com/office/drawing/2014/chart" uri="{C3380CC4-5D6E-409C-BE32-E72D297353CC}">
               <c16:uniqueId val="{00000006-6C71-41DA-9079-06FF3770378A}"/>
             </c:ext>
@@ -786,9 +786,9 @@
 </file>
 
 <file path=ppt/charts/chart4.xml><?xml version="1.0" encoding="utf-8"?>
-<c:chartSpace xmlns:c="http://schemas.openxmlformats.org/drawingml/2006/chart" xmlns:a="http://schemas.openxmlformats.org/drawingml/2006/main" xmlns:r="http://schemas.openxmlformats.org/officeDocument/2006/relationships" xmlns:c16r2="http://schemas.microsoft.com/office/drawing/2015/06/chart">
+<c:chartSpace xmlns:c="http://schemas.openxmlformats.org/drawingml/2006/chart" xmlns:a="http://schemas.openxmlformats.org/drawingml/2006/main" xmlns:r="http://schemas.openxmlformats.org/officeDocument/2006/relationships">
   <c:date1904 val="0"/>
-  <c:lang val="en-US"/>
+  <c:lang val="ru-RU"/>
   <c:roundedCorners val="0"/>
   <mc:AlternateContent xmlns:mc="http://schemas.openxmlformats.org/markup-compatibility/2006">
     <mc:Choice xmlns:c14="http://schemas.microsoft.com/office/drawing/2007/8/2/chart" Requires="c14">
@@ -842,7 +842,7 @@
               </a:ln>
               <a:effectLst/>
             </c:spPr>
-            <c:extLst>
+            <c:extLst xmlns:c16r2="http://schemas.microsoft.com/office/drawing/2015/06/chart">
               <c:ext xmlns:c16="http://schemas.microsoft.com/office/drawing/2014/chart" uri="{C3380CC4-5D6E-409C-BE32-E72D297353CC}">
                 <c16:uniqueId val="{00000001-C63A-4B54-B521-F54EBCA427F8}"/>
               </c:ext>
@@ -862,7 +862,7 @@
               </a:ln>
               <a:effectLst/>
             </c:spPr>
-            <c:extLst>
+            <c:extLst xmlns:c16r2="http://schemas.microsoft.com/office/drawing/2015/06/chart">
               <c:ext xmlns:c16="http://schemas.microsoft.com/office/drawing/2014/chart" uri="{C3380CC4-5D6E-409C-BE32-E72D297353CC}">
                 <c16:uniqueId val="{00000003-C63A-4B54-B521-F54EBCA427F8}"/>
               </c:ext>
@@ -882,7 +882,7 @@
               </a:ln>
               <a:effectLst/>
             </c:spPr>
-            <c:extLst>
+            <c:extLst xmlns:c16r2="http://schemas.microsoft.com/office/drawing/2015/06/chart">
               <c:ext xmlns:c16="http://schemas.microsoft.com/office/drawing/2014/chart" uri="{C3380CC4-5D6E-409C-BE32-E72D297353CC}">
                 <c16:uniqueId val="{00000005-C63A-4B54-B521-F54EBCA427F8}"/>
               </c:ext>
@@ -903,7 +903,7 @@
               </a:ln>
               <a:effectLst/>
             </c:spPr>
-            <c:extLst>
+            <c:extLst xmlns:c16r2="http://schemas.microsoft.com/office/drawing/2015/06/chart">
               <c:ext xmlns:c16="http://schemas.microsoft.com/office/drawing/2014/chart" uri="{C3380CC4-5D6E-409C-BE32-E72D297353CC}">
                 <c16:uniqueId val="{00000007-C63A-4B54-B521-F54EBCA427F8}"/>
               </c:ext>
@@ -950,7 +950,7 @@
               </c:numCache>
             </c:numRef>
           </c:val>
-          <c:extLst>
+          <c:extLst xmlns:c16r2="http://schemas.microsoft.com/office/drawing/2015/06/chart">
             <c:ext xmlns:c16="http://schemas.microsoft.com/office/drawing/2014/chart" uri="{C3380CC4-5D6E-409C-BE32-E72D297353CC}">
               <c16:uniqueId val="{00000008-C63A-4B54-B521-F54EBCA427F8}"/>
             </c:ext>
@@ -1044,9 +1044,9 @@
 </file>
 
 <file path=ppt/charts/chart5.xml><?xml version="1.0" encoding="utf-8"?>
-<c:chartSpace xmlns:c="http://schemas.openxmlformats.org/drawingml/2006/chart" xmlns:a="http://schemas.openxmlformats.org/drawingml/2006/main" xmlns:r="http://schemas.openxmlformats.org/officeDocument/2006/relationships" xmlns:c16r2="http://schemas.microsoft.com/office/drawing/2015/06/chart">
+<c:chartSpace xmlns:c="http://schemas.openxmlformats.org/drawingml/2006/chart" xmlns:a="http://schemas.openxmlformats.org/drawingml/2006/main" xmlns:r="http://schemas.openxmlformats.org/officeDocument/2006/relationships">
   <c:date1904 val="0"/>
-  <c:lang val="en-US"/>
+  <c:lang val="ru-RU"/>
   <c:roundedCorners val="0"/>
   <mc:AlternateContent xmlns:mc="http://schemas.openxmlformats.org/markup-compatibility/2006">
     <mc:Choice xmlns:c14="http://schemas.microsoft.com/office/drawing/2007/8/2/chart" Requires="c14">
@@ -1100,7 +1100,7 @@
               </a:ln>
               <a:effectLst/>
             </c:spPr>
-            <c:extLst>
+            <c:extLst xmlns:c16r2="http://schemas.microsoft.com/office/drawing/2015/06/chart">
               <c:ext xmlns:c16="http://schemas.microsoft.com/office/drawing/2014/chart" uri="{C3380CC4-5D6E-409C-BE32-E72D297353CC}">
                 <c16:uniqueId val="{00000001-90DB-4A09-ADCA-7042E2952C35}"/>
               </c:ext>
@@ -1120,7 +1120,7 @@
               </a:ln>
               <a:effectLst/>
             </c:spPr>
-            <c:extLst>
+            <c:extLst xmlns:c16r2="http://schemas.microsoft.com/office/drawing/2015/06/chart">
               <c:ext xmlns:c16="http://schemas.microsoft.com/office/drawing/2014/chart" uri="{C3380CC4-5D6E-409C-BE32-E72D297353CC}">
                 <c16:uniqueId val="{00000003-90DB-4A09-ADCA-7042E2952C35}"/>
               </c:ext>
@@ -1140,7 +1140,7 @@
               </a:ln>
               <a:effectLst/>
             </c:spPr>
-            <c:extLst>
+            <c:extLst xmlns:c16r2="http://schemas.microsoft.com/office/drawing/2015/06/chart">
               <c:ext xmlns:c16="http://schemas.microsoft.com/office/drawing/2014/chart" uri="{C3380CC4-5D6E-409C-BE32-E72D297353CC}">
                 <c16:uniqueId val="{00000005-90DB-4A09-ADCA-7042E2952C35}"/>
               </c:ext>
@@ -1161,7 +1161,7 @@
               </a:ln>
               <a:effectLst/>
             </c:spPr>
-            <c:extLst>
+            <c:extLst xmlns:c16r2="http://schemas.microsoft.com/office/drawing/2015/06/chart">
               <c:ext xmlns:c16="http://schemas.microsoft.com/office/drawing/2014/chart" uri="{C3380CC4-5D6E-409C-BE32-E72D297353CC}">
                 <c16:uniqueId val="{00000007-90DB-4A09-ADCA-7042E2952C35}"/>
               </c:ext>
@@ -1181,7 +1181,7 @@
               </a:ln>
               <a:effectLst/>
             </c:spPr>
-            <c:extLst>
+            <c:extLst xmlns:c16r2="http://schemas.microsoft.com/office/drawing/2015/06/chart">
               <c:ext xmlns:c16="http://schemas.microsoft.com/office/drawing/2014/chart" uri="{C3380CC4-5D6E-409C-BE32-E72D297353CC}">
                 <c16:uniqueId val="{00000009-90DB-4A09-ADCA-7042E2952C35}"/>
               </c:ext>
@@ -1238,8 +1238,10 @@
                 <a:effectLst/>
               </c:spPr>
             </c:leaderLines>
-            <c:extLst>
-              <c:ext xmlns:c15="http://schemas.microsoft.com/office/drawing/2012/chart" uri="{CE6537A1-D6FC-4f65-9D91-7224C49458BB}"/>
+            <c:extLst xmlns:c16r2="http://schemas.microsoft.com/office/drawing/2015/06/chart">
+              <c:ext xmlns:c15="http://schemas.microsoft.com/office/drawing/2012/chart" uri="{CE6537A1-D6FC-4f65-9D91-7224C49458BB}">
+                <c15:layout/>
+              </c:ext>
             </c:extLst>
           </c:dLbls>
           <c:cat>
@@ -1289,7 +1291,7 @@
               </c:numCache>
             </c:numRef>
           </c:val>
-          <c:extLst>
+          <c:extLst xmlns:c16r2="http://schemas.microsoft.com/office/drawing/2015/06/chart">
             <c:ext xmlns:c16="http://schemas.microsoft.com/office/drawing/2014/chart" uri="{C3380CC4-5D6E-409C-BE32-E72D297353CC}">
               <c16:uniqueId val="{0000000A-90DB-4A09-ADCA-7042E2952C35}"/>
             </c:ext>
@@ -4259,7 +4261,7 @@
           <a:p>
             <a:fld id="{8B9C45F6-0AEB-4DC2-90E5-18A18839626C}" type="datetimeFigureOut">
               <a:rPr lang="ru-RU" smtClean="0"/>
-              <a:t>03.04.2018</a:t>
+              <a:t>05.04.2018</a:t>
             </a:fld>
             <a:endParaRPr lang="ru-RU"/>
           </a:p>
@@ -4571,85 +4573,8 @@
           <a:lstStyle/>
           <a:p>
             <a:r>
-              <a:rPr lang="ru-RU" dirty="0"/>
-              <a:t>Виталий, я работаю в </a:t>
-            </a:r>
-            <a:r>
-              <a:rPr lang="ru-RU" dirty="0" err="1"/>
-              <a:t>епаме</a:t>
-            </a:r>
-            <a:r>
-              <a:rPr lang="ru-RU" dirty="0"/>
-              <a:t>. Уже как 9 лет</a:t>
-            </a:r>
-            <a:r>
-              <a:rPr lang="ru-RU" baseline="0" dirty="0"/>
-              <a:t> работаю. В </a:t>
-            </a:r>
-            <a:r>
-              <a:rPr lang="en-US" baseline="0" dirty="0"/>
-              <a:t>IT </a:t>
-            </a:r>
-            <a:r>
-              <a:rPr lang="ru-RU" baseline="0" dirty="0"/>
-              <a:t>индустрии примерно столько же. Сейчас руковожу командой разработки на таком довольно известном языке как </a:t>
-            </a:r>
-            <a:r>
-              <a:rPr lang="en-US" baseline="0" dirty="0"/>
-              <a:t>Java</a:t>
-            </a:r>
-            <a:r>
-              <a:rPr lang="ru-RU" baseline="0" dirty="0"/>
-              <a:t>.</a:t>
-            </a:r>
-          </a:p>
-          <a:p>
-            <a:r>
-              <a:rPr lang="ru-RU" baseline="0" dirty="0"/>
-              <a:t>Екатерина, тоже работаю в компании ЕПАМ на протяжение более 3х лет. Сейчас координирую 4х </a:t>
-            </a:r>
-            <a:r>
-              <a:rPr lang="ru-RU" baseline="0" dirty="0" err="1"/>
-              <a:t>тестировщиков</a:t>
-            </a:r>
-            <a:r>
-              <a:rPr lang="ru-RU" baseline="0" dirty="0"/>
-              <a:t>. </a:t>
-            </a:r>
-          </a:p>
-          <a:p>
-            <a:pPr marL="0" marR="0" indent="0" algn="l" defTabSz="914400" rtl="0" eaLnBrk="1" fontAlgn="auto" latinLnBrk="0" hangingPunct="1">
-              <a:lnSpc>
-                <a:spcPct val="100000"/>
-              </a:lnSpc>
-              <a:spcBef>
-                <a:spcPts val="0"/>
-              </a:spcBef>
-              <a:spcAft>
-                <a:spcPts val="0"/>
-              </a:spcAft>
-              <a:buClrTx/>
-              <a:buSzTx/>
-              <a:buFontTx/>
-              <a:buNone/>
-              <a:tabLst/>
-              <a:defRPr/>
-            </a:pPr>
-            <a:r>
-              <a:rPr lang="ru-RU" dirty="0"/>
-              <a:t>Мы</a:t>
-            </a:r>
-            <a:r>
-              <a:rPr lang="ru-RU" baseline="0" dirty="0"/>
-              <a:t> бы хотели рассказать вам о том, почему мы выбрали эти профессии, чем мы занимаемся и как выглядит наш рабочий день. А также что нужно чтобы стать программистом или </a:t>
-            </a:r>
-            <a:r>
-              <a:rPr lang="ru-RU" baseline="0" dirty="0" err="1"/>
-              <a:t>тестировщиком</a:t>
-            </a:r>
-            <a:r>
-              <a:rPr lang="ru-RU" baseline="0" dirty="0"/>
-              <a:t>. </a:t>
+              <a:rPr lang="en-US" dirty="0" smtClean="0"/>
+              <a:t>TBD??</a:t>
             </a:r>
             <a:endParaRPr lang="ru-RU" dirty="0"/>
           </a:p>
@@ -5217,8 +5142,23 @@
           <a:lstStyle/>
           <a:p>
             <a:r>
+              <a:rPr lang="ru-RU" dirty="0" smtClean="0"/>
+              <a:t>Все ваши навыки, все ваши умения</a:t>
+            </a:r>
+            <a:r>
+              <a:rPr lang="ru-RU" baseline="0" dirty="0" smtClean="0"/>
+              <a:t> можно условно поделить на 2 части.</a:t>
+            </a:r>
+            <a:endParaRPr lang="ru-RU" dirty="0" smtClean="0"/>
+          </a:p>
+          <a:p>
+            <a:r>
+              <a:rPr lang="en-US" dirty="0" smtClean="0"/>
+              <a:t>Hard </a:t>
+            </a:r>
+            <a:r>
               <a:rPr lang="en-US" dirty="0"/>
-              <a:t>Hard skills</a:t>
+              <a:t>skills</a:t>
             </a:r>
             <a:r>
               <a:rPr lang="ru-RU" dirty="0"/>
@@ -5582,42 +5522,13 @@
             </a:r>
             <a:r>
               <a:rPr lang="ru-RU" baseline="0" dirty="0"/>
-              <a:t> к анализу – понимать и анализировать почему это так работает.</a:t>
-            </a:r>
-          </a:p>
-          <a:p>
-            <a:r>
-              <a:rPr lang="ru-RU" baseline="0" dirty="0"/>
-              <a:t>Когда я перехожу дорогу на зеленый, все машины останавливаются. Почему? Потому что видят меня? Будут ли они останавливаться если я не буду переходить дорогу на зеленый? Будут ли они останавливаться если я буду переходить дорогу на красный?</a:t>
-            </a:r>
-          </a:p>
-          <a:p>
-            <a:r>
-              <a:rPr lang="ru-RU" baseline="0" dirty="0"/>
-              <a:t>Только пожалуйста, не надо этого пробовать – для этого у нас в </a:t>
-            </a:r>
-            <a:r>
-              <a:rPr lang="en-US" baseline="0" dirty="0"/>
-              <a:t>IT </a:t>
-            </a:r>
-            <a:r>
-              <a:rPr lang="ru-RU" baseline="0" dirty="0"/>
-              <a:t>есть специальные люди которых называют </a:t>
-            </a:r>
-            <a:r>
-              <a:rPr lang="ru-RU" baseline="0" dirty="0" err="1"/>
-              <a:t>тестировщками</a:t>
-            </a:r>
-            <a:r>
-              <a:rPr lang="ru-RU" baseline="0" dirty="0"/>
-              <a:t>. Они задаются порой казалось бы самыми нелепыми вопросами.</a:t>
-            </a:r>
-          </a:p>
-          <a:p>
-            <a:r>
-              <a:rPr lang="ru-RU" baseline="0" dirty="0"/>
-              <a:t>А ведь ответ простой – машины останавливаются, потому что им показывается красный свет. И уже зная это, вы можете ответить на все предыдущие вопросы</a:t>
-            </a:r>
+              <a:t> к анализу – понимать и анализировать почему это так работает</a:t>
+            </a:r>
+            <a:r>
+              <a:rPr lang="ru-RU" baseline="0" dirty="0" smtClean="0"/>
+              <a:t>.</a:t>
+            </a:r>
+            <a:endParaRPr lang="ru-RU" baseline="0" dirty="0"/>
           </a:p>
         </p:txBody>
       </p:sp>
@@ -5813,12 +5724,44 @@
               <a:defRPr/>
             </a:pPr>
             <a:r>
-              <a:rPr lang="ru-RU" dirty="0"/>
+              <a:rPr lang="ru-RU" dirty="0" smtClean="0"/>
+              <a:t>Почему вам может быть интересно программирование? Например потому</a:t>
+            </a:r>
+            <a:r>
+              <a:rPr lang="ru-RU" baseline="0" dirty="0" smtClean="0"/>
+              <a:t> что профессии связанные с ИТ всегда были одними из самых передовых</a:t>
+            </a:r>
+            <a:endParaRPr lang="en-US" dirty="0" smtClean="0"/>
+          </a:p>
+          <a:p>
+            <a:pPr marL="0" marR="0" indent="0" algn="l" defTabSz="914400" rtl="0" eaLnBrk="1" fontAlgn="auto" latinLnBrk="0" hangingPunct="1">
+              <a:lnSpc>
+                <a:spcPct val="100000"/>
+              </a:lnSpc>
+              <a:spcBef>
+                <a:spcPts val="0"/>
+              </a:spcBef>
+              <a:spcAft>
+                <a:spcPts val="0"/>
+              </a:spcAft>
+              <a:buClrTx/>
+              <a:buSzTx/>
+              <a:buFontTx/>
+              <a:buNone/>
+              <a:tabLst/>
+              <a:defRPr/>
+            </a:pPr>
+            <a:r>
+              <a:rPr lang="ru-RU" dirty="0" smtClean="0"/>
               <a:t>Какие</a:t>
             </a:r>
             <a:r>
+              <a:rPr lang="ru-RU" baseline="0" dirty="0" smtClean="0"/>
+              <a:t> </a:t>
+            </a:r>
+            <a:r>
               <a:rPr lang="ru-RU" baseline="0" dirty="0"/>
-              <a:t> изобретения сейчас наиболее популярны? Про какие говорят больше всего?</a:t>
+              <a:t>изобретения сейчас наиболее популярны? Про какие говорят больше всего?</a:t>
             </a:r>
           </a:p>
           <a:p>
@@ -5900,7 +5843,25 @@
             </a:r>
             <a:r>
               <a:rPr lang="ru-RU" baseline="0" dirty="0"/>
-              <a:t> Сами по себе они пусты и бесполезны – их необходимо запрограммировать чтобы они начали делать что-то полезное. И чтобы их запрограммировать, нужен человек. Нужен программист. И вы можете стать одним из тех кто оживит их</a:t>
+              <a:t> Сами по себе они пусты и бесполезны – их необходимо запрограммировать чтобы они начали делать что-то полезное. И чтобы их запрограммировать, нужен человек. Нужен программист. И вы можете стать одним из тех кто оживит </a:t>
+            </a:r>
+            <a:r>
+              <a:rPr lang="ru-RU" baseline="0" dirty="0" smtClean="0"/>
+              <a:t>их</a:t>
+            </a:r>
+          </a:p>
+          <a:p>
+            <a:pPr marL="0" indent="0">
+              <a:buFontTx/>
+              <a:buNone/>
+            </a:pPr>
+            <a:r>
+              <a:rPr lang="ru-RU" baseline="0" dirty="0" smtClean="0"/>
+              <a:t>Или разломать – чем и занимаются наши друзья </a:t>
+            </a:r>
+            <a:r>
+              <a:rPr lang="ru-RU" baseline="0" dirty="0" err="1" smtClean="0"/>
+              <a:t>тестировщики</a:t>
             </a:r>
             <a:endParaRPr lang="ru-RU" dirty="0"/>
           </a:p>
@@ -6116,8 +6077,12 @@
           </a:p>
           <a:p>
             <a:r>
+              <a:rPr lang="ru-RU" b="1" baseline="0" dirty="0" smtClean="0"/>
+              <a:t>ВИТ: И </a:t>
+            </a:r>
+            <a:r>
               <a:rPr lang="ru-RU" b="1" baseline="0" dirty="0"/>
-              <a:t>И все это звучит довольно отвлеченно – ну как это все связано с программированием?</a:t>
+              <a:t>все это звучит довольно отвлеченно – ну как это все связано с программированием?</a:t>
             </a:r>
             <a:endParaRPr lang="ru-RU" b="1" dirty="0"/>
           </a:p>
@@ -6209,8 +6174,27 @@
             </a:r>
             <a:r>
               <a:rPr lang="ru-RU" baseline="0" dirty="0"/>
-              <a:t> если вспомнить из чего состоит день программиста, то все эти важные навыки применяются каждый день</a:t>
-            </a:r>
+              <a:t> если вспомнить из чего состоит день программиста, то все эти важные навыки применяются каждый </a:t>
+            </a:r>
+            <a:r>
+              <a:rPr lang="ru-RU" baseline="0" dirty="0" smtClean="0"/>
+              <a:t>день</a:t>
+            </a:r>
+          </a:p>
+          <a:p>
+            <a:r>
+              <a:rPr lang="ru-RU" baseline="0" dirty="0" smtClean="0"/>
+              <a:t>Умение логически мыслить – если я ввожу что-то в поле ввода и нажимаю на кнопку – все работает, а что если не вводить ничего и просто нажать на кнопку. Здесь у разработчиков перед </a:t>
+            </a:r>
+            <a:r>
+              <a:rPr lang="ru-RU" baseline="0" dirty="0" err="1" smtClean="0"/>
+              <a:t>тестировщиками</a:t>
+            </a:r>
+            <a:r>
+              <a:rPr lang="ru-RU" baseline="0" dirty="0" smtClean="0"/>
+              <a:t> есть преимущество – они знают как внутри работает программа. Например они могут знать что если ввести очень длинный текст и нажать кнопку, то программа наверно сломается</a:t>
+            </a:r>
+            <a:endParaRPr lang="ru-RU" baseline="0" dirty="0"/>
           </a:p>
         </p:txBody>
       </p:sp>
@@ -6295,25 +6279,10 @@
           <a:lstStyle/>
           <a:p>
             <a:r>
-              <a:rPr lang="ru-RU" baseline="0" dirty="0"/>
-              <a:t>А если вспомнить из чего состоит день </a:t>
-            </a:r>
-            <a:r>
-              <a:rPr lang="ru-RU" baseline="0" dirty="0" err="1"/>
-              <a:t>тестировщика</a:t>
-            </a:r>
-            <a:r>
-              <a:rPr lang="ru-RU" baseline="0" dirty="0"/>
-              <a:t>, то все эти важные </a:t>
-            </a:r>
-            <a:r>
-              <a:rPr lang="ru-RU" baseline="0"/>
-              <a:t>навыки применяются </a:t>
-            </a:r>
-            <a:r>
-              <a:rPr lang="ru-RU" baseline="0" dirty="0"/>
-              <a:t>каждый день</a:t>
-            </a:r>
+              <a:rPr lang="en-US" baseline="0" dirty="0" smtClean="0"/>
+              <a:t>TBD</a:t>
+            </a:r>
+            <a:endParaRPr lang="ru-RU" baseline="0" dirty="0"/>
           </a:p>
         </p:txBody>
       </p:sp>
@@ -6344,6 +6313,230 @@
     <p:extLst>
       <p:ext uri="{BB962C8B-B14F-4D97-AF65-F5344CB8AC3E}">
         <p14:creationId xmlns:p14="http://schemas.microsoft.com/office/powerpoint/2010/main" val="1530967944"/>
+      </p:ext>
+    </p:extLst>
+  </p:cSld>
+  <p:clrMapOvr>
+    <a:masterClrMapping/>
+  </p:clrMapOvr>
+</p:notes>
+</file>
+
+<file path=ppt/notesSlides/notesSlide24.xml><?xml version="1.0" encoding="utf-8"?>
+<p:notes xmlns:a="http://schemas.openxmlformats.org/drawingml/2006/main" xmlns:r="http://schemas.openxmlformats.org/officeDocument/2006/relationships" xmlns:p="http://schemas.openxmlformats.org/presentationml/2006/main">
+  <p:cSld>
+    <p:spTree>
+      <p:nvGrpSpPr>
+        <p:cNvPr id="1" name=""/>
+        <p:cNvGrpSpPr/>
+        <p:nvPr/>
+      </p:nvGrpSpPr>
+      <p:grpSpPr>
+        <a:xfrm>
+          <a:off x="0" y="0"/>
+          <a:ext cx="0" cy="0"/>
+          <a:chOff x="0" y="0"/>
+          <a:chExt cx="0" cy="0"/>
+        </a:xfrm>
+      </p:grpSpPr>
+      <p:sp>
+        <p:nvSpPr>
+          <p:cNvPr id="2" name="Образ слайда 1"/>
+          <p:cNvSpPr>
+            <a:spLocks noGrp="1" noRot="1" noChangeAspect="1"/>
+          </p:cNvSpPr>
+          <p:nvPr>
+            <p:ph type="sldImg"/>
+          </p:nvPr>
+        </p:nvSpPr>
+        <p:spPr/>
+      </p:sp>
+      <p:sp>
+        <p:nvSpPr>
+          <p:cNvPr id="3" name="Заметки 2"/>
+          <p:cNvSpPr>
+            <a:spLocks noGrp="1"/>
+          </p:cNvSpPr>
+          <p:nvPr>
+            <p:ph type="body" idx="1"/>
+          </p:nvPr>
+        </p:nvSpPr>
+        <p:spPr/>
+        <p:txBody>
+          <a:bodyPr/>
+          <a:lstStyle/>
+          <a:p>
+            <a:r>
+              <a:rPr lang="ru-RU" dirty="0" smtClean="0"/>
+              <a:t>И это все что мы хотели рассказать, есть ли</a:t>
+            </a:r>
+            <a:r>
+              <a:rPr lang="ru-RU" baseline="0" dirty="0" smtClean="0"/>
+              <a:t> у вас вопросы?</a:t>
+            </a:r>
+            <a:endParaRPr lang="ru-RU" dirty="0" smtClean="0"/>
+          </a:p>
+        </p:txBody>
+      </p:sp>
+      <p:sp>
+        <p:nvSpPr>
+          <p:cNvPr id="4" name="Номер слайда 3"/>
+          <p:cNvSpPr>
+            <a:spLocks noGrp="1"/>
+          </p:cNvSpPr>
+          <p:nvPr>
+            <p:ph type="sldNum" sz="quarter" idx="10"/>
+          </p:nvPr>
+        </p:nvSpPr>
+        <p:spPr/>
+        <p:txBody>
+          <a:bodyPr/>
+          <a:lstStyle/>
+          <a:p>
+            <a:fld id="{8ECB1CBD-3302-4BCA-82F2-2D3160A62E8C}" type="slidenum">
+              <a:rPr lang="ru-RU" smtClean="0"/>
+              <a:t>25</a:t>
+            </a:fld>
+            <a:endParaRPr lang="ru-RU"/>
+          </a:p>
+        </p:txBody>
+      </p:sp>
+    </p:spTree>
+    <p:extLst>
+      <p:ext uri="{BB962C8B-B14F-4D97-AF65-F5344CB8AC3E}">
+        <p14:creationId xmlns:p14="http://schemas.microsoft.com/office/powerpoint/2010/main" val="4194174386"/>
+      </p:ext>
+    </p:extLst>
+  </p:cSld>
+  <p:clrMapOvr>
+    <a:masterClrMapping/>
+  </p:clrMapOvr>
+</p:notes>
+</file>
+
+<file path=ppt/notesSlides/notesSlide25.xml><?xml version="1.0" encoding="utf-8"?>
+<p:notes xmlns:a="http://schemas.openxmlformats.org/drawingml/2006/main" xmlns:r="http://schemas.openxmlformats.org/officeDocument/2006/relationships" xmlns:p="http://schemas.openxmlformats.org/presentationml/2006/main">
+  <p:cSld>
+    <p:spTree>
+      <p:nvGrpSpPr>
+        <p:cNvPr id="1" name=""/>
+        <p:cNvGrpSpPr/>
+        <p:nvPr/>
+      </p:nvGrpSpPr>
+      <p:grpSpPr>
+        <a:xfrm>
+          <a:off x="0" y="0"/>
+          <a:ext cx="0" cy="0"/>
+          <a:chOff x="0" y="0"/>
+          <a:chExt cx="0" cy="0"/>
+        </a:xfrm>
+      </p:grpSpPr>
+      <p:sp>
+        <p:nvSpPr>
+          <p:cNvPr id="2" name="Образ слайда 1"/>
+          <p:cNvSpPr>
+            <a:spLocks noGrp="1" noRot="1" noChangeAspect="1"/>
+          </p:cNvSpPr>
+          <p:nvPr>
+            <p:ph type="sldImg"/>
+          </p:nvPr>
+        </p:nvSpPr>
+        <p:spPr/>
+      </p:sp>
+      <p:sp>
+        <p:nvSpPr>
+          <p:cNvPr id="3" name="Заметки 2"/>
+          <p:cNvSpPr>
+            <a:spLocks noGrp="1"/>
+          </p:cNvSpPr>
+          <p:nvPr>
+            <p:ph type="body" idx="1"/>
+          </p:nvPr>
+        </p:nvSpPr>
+        <p:spPr/>
+        <p:txBody>
+          <a:bodyPr/>
+          <a:lstStyle/>
+          <a:p>
+            <a:r>
+              <a:rPr lang="ru-RU" dirty="0" smtClean="0"/>
+              <a:t>Мастер класс – аудитория</a:t>
+            </a:r>
+            <a:r>
+              <a:rPr lang="ru-RU" baseline="0" dirty="0" smtClean="0"/>
+              <a:t> по программированию , аудитория по тестированию</a:t>
+            </a:r>
+          </a:p>
+          <a:p>
+            <a:r>
+              <a:rPr lang="ru-RU" baseline="0" dirty="0" smtClean="0"/>
+              <a:t>Для мастер класса по программированию необходим телефон на </a:t>
+            </a:r>
+            <a:r>
+              <a:rPr lang="ru-RU" baseline="0" dirty="0" err="1" smtClean="0"/>
+              <a:t>андроиде</a:t>
+            </a:r>
+            <a:r>
+              <a:rPr lang="ru-RU" baseline="0" dirty="0" smtClean="0"/>
+              <a:t>. На двери аудитории будет название </a:t>
+            </a:r>
+            <a:r>
+              <a:rPr lang="ru-RU" baseline="0" dirty="0" err="1" smtClean="0"/>
+              <a:t>вайфай</a:t>
+            </a:r>
+            <a:r>
+              <a:rPr lang="ru-RU" baseline="0" dirty="0" smtClean="0"/>
+              <a:t> сети, а также названия приложений, которые нужно установить для мастер-класса. Пожалуйста, попытайтесь подсоединиться к сети и скачать приложения до начала мастер-класса.</a:t>
+            </a:r>
+          </a:p>
+          <a:p>
+            <a:r>
+              <a:rPr lang="ru-RU" baseline="0" dirty="0" smtClean="0"/>
+              <a:t>Еще надеюсь вы знаете пароль от своего </a:t>
+            </a:r>
+            <a:r>
+              <a:rPr lang="ru-RU" baseline="0" dirty="0" err="1" smtClean="0"/>
+              <a:t>гугл</a:t>
+            </a:r>
+            <a:r>
+              <a:rPr lang="ru-RU" baseline="0" dirty="0" smtClean="0"/>
+              <a:t> аккаунта, он </a:t>
+            </a:r>
+            <a:r>
+              <a:rPr lang="ru-RU" baseline="0" smtClean="0"/>
+              <a:t>вам понадобится</a:t>
+            </a:r>
+            <a:endParaRPr lang="en-US" dirty="0"/>
+          </a:p>
+        </p:txBody>
+      </p:sp>
+      <p:sp>
+        <p:nvSpPr>
+          <p:cNvPr id="4" name="Номер слайда 3"/>
+          <p:cNvSpPr>
+            <a:spLocks noGrp="1"/>
+          </p:cNvSpPr>
+          <p:nvPr>
+            <p:ph type="sldNum" sz="quarter" idx="10"/>
+          </p:nvPr>
+        </p:nvSpPr>
+        <p:spPr/>
+        <p:txBody>
+          <a:bodyPr/>
+          <a:lstStyle/>
+          <a:p>
+            <a:fld id="{8ECB1CBD-3302-4BCA-82F2-2D3160A62E8C}" type="slidenum">
+              <a:rPr lang="ru-RU" smtClean="0"/>
+              <a:t>26</a:t>
+            </a:fld>
+            <a:endParaRPr lang="ru-RU"/>
+          </a:p>
+        </p:txBody>
+      </p:sp>
+    </p:spTree>
+    <p:extLst>
+      <p:ext uri="{BB962C8B-B14F-4D97-AF65-F5344CB8AC3E}">
+        <p14:creationId xmlns:p14="http://schemas.microsoft.com/office/powerpoint/2010/main" val="1297758366"/>
       </p:ext>
     </p:extLst>
   </p:cSld>
@@ -6612,8 +6805,29 @@
             </a:r>
             <a:r>
               <a:rPr lang="ru-RU" baseline="0" dirty="0"/>
-              <a:t> становится все больше с каждым годов – за прошлый год нас стало больше на 20%</a:t>
-            </a:r>
+              <a:t> становится все больше с каждым годов – за прошлый год нас стало больше на 20</a:t>
+            </a:r>
+            <a:r>
+              <a:rPr lang="ru-RU" baseline="0" dirty="0" smtClean="0"/>
+              <a:t>% и все равно </a:t>
+            </a:r>
+            <a:r>
+              <a:rPr lang="ru-RU" baseline="0" dirty="0" err="1" smtClean="0"/>
+              <a:t>насмотря</a:t>
+            </a:r>
+            <a:r>
+              <a:rPr lang="ru-RU" baseline="0" dirty="0" smtClean="0"/>
+              <a:t> на то что нас все больше, найти работу в </a:t>
+            </a:r>
+            <a:r>
+              <a:rPr lang="en-US" baseline="0" dirty="0" smtClean="0"/>
+              <a:t>IT </a:t>
+            </a:r>
+            <a:r>
+              <a:rPr lang="ru-RU" baseline="0" dirty="0" smtClean="0"/>
+              <a:t>для специалиста нетрудно</a:t>
+            </a:r>
+            <a:endParaRPr lang="ru-RU" baseline="0" dirty="0"/>
           </a:p>
           <a:p>
             <a:r>
@@ -7352,7 +7566,7 @@
           <a:p>
             <a:fld id="{0F64EEF6-A7EF-4ACA-ADF7-1618DD6B7A0C}" type="datetimeFigureOut">
               <a:rPr lang="ru-RU" smtClean="0"/>
-              <a:t>03.04.2018</a:t>
+              <a:t>05.04.2018</a:t>
             </a:fld>
             <a:endParaRPr lang="ru-RU"/>
           </a:p>
@@ -7522,7 +7736,7 @@
           <a:p>
             <a:fld id="{0F64EEF6-A7EF-4ACA-ADF7-1618DD6B7A0C}" type="datetimeFigureOut">
               <a:rPr lang="ru-RU" smtClean="0"/>
-              <a:t>03.04.2018</a:t>
+              <a:t>05.04.2018</a:t>
             </a:fld>
             <a:endParaRPr lang="ru-RU"/>
           </a:p>
@@ -7702,7 +7916,7 @@
           <a:p>
             <a:fld id="{0F64EEF6-A7EF-4ACA-ADF7-1618DD6B7A0C}" type="datetimeFigureOut">
               <a:rPr lang="ru-RU" smtClean="0"/>
-              <a:t>03.04.2018</a:t>
+              <a:t>05.04.2018</a:t>
             </a:fld>
             <a:endParaRPr lang="ru-RU"/>
           </a:p>
@@ -7905,7 +8119,7 @@
           <a:p>
             <a:fld id="{0F64EEF6-A7EF-4ACA-ADF7-1618DD6B7A0C}" type="datetimeFigureOut">
               <a:rPr lang="ru-RU" smtClean="0"/>
-              <a:t>03.04.2018</a:t>
+              <a:t>05.04.2018</a:t>
             </a:fld>
             <a:endParaRPr lang="ru-RU"/>
           </a:p>
@@ -8075,7 +8289,7 @@
           <a:p>
             <a:fld id="{0F64EEF6-A7EF-4ACA-ADF7-1618DD6B7A0C}" type="datetimeFigureOut">
               <a:rPr lang="ru-RU" smtClean="0"/>
-              <a:t>03.04.2018</a:t>
+              <a:t>05.04.2018</a:t>
             </a:fld>
             <a:endParaRPr lang="ru-RU"/>
           </a:p>
@@ -8326,7 +8540,7 @@
           <a:p>
             <a:fld id="{0F64EEF6-A7EF-4ACA-ADF7-1618DD6B7A0C}" type="datetimeFigureOut">
               <a:rPr lang="ru-RU" smtClean="0"/>
-              <a:t>03.04.2018</a:t>
+              <a:t>05.04.2018</a:t>
             </a:fld>
             <a:endParaRPr lang="ru-RU"/>
           </a:p>
@@ -8558,7 +8772,7 @@
           <a:p>
             <a:fld id="{0F64EEF6-A7EF-4ACA-ADF7-1618DD6B7A0C}" type="datetimeFigureOut">
               <a:rPr lang="ru-RU" smtClean="0"/>
-              <a:t>03.04.2018</a:t>
+              <a:t>05.04.2018</a:t>
             </a:fld>
             <a:endParaRPr lang="ru-RU"/>
           </a:p>
@@ -8905,7 +9119,7 @@
           <a:p>
             <a:fld id="{0F64EEF6-A7EF-4ACA-ADF7-1618DD6B7A0C}" type="datetimeFigureOut">
               <a:rPr lang="ru-RU" smtClean="0"/>
-              <a:t>03.04.2018</a:t>
+              <a:t>05.04.2018</a:t>
             </a:fld>
             <a:endParaRPr lang="ru-RU"/>
           </a:p>
@@ -9023,7 +9237,7 @@
           <a:p>
             <a:fld id="{0F64EEF6-A7EF-4ACA-ADF7-1618DD6B7A0C}" type="datetimeFigureOut">
               <a:rPr lang="ru-RU" smtClean="0"/>
-              <a:t>03.04.2018</a:t>
+              <a:t>05.04.2018</a:t>
             </a:fld>
             <a:endParaRPr lang="ru-RU"/>
           </a:p>
@@ -9141,7 +9355,7 @@
           <a:p>
             <a:fld id="{0F64EEF6-A7EF-4ACA-ADF7-1618DD6B7A0C}" type="datetimeFigureOut">
               <a:rPr lang="ru-RU" smtClean="0"/>
-              <a:t>03.04.2018</a:t>
+              <a:t>05.04.2018</a:t>
             </a:fld>
             <a:endParaRPr lang="ru-RU"/>
           </a:p>
@@ -9425,7 +9639,7 @@
           <a:p>
             <a:fld id="{0F64EEF6-A7EF-4ACA-ADF7-1618DD6B7A0C}" type="datetimeFigureOut">
               <a:rPr lang="ru-RU" smtClean="0"/>
-              <a:t>03.04.2018</a:t>
+              <a:t>05.04.2018</a:t>
             </a:fld>
             <a:endParaRPr lang="ru-RU"/>
           </a:p>
@@ -9595,7 +9809,7 @@
           <a:p>
             <a:fld id="{0F64EEF6-A7EF-4ACA-ADF7-1618DD6B7A0C}" type="datetimeFigureOut">
               <a:rPr lang="ru-RU" smtClean="0"/>
-              <a:t>03.04.2018</a:t>
+              <a:t>05.04.2018</a:t>
             </a:fld>
             <a:endParaRPr lang="ru-RU"/>
           </a:p>
@@ -9859,7 +10073,7 @@
           <a:p>
             <a:fld id="{0F64EEF6-A7EF-4ACA-ADF7-1618DD6B7A0C}" type="datetimeFigureOut">
               <a:rPr lang="ru-RU" smtClean="0"/>
-              <a:t>03.04.2018</a:t>
+              <a:t>05.04.2018</a:t>
             </a:fld>
             <a:endParaRPr lang="ru-RU"/>
           </a:p>
@@ -10029,7 +10243,7 @@
           <a:p>
             <a:fld id="{0F64EEF6-A7EF-4ACA-ADF7-1618DD6B7A0C}" type="datetimeFigureOut">
               <a:rPr lang="ru-RU" smtClean="0"/>
-              <a:t>03.04.2018</a:t>
+              <a:t>05.04.2018</a:t>
             </a:fld>
             <a:endParaRPr lang="ru-RU"/>
           </a:p>
@@ -10209,7 +10423,7 @@
           <a:p>
             <a:fld id="{0F64EEF6-A7EF-4ACA-ADF7-1618DD6B7A0C}" type="datetimeFigureOut">
               <a:rPr lang="ru-RU" smtClean="0"/>
-              <a:t>03.04.2018</a:t>
+              <a:t>05.04.2018</a:t>
             </a:fld>
             <a:endParaRPr lang="ru-RU"/>
           </a:p>
@@ -10412,7 +10626,7 @@
           <a:p>
             <a:fld id="{0F64EEF6-A7EF-4ACA-ADF7-1618DD6B7A0C}" type="datetimeFigureOut">
               <a:rPr lang="ru-RU" smtClean="0"/>
-              <a:t>03.04.2018</a:t>
+              <a:t>05.04.2018</a:t>
             </a:fld>
             <a:endParaRPr lang="ru-RU"/>
           </a:p>
@@ -10582,7 +10796,7 @@
           <a:p>
             <a:fld id="{0F64EEF6-A7EF-4ACA-ADF7-1618DD6B7A0C}" type="datetimeFigureOut">
               <a:rPr lang="ru-RU" smtClean="0"/>
-              <a:t>03.04.2018</a:t>
+              <a:t>05.04.2018</a:t>
             </a:fld>
             <a:endParaRPr lang="ru-RU"/>
           </a:p>
@@ -10833,7 +11047,7 @@
           <a:p>
             <a:fld id="{0F64EEF6-A7EF-4ACA-ADF7-1618DD6B7A0C}" type="datetimeFigureOut">
               <a:rPr lang="ru-RU" smtClean="0"/>
-              <a:t>03.04.2018</a:t>
+              <a:t>05.04.2018</a:t>
             </a:fld>
             <a:endParaRPr lang="ru-RU"/>
           </a:p>
@@ -11065,7 +11279,7 @@
           <a:p>
             <a:fld id="{0F64EEF6-A7EF-4ACA-ADF7-1618DD6B7A0C}" type="datetimeFigureOut">
               <a:rPr lang="ru-RU" smtClean="0"/>
-              <a:t>03.04.2018</a:t>
+              <a:t>05.04.2018</a:t>
             </a:fld>
             <a:endParaRPr lang="ru-RU"/>
           </a:p>
@@ -11412,7 +11626,7 @@
           <a:p>
             <a:fld id="{0F64EEF6-A7EF-4ACA-ADF7-1618DD6B7A0C}" type="datetimeFigureOut">
               <a:rPr lang="ru-RU" smtClean="0"/>
-              <a:t>03.04.2018</a:t>
+              <a:t>05.04.2018</a:t>
             </a:fld>
             <a:endParaRPr lang="ru-RU"/>
           </a:p>
@@ -11530,7 +11744,7 @@
           <a:p>
             <a:fld id="{0F64EEF6-A7EF-4ACA-ADF7-1618DD6B7A0C}" type="datetimeFigureOut">
               <a:rPr lang="ru-RU" smtClean="0"/>
-              <a:t>03.04.2018</a:t>
+              <a:t>05.04.2018</a:t>
             </a:fld>
             <a:endParaRPr lang="ru-RU"/>
           </a:p>
@@ -11648,7 +11862,7 @@
           <a:p>
             <a:fld id="{0F64EEF6-A7EF-4ACA-ADF7-1618DD6B7A0C}" type="datetimeFigureOut">
               <a:rPr lang="ru-RU" smtClean="0"/>
-              <a:t>03.04.2018</a:t>
+              <a:t>05.04.2018</a:t>
             </a:fld>
             <a:endParaRPr lang="ru-RU"/>
           </a:p>
@@ -11899,7 +12113,7 @@
           <a:p>
             <a:fld id="{0F64EEF6-A7EF-4ACA-ADF7-1618DD6B7A0C}" type="datetimeFigureOut">
               <a:rPr lang="ru-RU" smtClean="0"/>
-              <a:t>03.04.2018</a:t>
+              <a:t>05.04.2018</a:t>
             </a:fld>
             <a:endParaRPr lang="ru-RU"/>
           </a:p>
@@ -12183,7 +12397,7 @@
           <a:p>
             <a:fld id="{0F64EEF6-A7EF-4ACA-ADF7-1618DD6B7A0C}" type="datetimeFigureOut">
               <a:rPr lang="ru-RU" smtClean="0"/>
-              <a:t>03.04.2018</a:t>
+              <a:t>05.04.2018</a:t>
             </a:fld>
             <a:endParaRPr lang="ru-RU"/>
           </a:p>
@@ -12447,7 +12661,7 @@
           <a:p>
             <a:fld id="{0F64EEF6-A7EF-4ACA-ADF7-1618DD6B7A0C}" type="datetimeFigureOut">
               <a:rPr lang="ru-RU" smtClean="0"/>
-              <a:t>03.04.2018</a:t>
+              <a:t>05.04.2018</a:t>
             </a:fld>
             <a:endParaRPr lang="ru-RU"/>
           </a:p>
@@ -12617,7 +12831,7 @@
           <a:p>
             <a:fld id="{0F64EEF6-A7EF-4ACA-ADF7-1618DD6B7A0C}" type="datetimeFigureOut">
               <a:rPr lang="ru-RU" smtClean="0"/>
-              <a:t>03.04.2018</a:t>
+              <a:t>05.04.2018</a:t>
             </a:fld>
             <a:endParaRPr lang="ru-RU"/>
           </a:p>
@@ -12797,7 +13011,7 @@
           <a:p>
             <a:fld id="{0F64EEF6-A7EF-4ACA-ADF7-1618DD6B7A0C}" type="datetimeFigureOut">
               <a:rPr lang="ru-RU" smtClean="0"/>
-              <a:t>03.04.2018</a:t>
+              <a:t>05.04.2018</a:t>
             </a:fld>
             <a:endParaRPr lang="ru-RU"/>
           </a:p>
@@ -13084,7 +13298,7 @@
           <a:p>
             <a:fld id="{0F64EEF6-A7EF-4ACA-ADF7-1618DD6B7A0C}" type="datetimeFigureOut">
               <a:rPr lang="ru-RU" smtClean="0"/>
-              <a:t>03.04.2018</a:t>
+              <a:t>05.04.2018</a:t>
             </a:fld>
             <a:endParaRPr lang="ru-RU"/>
           </a:p>
@@ -13292,7 +13506,7 @@
           <a:p>
             <a:fld id="{0F64EEF6-A7EF-4ACA-ADF7-1618DD6B7A0C}" type="datetimeFigureOut">
               <a:rPr lang="ru-RU" smtClean="0"/>
-              <a:t>03.04.2018</a:t>
+              <a:t>05.04.2018</a:t>
             </a:fld>
             <a:endParaRPr lang="ru-RU"/>
           </a:p>
@@ -13635,7 +13849,7 @@
           <a:p>
             <a:fld id="{0F64EEF6-A7EF-4ACA-ADF7-1618DD6B7A0C}" type="datetimeFigureOut">
               <a:rPr lang="ru-RU" smtClean="0"/>
-              <a:t>03.04.2018</a:t>
+              <a:t>05.04.2018</a:t>
             </a:fld>
             <a:endParaRPr lang="ru-RU"/>
           </a:p>
@@ -13910,7 +14124,7 @@
           <a:p>
             <a:fld id="{0F64EEF6-A7EF-4ACA-ADF7-1618DD6B7A0C}" type="datetimeFigureOut">
               <a:rPr lang="ru-RU" smtClean="0"/>
-              <a:t>03.04.2018</a:t>
+              <a:t>05.04.2018</a:t>
             </a:fld>
             <a:endParaRPr lang="ru-RU"/>
           </a:p>
@@ -14289,7 +14503,7 @@
           <a:p>
             <a:fld id="{0F64EEF6-A7EF-4ACA-ADF7-1618DD6B7A0C}" type="datetimeFigureOut">
               <a:rPr lang="ru-RU" smtClean="0"/>
-              <a:t>03.04.2018</a:t>
+              <a:t>05.04.2018</a:t>
             </a:fld>
             <a:endParaRPr lang="ru-RU"/>
           </a:p>
@@ -14407,7 +14621,7 @@
           <a:p>
             <a:fld id="{0F64EEF6-A7EF-4ACA-ADF7-1618DD6B7A0C}" type="datetimeFigureOut">
               <a:rPr lang="ru-RU" smtClean="0"/>
-              <a:t>03.04.2018</a:t>
+              <a:t>05.04.2018</a:t>
             </a:fld>
             <a:endParaRPr lang="ru-RU"/>
           </a:p>
@@ -14639,7 +14853,7 @@
           <a:p>
             <a:fld id="{0F64EEF6-A7EF-4ACA-ADF7-1618DD6B7A0C}" type="datetimeFigureOut">
               <a:rPr lang="ru-RU" smtClean="0"/>
-              <a:t>03.04.2018</a:t>
+              <a:t>05.04.2018</a:t>
             </a:fld>
             <a:endParaRPr lang="ru-RU"/>
           </a:p>
@@ -14810,7 +15024,7 @@
           <a:p>
             <a:fld id="{0F64EEF6-A7EF-4ACA-ADF7-1618DD6B7A0C}" type="datetimeFigureOut">
               <a:rPr lang="ru-RU" smtClean="0"/>
-              <a:t>03.04.2018</a:t>
+              <a:t>05.04.2018</a:t>
             </a:fld>
             <a:endParaRPr lang="ru-RU"/>
           </a:p>
@@ -15164,7 +15378,7 @@
           <a:p>
             <a:fld id="{0F64EEF6-A7EF-4ACA-ADF7-1618DD6B7A0C}" type="datetimeFigureOut">
               <a:rPr lang="ru-RU" smtClean="0"/>
-              <a:t>03.04.2018</a:t>
+              <a:t>05.04.2018</a:t>
             </a:fld>
             <a:endParaRPr lang="ru-RU"/>
           </a:p>
@@ -15546,7 +15760,7 @@
           <a:p>
             <a:fld id="{0F64EEF6-A7EF-4ACA-ADF7-1618DD6B7A0C}" type="datetimeFigureOut">
               <a:rPr lang="ru-RU" smtClean="0"/>
-              <a:t>03.04.2018</a:t>
+              <a:t>05.04.2018</a:t>
             </a:fld>
             <a:endParaRPr lang="ru-RU"/>
           </a:p>
@@ -15716,7 +15930,7 @@
           <a:p>
             <a:fld id="{0F64EEF6-A7EF-4ACA-ADF7-1618DD6B7A0C}" type="datetimeFigureOut">
               <a:rPr lang="ru-RU" smtClean="0"/>
-              <a:t>03.04.2018</a:t>
+              <a:t>05.04.2018</a:t>
             </a:fld>
             <a:endParaRPr lang="ru-RU"/>
           </a:p>
@@ -15972,7 +16186,7 @@
           <a:p>
             <a:fld id="{0F64EEF6-A7EF-4ACA-ADF7-1618DD6B7A0C}" type="datetimeFigureOut">
               <a:rPr lang="ru-RU" smtClean="0"/>
-              <a:t>03.04.2018</a:t>
+              <a:t>05.04.2018</a:t>
             </a:fld>
             <a:endParaRPr lang="ru-RU"/>
           </a:p>
@@ -16319,7 +16533,7 @@
           <a:p>
             <a:fld id="{0F64EEF6-A7EF-4ACA-ADF7-1618DD6B7A0C}" type="datetimeFigureOut">
               <a:rPr lang="ru-RU" smtClean="0"/>
-              <a:t>03.04.2018</a:t>
+              <a:t>05.04.2018</a:t>
             </a:fld>
             <a:endParaRPr lang="ru-RU"/>
           </a:p>
@@ -16437,7 +16651,7 @@
           <a:p>
             <a:fld id="{0F64EEF6-A7EF-4ACA-ADF7-1618DD6B7A0C}" type="datetimeFigureOut">
               <a:rPr lang="ru-RU" smtClean="0"/>
-              <a:t>03.04.2018</a:t>
+              <a:t>05.04.2018</a:t>
             </a:fld>
             <a:endParaRPr lang="ru-RU"/>
           </a:p>
@@ -16555,7 +16769,7 @@
           <a:p>
             <a:fld id="{0F64EEF6-A7EF-4ACA-ADF7-1618DD6B7A0C}" type="datetimeFigureOut">
               <a:rPr lang="ru-RU" smtClean="0"/>
-              <a:t>03.04.2018</a:t>
+              <a:t>05.04.2018</a:t>
             </a:fld>
             <a:endParaRPr lang="ru-RU"/>
           </a:p>
@@ -16839,7 +17053,7 @@
           <a:p>
             <a:fld id="{0F64EEF6-A7EF-4ACA-ADF7-1618DD6B7A0C}" type="datetimeFigureOut">
               <a:rPr lang="ru-RU" smtClean="0"/>
-              <a:t>03.04.2018</a:t>
+              <a:t>05.04.2018</a:t>
             </a:fld>
             <a:endParaRPr lang="ru-RU"/>
           </a:p>
@@ -17103,7 +17317,7 @@
           <a:p>
             <a:fld id="{0F64EEF6-A7EF-4ACA-ADF7-1618DD6B7A0C}" type="datetimeFigureOut">
               <a:rPr lang="ru-RU" smtClean="0"/>
-              <a:t>03.04.2018</a:t>
+              <a:t>05.04.2018</a:t>
             </a:fld>
             <a:endParaRPr lang="ru-RU"/>
           </a:p>
@@ -17317,7 +17531,7 @@
           <a:p>
             <a:fld id="{0F64EEF6-A7EF-4ACA-ADF7-1618DD6B7A0C}" type="datetimeFigureOut">
               <a:rPr lang="ru-RU" smtClean="0"/>
-              <a:t>03.04.2018</a:t>
+              <a:t>05.04.2018</a:t>
             </a:fld>
             <a:endParaRPr lang="ru-RU"/>
           </a:p>
@@ -17847,7 +18061,7 @@
           <a:p>
             <a:fld id="{0F64EEF6-A7EF-4ACA-ADF7-1618DD6B7A0C}" type="datetimeFigureOut">
               <a:rPr lang="ru-RU" smtClean="0"/>
-              <a:t>03.04.2018</a:t>
+              <a:t>05.04.2018</a:t>
             </a:fld>
             <a:endParaRPr lang="ru-RU"/>
           </a:p>
@@ -18377,7 +18591,7 @@
           <a:p>
             <a:fld id="{0F64EEF6-A7EF-4ACA-ADF7-1618DD6B7A0C}" type="datetimeFigureOut">
               <a:rPr lang="ru-RU" smtClean="0"/>
-              <a:t>03.04.2018</a:t>
+              <a:t>05.04.2018</a:t>
             </a:fld>
             <a:endParaRPr lang="ru-RU"/>
           </a:p>
@@ -18985,7 +19199,7 @@
           <a:p>
             <a:fld id="{0F64EEF6-A7EF-4ACA-ADF7-1618DD6B7A0C}" type="datetimeFigureOut">
               <a:rPr lang="ru-RU" smtClean="0"/>
-              <a:t>03.04.2018</a:t>
+              <a:t>05.04.2018</a:t>
             </a:fld>
             <a:endParaRPr lang="ru-RU"/>
           </a:p>
@@ -20999,9 +21213,10 @@
           <a:p>
             <a:pPr lvl="1"/>
             <a:r>
-              <a:rPr lang="ru-RU" dirty="0"/>
-              <a:t>Способность к анализу</a:t>
-            </a:r>
+              <a:rPr lang="ru-RU" dirty="0" smtClean="0"/>
+              <a:t>Умение логически мыслить</a:t>
+            </a:r>
+            <a:endParaRPr lang="ru-RU" dirty="0"/>
           </a:p>
         </p:txBody>
       </p:sp>

--- a/epamkids/EPAMKids-Worked_out.pptx
+++ b/epamkids/EPAMKids-Worked_out.pptx
@@ -1239,9 +1239,7 @@
               </c:spPr>
             </c:leaderLines>
             <c:extLst xmlns:c16r2="http://schemas.microsoft.com/office/drawing/2015/06/chart">
-              <c:ext xmlns:c15="http://schemas.microsoft.com/office/drawing/2012/chart" uri="{CE6537A1-D6FC-4f65-9D91-7224C49458BB}">
-                <c15:layout/>
-              </c:ext>
+              <c:ext xmlns:c15="http://schemas.microsoft.com/office/drawing/2012/chart" uri="{CE6537A1-D6FC-4f65-9D91-7224C49458BB}"/>
             </c:extLst>
           </c:dLbls>
           <c:cat>
@@ -4573,13 +4571,40 @@
           <a:lstStyle/>
           <a:p>
             <a:r>
-              <a:rPr lang="en-US" dirty="0" smtClean="0"/>
-              <a:t>TBD??</a:t>
-            </a:r>
-            <a:endParaRPr lang="ru-RU" dirty="0"/>
-          </a:p>
-          <a:p>
-            <a:endParaRPr lang="ru-RU" dirty="0"/>
+              <a:rPr lang="ru-RU" dirty="0" smtClean="0"/>
+              <a:t>Метки</a:t>
+            </a:r>
+          </a:p>
+          <a:p>
+            <a:r>
+              <a:rPr lang="ru-RU" dirty="0" smtClean="0"/>
+              <a:t>Красный – </a:t>
+            </a:r>
+            <a:r>
+              <a:rPr lang="ru-RU" dirty="0" err="1" smtClean="0"/>
+              <a:t>виталий</a:t>
+            </a:r>
+            <a:r>
+              <a:rPr lang="ru-RU" dirty="0" smtClean="0"/>
+              <a:t> слайд, фраза кати</a:t>
+            </a:r>
+          </a:p>
+          <a:p>
+            <a:r>
+              <a:rPr lang="ru-RU" dirty="0" smtClean="0"/>
+              <a:t>Черный – весь слайд кати</a:t>
+            </a:r>
+          </a:p>
+          <a:p>
+            <a:r>
+              <a:rPr lang="ru-RU" dirty="0" smtClean="0"/>
+              <a:t>Синий – слайд кати, фраза </a:t>
+            </a:r>
+            <a:r>
+              <a:rPr lang="ru-RU" smtClean="0"/>
+              <a:t>виталика</a:t>
+            </a:r>
+            <a:endParaRPr lang="en-US" dirty="0"/>
           </a:p>
         </p:txBody>
       </p:sp>
@@ -4600,7 +4625,7 @@
           <a:p>
             <a:fld id="{8ECB1CBD-3302-4BCA-82F2-2D3160A62E8C}" type="slidenum">
               <a:rPr lang="ru-RU" smtClean="0"/>
-              <a:t>2</a:t>
+              <a:t>1</a:t>
             </a:fld>
             <a:endParaRPr lang="ru-RU"/>
           </a:p>
@@ -4609,7 +4634,7 @@
     </p:spTree>
     <p:extLst>
       <p:ext uri="{BB962C8B-B14F-4D97-AF65-F5344CB8AC3E}">
-        <p14:creationId xmlns:p14="http://schemas.microsoft.com/office/powerpoint/2010/main" val="3891436914"/>
+        <p14:creationId xmlns:p14="http://schemas.microsoft.com/office/powerpoint/2010/main" val="1902115084"/>
       </p:ext>
     </p:extLst>
   </p:cSld>
@@ -4665,11 +4690,11 @@
           <a:p>
             <a:r>
               <a:rPr lang="ru-RU" dirty="0"/>
-              <a:t>Так и создавать автоматизированные</a:t>
+              <a:t>Но</a:t>
             </a:r>
             <a:r>
               <a:rPr lang="ru-RU" baseline="0" dirty="0"/>
-              <a:t> тесты</a:t>
+              <a:t> это не все. Программист должен еще и тестировать свой код. Как вручную, </a:t>
             </a:r>
             <a:endParaRPr lang="ru-RU" dirty="0"/>
           </a:p>
@@ -4692,7 +4717,7 @@
           <a:p>
             <a:fld id="{8ECB1CBD-3302-4BCA-82F2-2D3160A62E8C}" type="slidenum">
               <a:rPr lang="ru-RU" smtClean="0"/>
-              <a:t>11</a:t>
+              <a:t>10</a:t>
             </a:fld>
             <a:endParaRPr lang="ru-RU"/>
           </a:p>
@@ -4701,7 +4726,7 @@
     </p:spTree>
     <p:extLst>
       <p:ext uri="{BB962C8B-B14F-4D97-AF65-F5344CB8AC3E}">
-        <p14:creationId xmlns:p14="http://schemas.microsoft.com/office/powerpoint/2010/main" val="1294505744"/>
+        <p14:creationId xmlns:p14="http://schemas.microsoft.com/office/powerpoint/2010/main" val="2538339627"/>
       </p:ext>
     </p:extLst>
   </p:cSld>
@@ -4757,11 +4782,11 @@
           <a:p>
             <a:r>
               <a:rPr lang="ru-RU" dirty="0"/>
-              <a:t>КАТЯ: День</a:t>
+              <a:t>Так и создавать автоматизированные</a:t>
             </a:r>
             <a:r>
               <a:rPr lang="ru-RU" baseline="0" dirty="0"/>
-              <a:t> тестировщика тоже насыщенный, мы тестируем не все время, а также собираем требования, а главное – работаем с багами</a:t>
+              <a:t> тесты</a:t>
             </a:r>
             <a:endParaRPr lang="ru-RU" dirty="0"/>
           </a:p>
@@ -4784,7 +4809,7 @@
           <a:p>
             <a:fld id="{8ECB1CBD-3302-4BCA-82F2-2D3160A62E8C}" type="slidenum">
               <a:rPr lang="ru-RU" smtClean="0"/>
-              <a:t>12</a:t>
+              <a:t>11</a:t>
             </a:fld>
             <a:endParaRPr lang="ru-RU"/>
           </a:p>
@@ -4793,7 +4818,7 @@
     </p:spTree>
     <p:extLst>
       <p:ext uri="{BB962C8B-B14F-4D97-AF65-F5344CB8AC3E}">
-        <p14:creationId xmlns:p14="http://schemas.microsoft.com/office/powerpoint/2010/main" val="1970274405"/>
+        <p14:creationId xmlns:p14="http://schemas.microsoft.com/office/powerpoint/2010/main" val="1294505744"/>
       </p:ext>
     </p:extLst>
   </p:cSld>
@@ -4849,8 +4874,13 @@
           <a:p>
             <a:r>
               <a:rPr lang="ru-RU" dirty="0"/>
-              <a:t>Как вы думаете?</a:t>
-            </a:r>
+              <a:t>КАТЯ: День</a:t>
+            </a:r>
+            <a:r>
+              <a:rPr lang="ru-RU" baseline="0" dirty="0"/>
+              <a:t> тестировщика тоже насыщенный, мы тестируем не все время, а также собираем требования, а главное – работаем с багами</a:t>
+            </a:r>
+            <a:endParaRPr lang="ru-RU" dirty="0"/>
           </a:p>
         </p:txBody>
       </p:sp>
@@ -4871,7 +4901,7 @@
           <a:p>
             <a:fld id="{8ECB1CBD-3302-4BCA-82F2-2D3160A62E8C}" type="slidenum">
               <a:rPr lang="ru-RU" smtClean="0"/>
-              <a:t>13</a:t>
+              <a:t>12</a:t>
             </a:fld>
             <a:endParaRPr lang="ru-RU"/>
           </a:p>
@@ -4880,7 +4910,7 @@
     </p:spTree>
     <p:extLst>
       <p:ext uri="{BB962C8B-B14F-4D97-AF65-F5344CB8AC3E}">
-        <p14:creationId xmlns:p14="http://schemas.microsoft.com/office/powerpoint/2010/main" val="684427956"/>
+        <p14:creationId xmlns:p14="http://schemas.microsoft.com/office/powerpoint/2010/main" val="1970274405"/>
       </p:ext>
     </p:extLst>
   </p:cSld>
@@ -4936,21 +4966,8 @@
           <a:p>
             <a:r>
               <a:rPr lang="ru-RU" dirty="0"/>
-              <a:t>Нужно ли знать все эти технологии</a:t>
-            </a:r>
-            <a:r>
-              <a:rPr lang="ru-RU" baseline="0" dirty="0"/>
-              <a:t> и язык </a:t>
-            </a:r>
-            <a:r>
-              <a:rPr lang="en-US" baseline="0" dirty="0"/>
-              <a:t>Java </a:t>
-            </a:r>
-            <a:r>
-              <a:rPr lang="ru-RU" baseline="0" dirty="0"/>
-              <a:t>в частности? Ну, неплохо бы, но не обязательно</a:t>
-            </a:r>
-            <a:endParaRPr lang="ru-RU" dirty="0"/>
+              <a:t>Как вы думаете?</a:t>
+            </a:r>
           </a:p>
         </p:txBody>
       </p:sp>
@@ -4971,7 +4988,7 @@
           <a:p>
             <a:fld id="{8ECB1CBD-3302-4BCA-82F2-2D3160A62E8C}" type="slidenum">
               <a:rPr lang="ru-RU" smtClean="0"/>
-              <a:t>14</a:t>
+              <a:t>13</a:t>
             </a:fld>
             <a:endParaRPr lang="ru-RU"/>
           </a:p>
@@ -4980,7 +4997,7 @@
     </p:spTree>
     <p:extLst>
       <p:ext uri="{BB962C8B-B14F-4D97-AF65-F5344CB8AC3E}">
-        <p14:creationId xmlns:p14="http://schemas.microsoft.com/office/powerpoint/2010/main" val="485548322"/>
+        <p14:creationId xmlns:p14="http://schemas.microsoft.com/office/powerpoint/2010/main" val="684427956"/>
       </p:ext>
     </p:extLst>
   </p:cSld>
@@ -5036,26 +5053,19 @@
           <a:p>
             <a:r>
               <a:rPr lang="ru-RU" dirty="0"/>
-              <a:t>На</a:t>
+              <a:t>Нужно ли знать все эти технологии</a:t>
             </a:r>
             <a:r>
               <a:rPr lang="ru-RU" baseline="0" dirty="0"/>
-              <a:t> начальном этапе важнее личностные качества, так называемые </a:t>
+              <a:t> и язык </a:t>
             </a:r>
             <a:r>
               <a:rPr lang="en-US" baseline="0" dirty="0"/>
-              <a:t>Soft Skills</a:t>
-            </a:r>
-            <a:endParaRPr lang="ru-RU" baseline="0" dirty="0"/>
-          </a:p>
-          <a:p>
+              <a:t>Java </a:t>
+            </a:r>
             <a:r>
               <a:rPr lang="ru-RU" baseline="0" dirty="0"/>
-              <a:t>?????????????????7 </a:t>
-            </a:r>
-            <a:r>
-              <a:rPr lang="en-US" baseline="0" dirty="0"/>
-              <a:t>TO DELETE</a:t>
+              <a:t>в частности? Ну, неплохо бы, но не обязательно</a:t>
             </a:r>
             <a:endParaRPr lang="ru-RU" dirty="0"/>
           </a:p>
@@ -5078,7 +5088,7 @@
           <a:p>
             <a:fld id="{8ECB1CBD-3302-4BCA-82F2-2D3160A62E8C}" type="slidenum">
               <a:rPr lang="ru-RU" smtClean="0"/>
-              <a:t>15</a:t>
+              <a:t>14</a:t>
             </a:fld>
             <a:endParaRPr lang="ru-RU"/>
           </a:p>
@@ -5087,7 +5097,7 @@
     </p:spTree>
     <p:extLst>
       <p:ext uri="{BB962C8B-B14F-4D97-AF65-F5344CB8AC3E}">
-        <p14:creationId xmlns:p14="http://schemas.microsoft.com/office/powerpoint/2010/main" val="2525230575"/>
+        <p14:creationId xmlns:p14="http://schemas.microsoft.com/office/powerpoint/2010/main" val="485548322"/>
       </p:ext>
     </p:extLst>
   </p:cSld>
@@ -5142,104 +5152,29 @@
           <a:lstStyle/>
           <a:p>
             <a:r>
-              <a:rPr lang="ru-RU" dirty="0" smtClean="0"/>
-              <a:t>Все ваши навыки, все ваши умения</a:t>
-            </a:r>
-            <a:r>
-              <a:rPr lang="ru-RU" baseline="0" dirty="0" smtClean="0"/>
-              <a:t> можно условно поделить на 2 части.</a:t>
-            </a:r>
-            <a:endParaRPr lang="ru-RU" dirty="0" smtClean="0"/>
-          </a:p>
-          <a:p>
-            <a:r>
-              <a:rPr lang="en-US" dirty="0" smtClean="0"/>
-              <a:t>Hard </a:t>
-            </a:r>
-            <a:r>
-              <a:rPr lang="en-US" dirty="0"/>
-              <a:t>skills</a:t>
-            </a:r>
-            <a:r>
               <a:rPr lang="ru-RU" dirty="0"/>
-              <a:t> (технические навыки)</a:t>
-            </a:r>
-            <a:r>
-              <a:rPr lang="en-US" baseline="0" dirty="0"/>
-              <a:t> – </a:t>
+              <a:t>На</a:t>
             </a:r>
             <a:r>
               <a:rPr lang="ru-RU" baseline="0" dirty="0"/>
-              <a:t>это умение программировать на </a:t>
-            </a:r>
-            <a:r>
-              <a:rPr lang="en-US" baseline="0" dirty="0"/>
-              <a:t>Java, </a:t>
-            </a:r>
-            <a:r>
-              <a:rPr lang="ru-RU" baseline="0" dirty="0"/>
-              <a:t>вышивать крестиком, водить автомобиль</a:t>
-            </a:r>
-          </a:p>
-          <a:p>
+              <a:t> начальном этапе важнее личностные качества, так называемые </a:t>
+            </a:r>
             <a:r>
               <a:rPr lang="en-US" baseline="0" dirty="0"/>
               <a:t>Soft Skills</a:t>
             </a:r>
+            <a:endParaRPr lang="ru-RU" baseline="0" dirty="0"/>
+          </a:p>
+          <a:p>
             <a:r>
               <a:rPr lang="ru-RU" baseline="0" dirty="0"/>
-              <a:t> (гибкие навыки)</a:t>
+              <a:t>?????????????????7 </a:t>
             </a:r>
             <a:r>
               <a:rPr lang="en-US" baseline="0" dirty="0"/>
-              <a:t> – </a:t>
-            </a:r>
-            <a:r>
-              <a:rPr lang="ru-RU" baseline="0" dirty="0"/>
-              <a:t>это умение вести переговоры, вести за собой людей как лидер, </a:t>
-            </a:r>
-            <a:r>
-              <a:rPr lang="ru-RU" sz="1200" b="0" i="0" kern="1200" dirty="0">
-                <a:solidFill>
-                  <a:schemeClr val="tx1"/>
-                </a:solidFill>
-                <a:effectLst/>
-                <a:latin typeface="+mn-lt"/>
-                <a:ea typeface="+mn-ea"/>
-                <a:cs typeface="+mn-cs"/>
-              </a:rPr>
-              <a:t>умение работать в команде, развитие себя как личности, управление временем, эрудированность, креативность</a:t>
-            </a:r>
-          </a:p>
-          <a:p>
-            <a:r>
-              <a:rPr lang="ru-RU" dirty="0"/>
-              <a:t>Основная разница между ними в том, что развивать </a:t>
-            </a:r>
-            <a:r>
-              <a:rPr lang="en-US" dirty="0"/>
-              <a:t>soft skills </a:t>
-            </a:r>
-            <a:r>
-              <a:rPr lang="ru-RU" dirty="0"/>
-              <a:t>навыки гораздо сложнее и дольше. Кроме того, они пригодятся вам вне зависимости от профессии</a:t>
-            </a:r>
-          </a:p>
-          <a:p>
-            <a:r>
-              <a:rPr lang="ru-RU" dirty="0"/>
-              <a:t>Поэтому я рекомендую</a:t>
-            </a:r>
-            <a:r>
-              <a:rPr lang="ru-RU" baseline="0" dirty="0"/>
-              <a:t> в первую очередь обратить внимание на гибкие навыки потому что именно их чаще всего не хватает начинающим программистам</a:t>
-            </a:r>
-          </a:p>
-          <a:p>
-            <a:r>
-              <a:rPr lang="ru-RU" baseline="0" dirty="0"/>
-              <a:t>Кстати, кто догадается по этому слайду об одном из таких навыков?</a:t>
-            </a:r>
+              <a:t>TO DELETE</a:t>
+            </a:r>
+            <a:endParaRPr lang="ru-RU" dirty="0"/>
           </a:p>
         </p:txBody>
       </p:sp>
@@ -5260,7 +5195,7 @@
           <a:p>
             <a:fld id="{8ECB1CBD-3302-4BCA-82F2-2D3160A62E8C}" type="slidenum">
               <a:rPr lang="ru-RU" smtClean="0"/>
-              <a:t>16</a:t>
+              <a:t>15</a:t>
             </a:fld>
             <a:endParaRPr lang="ru-RU"/>
           </a:p>
@@ -5269,7 +5204,7 @@
     </p:spTree>
     <p:extLst>
       <p:ext uri="{BB962C8B-B14F-4D97-AF65-F5344CB8AC3E}">
-        <p14:creationId xmlns:p14="http://schemas.microsoft.com/office/powerpoint/2010/main" val="898074354"/>
+        <p14:creationId xmlns:p14="http://schemas.microsoft.com/office/powerpoint/2010/main" val="2525230575"/>
       </p:ext>
     </p:extLst>
   </p:cSld>
@@ -5324,14 +5259,104 @@
           <a:lstStyle/>
           <a:p>
             <a:r>
+              <a:rPr lang="ru-RU" dirty="0" smtClean="0"/>
+              <a:t>Все ваши навыки, все ваши умения</a:t>
+            </a:r>
+            <a:r>
+              <a:rPr lang="ru-RU" baseline="0" dirty="0" smtClean="0"/>
+              <a:t> можно условно поделить на 2 части.</a:t>
+            </a:r>
+            <a:endParaRPr lang="ru-RU" dirty="0" smtClean="0"/>
+          </a:p>
+          <a:p>
+            <a:r>
+              <a:rPr lang="en-US" dirty="0" smtClean="0"/>
+              <a:t>Hard </a:t>
+            </a:r>
+            <a:r>
+              <a:rPr lang="en-US" dirty="0"/>
+              <a:t>skills</a:t>
+            </a:r>
+            <a:r>
               <a:rPr lang="ru-RU" dirty="0"/>
-              <a:t>Правильно, английский. Знание</a:t>
+              <a:t> (технические навыки)</a:t>
+            </a:r>
+            <a:r>
+              <a:rPr lang="en-US" baseline="0" dirty="0"/>
+              <a:t> – </a:t>
             </a:r>
             <a:r>
               <a:rPr lang="ru-RU" baseline="0" dirty="0"/>
-              <a:t> английского просто обязательно</a:t>
-            </a:r>
-            <a:endParaRPr lang="en-US" dirty="0"/>
+              <a:t>это умение программировать на </a:t>
+            </a:r>
+            <a:r>
+              <a:rPr lang="en-US" baseline="0" dirty="0"/>
+              <a:t>Java, </a:t>
+            </a:r>
+            <a:r>
+              <a:rPr lang="ru-RU" baseline="0" dirty="0"/>
+              <a:t>вышивать крестиком, водить автомобиль</a:t>
+            </a:r>
+          </a:p>
+          <a:p>
+            <a:r>
+              <a:rPr lang="en-US" baseline="0" dirty="0"/>
+              <a:t>Soft Skills</a:t>
+            </a:r>
+            <a:r>
+              <a:rPr lang="ru-RU" baseline="0" dirty="0"/>
+              <a:t> (гибкие навыки)</a:t>
+            </a:r>
+            <a:r>
+              <a:rPr lang="en-US" baseline="0" dirty="0"/>
+              <a:t> – </a:t>
+            </a:r>
+            <a:r>
+              <a:rPr lang="ru-RU" baseline="0" dirty="0"/>
+              <a:t>это умение вести переговоры, вести за собой людей как лидер, </a:t>
+            </a:r>
+            <a:r>
+              <a:rPr lang="ru-RU" sz="1200" b="0" i="0" kern="1200" dirty="0">
+                <a:solidFill>
+                  <a:schemeClr val="tx1"/>
+                </a:solidFill>
+                <a:effectLst/>
+                <a:latin typeface="+mn-lt"/>
+                <a:ea typeface="+mn-ea"/>
+                <a:cs typeface="+mn-cs"/>
+              </a:rPr>
+              <a:t>умение работать в команде, развитие себя как личности, управление временем, эрудированность, креативность</a:t>
+            </a:r>
+          </a:p>
+          <a:p>
+            <a:r>
+              <a:rPr lang="ru-RU" dirty="0"/>
+              <a:t>Основная разница между ними в том, что развивать </a:t>
+            </a:r>
+            <a:r>
+              <a:rPr lang="en-US" dirty="0"/>
+              <a:t>soft skills </a:t>
+            </a:r>
+            <a:r>
+              <a:rPr lang="ru-RU" dirty="0"/>
+              <a:t>навыки гораздо сложнее и дольше. Кроме того, они пригодятся вам вне зависимости от профессии</a:t>
+            </a:r>
+          </a:p>
+          <a:p>
+            <a:r>
+              <a:rPr lang="ru-RU" dirty="0"/>
+              <a:t>Поэтому я рекомендую</a:t>
+            </a:r>
+            <a:r>
+              <a:rPr lang="ru-RU" baseline="0" dirty="0"/>
+              <a:t> в первую очередь обратить внимание на гибкие навыки потому что именно их чаще всего не хватает начинающим программистам</a:t>
+            </a:r>
+          </a:p>
+          <a:p>
+            <a:r>
+              <a:rPr lang="ru-RU" baseline="0" dirty="0"/>
+              <a:t>Кстати, кто догадается по этому слайду об одном из таких навыков?</a:t>
+            </a:r>
           </a:p>
         </p:txBody>
       </p:sp>
@@ -5352,7 +5377,7 @@
           <a:p>
             <a:fld id="{8ECB1CBD-3302-4BCA-82F2-2D3160A62E8C}" type="slidenum">
               <a:rPr lang="ru-RU" smtClean="0"/>
-              <a:t>17</a:t>
+              <a:t>16</a:t>
             </a:fld>
             <a:endParaRPr lang="ru-RU"/>
           </a:p>
@@ -5361,7 +5386,7 @@
     </p:spTree>
     <p:extLst>
       <p:ext uri="{BB962C8B-B14F-4D97-AF65-F5344CB8AC3E}">
-        <p14:creationId xmlns:p14="http://schemas.microsoft.com/office/powerpoint/2010/main" val="1280783587"/>
+        <p14:creationId xmlns:p14="http://schemas.microsoft.com/office/powerpoint/2010/main" val="898074354"/>
       </p:ext>
     </p:extLst>
   </p:cSld>
@@ -5415,7 +5440,15 @@
           <a:bodyPr/>
           <a:lstStyle/>
           <a:p>
-            <a:endParaRPr lang="ru-RU" dirty="0"/>
+            <a:r>
+              <a:rPr lang="ru-RU" dirty="0"/>
+              <a:t>Правильно, английский. Знание</a:t>
+            </a:r>
+            <a:r>
+              <a:rPr lang="ru-RU" baseline="0" dirty="0"/>
+              <a:t> английского просто обязательно</a:t>
+            </a:r>
+            <a:endParaRPr lang="en-US" dirty="0"/>
           </a:p>
         </p:txBody>
       </p:sp>
@@ -5436,7 +5469,7 @@
           <a:p>
             <a:fld id="{8ECB1CBD-3302-4BCA-82F2-2D3160A62E8C}" type="slidenum">
               <a:rPr lang="ru-RU" smtClean="0"/>
-              <a:t>18</a:t>
+              <a:t>17</a:t>
             </a:fld>
             <a:endParaRPr lang="ru-RU"/>
           </a:p>
@@ -5445,7 +5478,7 @@
     </p:spTree>
     <p:extLst>
       <p:ext uri="{BB962C8B-B14F-4D97-AF65-F5344CB8AC3E}">
-        <p14:creationId xmlns:p14="http://schemas.microsoft.com/office/powerpoint/2010/main" val="2897868140"/>
+        <p14:creationId xmlns:p14="http://schemas.microsoft.com/office/powerpoint/2010/main" val="1280783587"/>
       </p:ext>
     </p:extLst>
   </p:cSld>
@@ -5499,36 +5532,7 @@
           <a:bodyPr/>
           <a:lstStyle/>
           <a:p>
-            <a:pPr marL="0" marR="0" indent="0" algn="l" defTabSz="914400" rtl="0" eaLnBrk="1" fontAlgn="auto" latinLnBrk="0" hangingPunct="1">
-              <a:lnSpc>
-                <a:spcPct val="100000"/>
-              </a:lnSpc>
-              <a:spcBef>
-                <a:spcPts val="0"/>
-              </a:spcBef>
-              <a:spcAft>
-                <a:spcPts val="0"/>
-              </a:spcAft>
-              <a:buClrTx/>
-              <a:buSzTx/>
-              <a:buFontTx/>
-              <a:buNone/>
-              <a:tabLst/>
-              <a:defRPr/>
-            </a:pPr>
-            <a:r>
-              <a:rPr lang="ru-RU" dirty="0"/>
-              <a:t>Как и способность</a:t>
-            </a:r>
-            <a:r>
-              <a:rPr lang="ru-RU" baseline="0" dirty="0"/>
-              <a:t> к анализу – понимать и анализировать почему это так работает</a:t>
-            </a:r>
-            <a:r>
-              <a:rPr lang="ru-RU" baseline="0" dirty="0" smtClean="0"/>
-              <a:t>.</a:t>
-            </a:r>
-            <a:endParaRPr lang="ru-RU" baseline="0" dirty="0"/>
+            <a:endParaRPr lang="ru-RU" dirty="0"/>
           </a:p>
         </p:txBody>
       </p:sp>
@@ -5549,7 +5553,7 @@
           <a:p>
             <a:fld id="{8ECB1CBD-3302-4BCA-82F2-2D3160A62E8C}" type="slidenum">
               <a:rPr lang="ru-RU" smtClean="0"/>
-              <a:t>19</a:t>
+              <a:t>18</a:t>
             </a:fld>
             <a:endParaRPr lang="ru-RU"/>
           </a:p>
@@ -5558,7 +5562,7 @@
     </p:spTree>
     <p:extLst>
       <p:ext uri="{BB962C8B-B14F-4D97-AF65-F5344CB8AC3E}">
-        <p14:creationId xmlns:p14="http://schemas.microsoft.com/office/powerpoint/2010/main" val="1372522176"/>
+        <p14:creationId xmlns:p14="http://schemas.microsoft.com/office/powerpoint/2010/main" val="2897868140"/>
       </p:ext>
     </p:extLst>
   </p:cSld>
@@ -5612,17 +5616,36 @@
           <a:bodyPr/>
           <a:lstStyle/>
           <a:p>
+            <a:pPr marL="0" marR="0" indent="0" algn="l" defTabSz="914400" rtl="0" eaLnBrk="1" fontAlgn="auto" latinLnBrk="0" hangingPunct="1">
+              <a:lnSpc>
+                <a:spcPct val="100000"/>
+              </a:lnSpc>
+              <a:spcBef>
+                <a:spcPts val="0"/>
+              </a:spcBef>
+              <a:spcAft>
+                <a:spcPts val="0"/>
+              </a:spcAft>
+              <a:buClrTx/>
+              <a:buSzTx/>
+              <a:buFontTx/>
+              <a:buNone/>
+              <a:tabLst/>
+              <a:defRPr/>
+            </a:pPr>
             <a:r>
               <a:rPr lang="ru-RU" dirty="0"/>
-              <a:t>КАТЯ: Следующие 3 слайда</a:t>
-            </a:r>
-          </a:p>
-          <a:p>
-            <a:r>
-              <a:rPr lang="ru-RU" dirty="0"/>
-              <a:t>Также крайне важно уметь учиться</a:t>
-            </a:r>
-            <a:endParaRPr lang="ru-RU" b="1" dirty="0"/>
+              <a:t>Как и способность</a:t>
+            </a:r>
+            <a:r>
+              <a:rPr lang="ru-RU" baseline="0" dirty="0"/>
+              <a:t> к анализу – понимать и анализировать почему это так работает</a:t>
+            </a:r>
+            <a:r>
+              <a:rPr lang="ru-RU" baseline="0" dirty="0" smtClean="0"/>
+              <a:t>.</a:t>
+            </a:r>
+            <a:endParaRPr lang="ru-RU" baseline="0" dirty="0"/>
           </a:p>
         </p:txBody>
       </p:sp>
@@ -5643,7 +5666,7 @@
           <a:p>
             <a:fld id="{8ECB1CBD-3302-4BCA-82F2-2D3160A62E8C}" type="slidenum">
               <a:rPr lang="ru-RU" smtClean="0"/>
-              <a:t>20</a:t>
+              <a:t>19</a:t>
             </a:fld>
             <a:endParaRPr lang="ru-RU"/>
           </a:p>
@@ -5652,7 +5675,7 @@
     </p:spTree>
     <p:extLst>
       <p:ext uri="{BB962C8B-B14F-4D97-AF65-F5344CB8AC3E}">
-        <p14:creationId xmlns:p14="http://schemas.microsoft.com/office/powerpoint/2010/main" val="1511465883"/>
+        <p14:creationId xmlns:p14="http://schemas.microsoft.com/office/powerpoint/2010/main" val="1372522176"/>
       </p:ext>
     </p:extLst>
   </p:cSld>
@@ -5706,163 +5729,13 @@
           <a:bodyPr/>
           <a:lstStyle/>
           <a:p>
-            <a:pPr marL="0" marR="0" indent="0" algn="l" defTabSz="914400" rtl="0" eaLnBrk="1" fontAlgn="auto" latinLnBrk="0" hangingPunct="1">
-              <a:lnSpc>
-                <a:spcPct val="100000"/>
-              </a:lnSpc>
-              <a:spcBef>
-                <a:spcPts val="0"/>
-              </a:spcBef>
-              <a:spcAft>
-                <a:spcPts val="0"/>
-              </a:spcAft>
-              <a:buClrTx/>
-              <a:buSzTx/>
-              <a:buFontTx/>
-              <a:buNone/>
-              <a:tabLst/>
-              <a:defRPr/>
-            </a:pPr>
-            <a:r>
-              <a:rPr lang="ru-RU" dirty="0" smtClean="0"/>
-              <a:t>Почему вам может быть интересно программирование? Например потому</a:t>
-            </a:r>
-            <a:r>
-              <a:rPr lang="ru-RU" baseline="0" dirty="0" smtClean="0"/>
-              <a:t> что профессии связанные с ИТ всегда были одними из самых передовых</a:t>
-            </a:r>
-            <a:endParaRPr lang="en-US" dirty="0" smtClean="0"/>
-          </a:p>
-          <a:p>
-            <a:pPr marL="0" marR="0" indent="0" algn="l" defTabSz="914400" rtl="0" eaLnBrk="1" fontAlgn="auto" latinLnBrk="0" hangingPunct="1">
-              <a:lnSpc>
-                <a:spcPct val="100000"/>
-              </a:lnSpc>
-              <a:spcBef>
-                <a:spcPts val="0"/>
-              </a:spcBef>
-              <a:spcAft>
-                <a:spcPts val="0"/>
-              </a:spcAft>
-              <a:buClrTx/>
-              <a:buSzTx/>
-              <a:buFontTx/>
-              <a:buNone/>
-              <a:tabLst/>
-              <a:defRPr/>
-            </a:pPr>
-            <a:r>
-              <a:rPr lang="ru-RU" dirty="0" smtClean="0"/>
-              <a:t>Какие</a:t>
-            </a:r>
-            <a:r>
-              <a:rPr lang="ru-RU" baseline="0" dirty="0" smtClean="0"/>
-              <a:t> </a:t>
-            </a:r>
-            <a:r>
-              <a:rPr lang="ru-RU" baseline="0" dirty="0"/>
-              <a:t>изобретения сейчас наиболее популярны? Про какие говорят больше всего?</a:t>
-            </a:r>
-          </a:p>
-          <a:p>
-            <a:pPr marL="171450" marR="0" indent="-171450" algn="l" defTabSz="914400" rtl="0" eaLnBrk="1" fontAlgn="auto" latinLnBrk="0" hangingPunct="1">
-              <a:lnSpc>
-                <a:spcPct val="100000"/>
-              </a:lnSpc>
-              <a:spcBef>
-                <a:spcPts val="0"/>
-              </a:spcBef>
-              <a:spcAft>
-                <a:spcPts val="0"/>
-              </a:spcAft>
-              <a:buClrTx/>
-              <a:buSzTx/>
-              <a:buFontTx/>
-              <a:buChar char="-"/>
-              <a:tabLst/>
-              <a:defRPr/>
-            </a:pPr>
-            <a:r>
-              <a:rPr lang="ru-RU" dirty="0"/>
-              <a:t>Роботы</a:t>
-            </a:r>
-            <a:endParaRPr lang="en-US" dirty="0"/>
-          </a:p>
-          <a:p>
-            <a:pPr marL="171450" marR="0" indent="-171450" algn="l" defTabSz="914400" rtl="0" eaLnBrk="1" fontAlgn="auto" latinLnBrk="0" hangingPunct="1">
-              <a:lnSpc>
-                <a:spcPct val="100000"/>
-              </a:lnSpc>
-              <a:spcBef>
-                <a:spcPts val="0"/>
-              </a:spcBef>
-              <a:spcAft>
-                <a:spcPts val="0"/>
-              </a:spcAft>
-              <a:buClrTx/>
-              <a:buSzTx/>
-              <a:buFontTx/>
-              <a:buChar char="-"/>
-              <a:tabLst/>
-              <a:defRPr/>
-            </a:pPr>
-            <a:r>
-              <a:rPr lang="ru-RU" dirty="0"/>
-              <a:t>Интернет Вещей</a:t>
-            </a:r>
-          </a:p>
-          <a:p>
-            <a:pPr marL="171450" indent="-171450">
-              <a:buFontTx/>
-              <a:buChar char="-"/>
-            </a:pPr>
-            <a:r>
-              <a:rPr lang="ru-RU" dirty="0"/>
-              <a:t>Искусственный интеллект</a:t>
-            </a:r>
-            <a:endParaRPr lang="en-US" dirty="0"/>
-          </a:p>
-          <a:p>
-            <a:pPr marL="171450" indent="-171450">
-              <a:buFontTx/>
-              <a:buChar char="-"/>
-            </a:pPr>
-            <a:r>
-              <a:rPr lang="ru-RU" dirty="0"/>
-              <a:t>Виртуальная и дополненная реальность</a:t>
-            </a:r>
-          </a:p>
-          <a:p>
-            <a:pPr marL="0" indent="0">
-              <a:buFontTx/>
-              <a:buNone/>
-            </a:pPr>
-            <a:r>
-              <a:rPr lang="ru-RU" dirty="0"/>
-              <a:t>Что их объединяет?</a:t>
-            </a:r>
-            <a:r>
-              <a:rPr lang="ru-RU" baseline="0" dirty="0"/>
-              <a:t> Сами по себе они пусты и бесполезны – их необходимо запрограммировать чтобы они начали делать что-то полезное. И чтобы их запрограммировать, нужен человек. Нужен программист. И вы можете стать одним из тех кто оживит </a:t>
-            </a:r>
-            <a:r>
-              <a:rPr lang="ru-RU" baseline="0" dirty="0" smtClean="0"/>
-              <a:t>их</a:t>
-            </a:r>
-          </a:p>
-          <a:p>
-            <a:pPr marL="0" indent="0">
-              <a:buFontTx/>
-              <a:buNone/>
-            </a:pPr>
-            <a:r>
-              <a:rPr lang="ru-RU" baseline="0" dirty="0" smtClean="0"/>
-              <a:t>Или разломать – чем и занимаются наши друзья </a:t>
-            </a:r>
-            <a:r>
-              <a:rPr lang="ru-RU" baseline="0" dirty="0" err="1" smtClean="0"/>
-              <a:t>тестировщики</a:t>
-            </a:r>
+            <a:r>
+              <a:rPr lang="en-US" dirty="0" smtClean="0"/>
+              <a:t>TBD??</a:t>
+            </a:r>
+            <a:endParaRPr lang="ru-RU" dirty="0"/>
+          </a:p>
+          <a:p>
             <a:endParaRPr lang="ru-RU" dirty="0"/>
           </a:p>
         </p:txBody>
@@ -5884,7 +5757,7 @@
           <a:p>
             <a:fld id="{8ECB1CBD-3302-4BCA-82F2-2D3160A62E8C}" type="slidenum">
               <a:rPr lang="ru-RU" smtClean="0"/>
-              <a:t>3</a:t>
+              <a:t>2</a:t>
             </a:fld>
             <a:endParaRPr lang="ru-RU"/>
           </a:p>
@@ -5893,7 +5766,7 @@
     </p:spTree>
     <p:extLst>
       <p:ext uri="{BB962C8B-B14F-4D97-AF65-F5344CB8AC3E}">
-        <p14:creationId xmlns:p14="http://schemas.microsoft.com/office/powerpoint/2010/main" val="1383288362"/>
+        <p14:creationId xmlns:p14="http://schemas.microsoft.com/office/powerpoint/2010/main" val="3891436914"/>
       </p:ext>
     </p:extLst>
   </p:cSld>
@@ -5947,34 +5820,16 @@
           <a:bodyPr/>
           <a:lstStyle/>
           <a:p>
-            <a:pPr marL="0" marR="0" indent="0" algn="l" defTabSz="914400" rtl="0" eaLnBrk="1" fontAlgn="auto" latinLnBrk="0" hangingPunct="1">
-              <a:lnSpc>
-                <a:spcPct val="100000"/>
-              </a:lnSpc>
-              <a:spcBef>
-                <a:spcPts val="0"/>
-              </a:spcBef>
-              <a:spcAft>
-                <a:spcPts val="0"/>
-              </a:spcAft>
-              <a:buClrTx/>
-              <a:buSzTx/>
-              <a:buFontTx/>
-              <a:buNone/>
-              <a:tabLst/>
-              <a:defRPr/>
-            </a:pPr>
             <a:r>
               <a:rPr lang="ru-RU" dirty="0"/>
-              <a:t>Нет, не так. Также крайне важно уметь учиться самостоятельно. У вас не будет преподавателя,</a:t>
-            </a:r>
-            <a:r>
-              <a:rPr lang="ru-RU" baseline="0" dirty="0"/>
-              <a:t> который будет вести вас за руку. Вам будут помогать, но не вести</a:t>
-            </a:r>
-            <a:endParaRPr lang="ru-RU" b="1" dirty="0"/>
-          </a:p>
-          <a:p>
+              <a:t>КАТЯ: Следующие 3 слайда</a:t>
+            </a:r>
+          </a:p>
+          <a:p>
+            <a:r>
+              <a:rPr lang="ru-RU" dirty="0"/>
+              <a:t>Также крайне важно уметь учиться</a:t>
+            </a:r>
             <a:endParaRPr lang="ru-RU" b="1" dirty="0"/>
           </a:p>
         </p:txBody>
@@ -5996,7 +5851,7 @@
           <a:p>
             <a:fld id="{8ECB1CBD-3302-4BCA-82F2-2D3160A62E8C}" type="slidenum">
               <a:rPr lang="ru-RU" smtClean="0"/>
-              <a:t>21</a:t>
+              <a:t>20</a:t>
             </a:fld>
             <a:endParaRPr lang="ru-RU"/>
           </a:p>
@@ -6005,7 +5860,7 @@
     </p:spTree>
     <p:extLst>
       <p:ext uri="{BB962C8B-B14F-4D97-AF65-F5344CB8AC3E}">
-        <p14:creationId xmlns:p14="http://schemas.microsoft.com/office/powerpoint/2010/main" val="2500172318"/>
+        <p14:creationId xmlns:p14="http://schemas.microsoft.com/office/powerpoint/2010/main" val="1511465883"/>
       </p:ext>
     </p:extLst>
   </p:cSld>
@@ -6059,31 +5914,34 @@
           <a:bodyPr/>
           <a:lstStyle/>
           <a:p>
+            <a:pPr marL="0" marR="0" indent="0" algn="l" defTabSz="914400" rtl="0" eaLnBrk="1" fontAlgn="auto" latinLnBrk="0" hangingPunct="1">
+              <a:lnSpc>
+                <a:spcPct val="100000"/>
+              </a:lnSpc>
+              <a:spcBef>
+                <a:spcPts val="0"/>
+              </a:spcBef>
+              <a:spcAft>
+                <a:spcPts val="0"/>
+              </a:spcAft>
+              <a:buClrTx/>
+              <a:buSzTx/>
+              <a:buFontTx/>
+              <a:buNone/>
+              <a:tabLst/>
+              <a:defRPr/>
+            </a:pPr>
             <a:r>
               <a:rPr lang="ru-RU" dirty="0"/>
-              <a:t>КАТЯ: Не менее важны и для программиста и для тестировщика</a:t>
-            </a:r>
-            <a:endParaRPr lang="en-US" dirty="0"/>
-          </a:p>
-          <a:p>
-            <a:r>
-              <a:rPr lang="ru-RU" dirty="0"/>
-              <a:t>Быть самостоятельным, ответственным, уметь общаться</a:t>
+              <a:t>Нет, не так. Также крайне важно уметь учиться самостоятельно. У вас не будет преподавателя,</a:t>
             </a:r>
             <a:r>
               <a:rPr lang="ru-RU" baseline="0" dirty="0"/>
-              <a:t> и работать в команде</a:t>
-            </a:r>
-          </a:p>
-          <a:p>
-            <a:r>
-              <a:rPr lang="ru-RU" b="1" baseline="0" dirty="0" smtClean="0"/>
-              <a:t>ВИТ: И </a:t>
-            </a:r>
-            <a:r>
-              <a:rPr lang="ru-RU" b="1" baseline="0" dirty="0"/>
-              <a:t>все это звучит довольно отвлеченно – ну как это все связано с программированием?</a:t>
-            </a:r>
+              <a:t> который будет вести вас за руку. Вам будут помогать, но не вести</a:t>
+            </a:r>
+            <a:endParaRPr lang="ru-RU" b="1" dirty="0"/>
+          </a:p>
+          <a:p>
             <a:endParaRPr lang="ru-RU" b="1" dirty="0"/>
           </a:p>
         </p:txBody>
@@ -6105,7 +5963,7 @@
           <a:p>
             <a:fld id="{8ECB1CBD-3302-4BCA-82F2-2D3160A62E8C}" type="slidenum">
               <a:rPr lang="ru-RU" smtClean="0"/>
-              <a:t>22</a:t>
+              <a:t>21</a:t>
             </a:fld>
             <a:endParaRPr lang="ru-RU"/>
           </a:p>
@@ -6114,7 +5972,7 @@
     </p:spTree>
     <p:extLst>
       <p:ext uri="{BB962C8B-B14F-4D97-AF65-F5344CB8AC3E}">
-        <p14:creationId xmlns:p14="http://schemas.microsoft.com/office/powerpoint/2010/main" val="330844995"/>
+        <p14:creationId xmlns:p14="http://schemas.microsoft.com/office/powerpoint/2010/main" val="2500172318"/>
       </p:ext>
     </p:extLst>
   </p:cSld>
@@ -6170,31 +6028,30 @@
           <a:p>
             <a:r>
               <a:rPr lang="ru-RU" dirty="0"/>
-              <a:t>И</a:t>
+              <a:t>КАТЯ: Не менее важны и для программиста и для тестировщика</a:t>
+            </a:r>
+            <a:endParaRPr lang="en-US" dirty="0"/>
+          </a:p>
+          <a:p>
+            <a:r>
+              <a:rPr lang="ru-RU" dirty="0"/>
+              <a:t>Быть самостоятельным, ответственным, уметь общаться</a:t>
             </a:r>
             <a:r>
               <a:rPr lang="ru-RU" baseline="0" dirty="0"/>
-              <a:t> если вспомнить из чего состоит день программиста, то все эти важные навыки применяются каждый </a:t>
-            </a:r>
-            <a:r>
-              <a:rPr lang="ru-RU" baseline="0" dirty="0" smtClean="0"/>
-              <a:t>день</a:t>
-            </a:r>
-          </a:p>
-          <a:p>
-            <a:r>
-              <a:rPr lang="ru-RU" baseline="0" dirty="0" smtClean="0"/>
-              <a:t>Умение логически мыслить – если я ввожу что-то в поле ввода и нажимаю на кнопку – все работает, а что если не вводить ничего и просто нажать на кнопку. Здесь у разработчиков перед </a:t>
-            </a:r>
-            <a:r>
-              <a:rPr lang="ru-RU" baseline="0" dirty="0" err="1" smtClean="0"/>
-              <a:t>тестировщиками</a:t>
-            </a:r>
-            <a:r>
-              <a:rPr lang="ru-RU" baseline="0" dirty="0" smtClean="0"/>
-              <a:t> есть преимущество – они знают как внутри работает программа. Например они могут знать что если ввести очень длинный текст и нажать кнопку, то программа наверно сломается</a:t>
-            </a:r>
-            <a:endParaRPr lang="ru-RU" baseline="0" dirty="0"/>
+              <a:t> и работать в команде</a:t>
+            </a:r>
+          </a:p>
+          <a:p>
+            <a:r>
+              <a:rPr lang="ru-RU" b="1" baseline="0" dirty="0" smtClean="0"/>
+              <a:t>ВИТ: И </a:t>
+            </a:r>
+            <a:r>
+              <a:rPr lang="ru-RU" b="1" baseline="0" dirty="0"/>
+              <a:t>все это звучит довольно отвлеченно – ну как это все связано с программированием?</a:t>
+            </a:r>
+            <a:endParaRPr lang="ru-RU" b="1" dirty="0"/>
           </a:p>
         </p:txBody>
       </p:sp>
@@ -6215,7 +6072,7 @@
           <a:p>
             <a:fld id="{8ECB1CBD-3302-4BCA-82F2-2D3160A62E8C}" type="slidenum">
               <a:rPr lang="ru-RU" smtClean="0"/>
-              <a:t>23</a:t>
+              <a:t>22</a:t>
             </a:fld>
             <a:endParaRPr lang="ru-RU"/>
           </a:p>
@@ -6224,7 +6081,7 @@
     </p:spTree>
     <p:extLst>
       <p:ext uri="{BB962C8B-B14F-4D97-AF65-F5344CB8AC3E}">
-        <p14:creationId xmlns:p14="http://schemas.microsoft.com/office/powerpoint/2010/main" val="974547320"/>
+        <p14:creationId xmlns:p14="http://schemas.microsoft.com/office/powerpoint/2010/main" val="330844995"/>
       </p:ext>
     </p:extLst>
   </p:cSld>
@@ -6279,8 +6136,30 @@
           <a:lstStyle/>
           <a:p>
             <a:r>
-              <a:rPr lang="en-US" baseline="0" dirty="0" smtClean="0"/>
-              <a:t>TBD</a:t>
+              <a:rPr lang="ru-RU" dirty="0"/>
+              <a:t>И</a:t>
+            </a:r>
+            <a:r>
+              <a:rPr lang="ru-RU" baseline="0" dirty="0"/>
+              <a:t> если вспомнить из чего состоит день программиста, то все эти важные навыки применяются каждый </a:t>
+            </a:r>
+            <a:r>
+              <a:rPr lang="ru-RU" baseline="0" dirty="0" smtClean="0"/>
+              <a:t>день</a:t>
+            </a:r>
+          </a:p>
+          <a:p>
+            <a:r>
+              <a:rPr lang="ru-RU" baseline="0" dirty="0" smtClean="0"/>
+              <a:t>Умение логически мыслить – если я ввожу что-то в поле ввода и нажимаю на кнопку – все работает, а что если не вводить ничего и просто нажать на кнопку. Здесь у разработчиков перед </a:t>
+            </a:r>
+            <a:r>
+              <a:rPr lang="ru-RU" baseline="0" dirty="0" err="1" smtClean="0"/>
+              <a:t>тестировщиками</a:t>
+            </a:r>
+            <a:r>
+              <a:rPr lang="ru-RU" baseline="0" dirty="0" smtClean="0"/>
+              <a:t> есть преимущество – они знают как внутри работает программа. Например они могут знать что если ввести очень длинный текст и нажать кнопку, то программа наверно сломается</a:t>
             </a:r>
             <a:endParaRPr lang="ru-RU" baseline="0" dirty="0"/>
           </a:p>
@@ -6303,7 +6182,7 @@
           <a:p>
             <a:fld id="{8ECB1CBD-3302-4BCA-82F2-2D3160A62E8C}" type="slidenum">
               <a:rPr lang="ru-RU" smtClean="0"/>
-              <a:t>24</a:t>
+              <a:t>23</a:t>
             </a:fld>
             <a:endParaRPr lang="ru-RU"/>
           </a:p>
@@ -6312,7 +6191,7 @@
     </p:spTree>
     <p:extLst>
       <p:ext uri="{BB962C8B-B14F-4D97-AF65-F5344CB8AC3E}">
-        <p14:creationId xmlns:p14="http://schemas.microsoft.com/office/powerpoint/2010/main" val="1530967944"/>
+        <p14:creationId xmlns:p14="http://schemas.microsoft.com/office/powerpoint/2010/main" val="974547320"/>
       </p:ext>
     </p:extLst>
   </p:cSld>
@@ -6367,6 +6246,94 @@
           <a:lstStyle/>
           <a:p>
             <a:r>
+              <a:rPr lang="en-US" baseline="0" dirty="0" smtClean="0"/>
+              <a:t>TBD</a:t>
+            </a:r>
+            <a:endParaRPr lang="ru-RU" baseline="0" dirty="0"/>
+          </a:p>
+        </p:txBody>
+      </p:sp>
+      <p:sp>
+        <p:nvSpPr>
+          <p:cNvPr id="4" name="Номер слайда 3"/>
+          <p:cNvSpPr>
+            <a:spLocks noGrp="1"/>
+          </p:cNvSpPr>
+          <p:nvPr>
+            <p:ph type="sldNum" sz="quarter" idx="10"/>
+          </p:nvPr>
+        </p:nvSpPr>
+        <p:spPr/>
+        <p:txBody>
+          <a:bodyPr/>
+          <a:lstStyle/>
+          <a:p>
+            <a:fld id="{8ECB1CBD-3302-4BCA-82F2-2D3160A62E8C}" type="slidenum">
+              <a:rPr lang="ru-RU" smtClean="0"/>
+              <a:t>24</a:t>
+            </a:fld>
+            <a:endParaRPr lang="ru-RU"/>
+          </a:p>
+        </p:txBody>
+      </p:sp>
+    </p:spTree>
+    <p:extLst>
+      <p:ext uri="{BB962C8B-B14F-4D97-AF65-F5344CB8AC3E}">
+        <p14:creationId xmlns:p14="http://schemas.microsoft.com/office/powerpoint/2010/main" val="1530967944"/>
+      </p:ext>
+    </p:extLst>
+  </p:cSld>
+  <p:clrMapOvr>
+    <a:masterClrMapping/>
+  </p:clrMapOvr>
+</p:notes>
+</file>
+
+<file path=ppt/notesSlides/notesSlide25.xml><?xml version="1.0" encoding="utf-8"?>
+<p:notes xmlns:a="http://schemas.openxmlformats.org/drawingml/2006/main" xmlns:r="http://schemas.openxmlformats.org/officeDocument/2006/relationships" xmlns:p="http://schemas.openxmlformats.org/presentationml/2006/main">
+  <p:cSld>
+    <p:spTree>
+      <p:nvGrpSpPr>
+        <p:cNvPr id="1" name=""/>
+        <p:cNvGrpSpPr/>
+        <p:nvPr/>
+      </p:nvGrpSpPr>
+      <p:grpSpPr>
+        <a:xfrm>
+          <a:off x="0" y="0"/>
+          <a:ext cx="0" cy="0"/>
+          <a:chOff x="0" y="0"/>
+          <a:chExt cx="0" cy="0"/>
+        </a:xfrm>
+      </p:grpSpPr>
+      <p:sp>
+        <p:nvSpPr>
+          <p:cNvPr id="2" name="Образ слайда 1"/>
+          <p:cNvSpPr>
+            <a:spLocks noGrp="1" noRot="1" noChangeAspect="1"/>
+          </p:cNvSpPr>
+          <p:nvPr>
+            <p:ph type="sldImg"/>
+          </p:nvPr>
+        </p:nvSpPr>
+        <p:spPr/>
+      </p:sp>
+      <p:sp>
+        <p:nvSpPr>
+          <p:cNvPr id="3" name="Заметки 2"/>
+          <p:cNvSpPr>
+            <a:spLocks noGrp="1"/>
+          </p:cNvSpPr>
+          <p:nvPr>
+            <p:ph type="body" idx="1"/>
+          </p:nvPr>
+        </p:nvSpPr>
+        <p:spPr/>
+        <p:txBody>
+          <a:bodyPr/>
+          <a:lstStyle/>
+          <a:p>
+            <a:r>
               <a:rPr lang="ru-RU" dirty="0" smtClean="0"/>
               <a:t>И это все что мы хотели рассказать, есть ли</a:t>
             </a:r>
@@ -6414,7 +6381,7 @@
 </p:notes>
 </file>
 
-<file path=ppt/notesSlides/notesSlide25.xml><?xml version="1.0" encoding="utf-8"?>
+<file path=ppt/notesSlides/notesSlide26.xml><?xml version="1.0" encoding="utf-8"?>
 <p:notes xmlns:a="http://schemas.openxmlformats.org/drawingml/2006/main" xmlns:r="http://schemas.openxmlformats.org/officeDocument/2006/relationships" xmlns:p="http://schemas.openxmlformats.org/presentationml/2006/main">
   <p:cSld>
     <p:spTree>
@@ -6608,9 +6575,14 @@
               <a:defRPr/>
             </a:pPr>
             <a:r>
-              <a:rPr lang="ru-RU" dirty="0"/>
-              <a:t>КАТЯ: ВСЕ</a:t>
-            </a:r>
+              <a:rPr lang="ru-RU" dirty="0" smtClean="0"/>
+              <a:t>Почему вам может быть интересно программирование? Например потому</a:t>
+            </a:r>
+            <a:r>
+              <a:rPr lang="ru-RU" baseline="0" dirty="0" smtClean="0"/>
+              <a:t> что профессии связанные с ИТ всегда были одними из самых передовых</a:t>
+            </a:r>
+            <a:endParaRPr lang="en-US" dirty="0" smtClean="0"/>
           </a:p>
           <a:p>
             <a:pPr marL="0" marR="0" indent="0" algn="l" defTabSz="914400" rtl="0" eaLnBrk="1" fontAlgn="auto" latinLnBrk="0" hangingPunct="1">
@@ -6631,24 +6603,20 @@
               <a:defRPr/>
             </a:pPr>
             <a:r>
-              <a:rPr lang="ru-RU" dirty="0"/>
-              <a:t>Иногда</a:t>
+              <a:rPr lang="ru-RU" dirty="0" smtClean="0"/>
+              <a:t>Какие</a:t>
+            </a:r>
+            <a:r>
+              <a:rPr lang="ru-RU" baseline="0" dirty="0" smtClean="0"/>
+              <a:t> </a:t>
             </a:r>
             <a:r>
               <a:rPr lang="ru-RU" baseline="0" dirty="0"/>
-              <a:t> не все получается правильно с первого раза и программа не работает правильно с первого раза. Для этого и нужны </a:t>
-            </a:r>
-            <a:r>
-              <a:rPr lang="ru-RU" baseline="0" dirty="0" err="1"/>
-              <a:t>тестировщки</a:t>
-            </a:r>
-            <a:r>
-              <a:rPr lang="ru-RU" baseline="0" dirty="0"/>
-              <a:t> – проверить, что программа работает именно так, как ожидается. А также как она будет себя вести в неожиданных ситуациях. </a:t>
-            </a:r>
-          </a:p>
-          <a:p>
-            <a:pPr marL="0" marR="0" indent="0" algn="l" defTabSz="914400" rtl="0" eaLnBrk="1" fontAlgn="auto" latinLnBrk="0" hangingPunct="1">
+              <a:t>изобретения сейчас наиболее популярны? Про какие говорят больше всего?</a:t>
+            </a:r>
+          </a:p>
+          <a:p>
+            <a:pPr marL="171450" marR="0" indent="-171450" algn="l" defTabSz="914400" rtl="0" eaLnBrk="1" fontAlgn="auto" latinLnBrk="0" hangingPunct="1">
               <a:lnSpc>
                 <a:spcPct val="100000"/>
               </a:lnSpc>
@@ -6661,13 +6629,90 @@
               <a:buClrTx/>
               <a:buSzTx/>
               <a:buFontTx/>
-              <a:buNone/>
+              <a:buChar char="-"/>
               <a:tabLst/>
               <a:defRPr/>
             </a:pPr>
             <a:r>
+              <a:rPr lang="ru-RU" dirty="0"/>
+              <a:t>Роботы</a:t>
+            </a:r>
+            <a:endParaRPr lang="en-US" dirty="0"/>
+          </a:p>
+          <a:p>
+            <a:pPr marL="171450" marR="0" indent="-171450" algn="l" defTabSz="914400" rtl="0" eaLnBrk="1" fontAlgn="auto" latinLnBrk="0" hangingPunct="1">
+              <a:lnSpc>
+                <a:spcPct val="100000"/>
+              </a:lnSpc>
+              <a:spcBef>
+                <a:spcPts val="0"/>
+              </a:spcBef>
+              <a:spcAft>
+                <a:spcPts val="0"/>
+              </a:spcAft>
+              <a:buClrTx/>
+              <a:buSzTx/>
+              <a:buFontTx/>
+              <a:buChar char="-"/>
+              <a:tabLst/>
+              <a:defRPr/>
+            </a:pPr>
+            <a:r>
+              <a:rPr lang="ru-RU" dirty="0"/>
+              <a:t>Интернет Вещей</a:t>
+            </a:r>
+          </a:p>
+          <a:p>
+            <a:pPr marL="171450" indent="-171450">
+              <a:buFontTx/>
+              <a:buChar char="-"/>
+            </a:pPr>
+            <a:r>
+              <a:rPr lang="ru-RU" dirty="0"/>
+              <a:t>Искусственный интеллект</a:t>
+            </a:r>
+            <a:endParaRPr lang="en-US" dirty="0"/>
+          </a:p>
+          <a:p>
+            <a:pPr marL="171450" indent="-171450">
+              <a:buFontTx/>
+              <a:buChar char="-"/>
+            </a:pPr>
+            <a:r>
+              <a:rPr lang="ru-RU" dirty="0"/>
+              <a:t>Виртуальная и дополненная реальность</a:t>
+            </a:r>
+          </a:p>
+          <a:p>
+            <a:pPr marL="0" indent="0">
+              <a:buFontTx/>
+              <a:buNone/>
+            </a:pPr>
+            <a:r>
+              <a:rPr lang="ru-RU" dirty="0"/>
+              <a:t>Что их объединяет?</a:t>
+            </a:r>
+            <a:r>
               <a:rPr lang="ru-RU" baseline="0" dirty="0"/>
-              <a:t>В процессе тестирования мы сравниваем ожидаемое поведение программы с ее фактическим поведением. Если ожидания и реальность расходятся – по сути это и есть баг (в переводе с английского жук). </a:t>
+              <a:t> Сами по себе они пусты и бесполезны – их необходимо запрограммировать чтобы они начали делать что-то полезное. И чтобы их запрограммировать, нужен человек. Нужен программист. И вы можете стать одним из тех кто оживит </a:t>
+            </a:r>
+            <a:r>
+              <a:rPr lang="ru-RU" baseline="0" dirty="0" smtClean="0"/>
+              <a:t>их</a:t>
+            </a:r>
+          </a:p>
+          <a:p>
+            <a:pPr marL="0" indent="0">
+              <a:buFontTx/>
+              <a:buNone/>
+            </a:pPr>
+            <a:r>
+              <a:rPr lang="ru-RU" baseline="0" dirty="0" smtClean="0"/>
+              <a:t>Или разломать – чем и занимаются наши друзья </a:t>
+            </a:r>
+            <a:r>
+              <a:rPr lang="ru-RU" baseline="0" dirty="0" err="1" smtClean="0"/>
+              <a:t>тестировщики</a:t>
             </a:r>
             <a:endParaRPr lang="ru-RU" dirty="0"/>
           </a:p>
@@ -6690,7 +6735,7 @@
           <a:p>
             <a:fld id="{8ECB1CBD-3302-4BCA-82F2-2D3160A62E8C}" type="slidenum">
               <a:rPr lang="ru-RU" smtClean="0"/>
-              <a:t>4</a:t>
+              <a:t>3</a:t>
             </a:fld>
             <a:endParaRPr lang="ru-RU"/>
           </a:p>
@@ -6699,7 +6744,7 @@
     </p:spTree>
     <p:extLst>
       <p:ext uri="{BB962C8B-B14F-4D97-AF65-F5344CB8AC3E}">
-        <p14:creationId xmlns:p14="http://schemas.microsoft.com/office/powerpoint/2010/main" val="3333692659"/>
+        <p14:creationId xmlns:p14="http://schemas.microsoft.com/office/powerpoint/2010/main" val="1383288362"/>
       </p:ext>
     </p:extLst>
   </p:cSld>
@@ -6753,94 +6798,84 @@
           <a:bodyPr/>
           <a:lstStyle/>
           <a:p>
+            <a:pPr marL="0" marR="0" indent="0" algn="l" defTabSz="914400" rtl="0" eaLnBrk="1" fontAlgn="auto" latinLnBrk="0" hangingPunct="1">
+              <a:lnSpc>
+                <a:spcPct val="100000"/>
+              </a:lnSpc>
+              <a:spcBef>
+                <a:spcPts val="0"/>
+              </a:spcBef>
+              <a:spcAft>
+                <a:spcPts val="0"/>
+              </a:spcAft>
+              <a:buClrTx/>
+              <a:buSzTx/>
+              <a:buFontTx/>
+              <a:buNone/>
+              <a:tabLst/>
+              <a:defRPr/>
+            </a:pPr>
             <a:r>
               <a:rPr lang="ru-RU" dirty="0"/>
-              <a:t>Почему</a:t>
+              <a:t>КАТЯ: ВСЕ</a:t>
+            </a:r>
+          </a:p>
+          <a:p>
+            <a:pPr marL="0" marR="0" indent="0" algn="l" defTabSz="914400" rtl="0" eaLnBrk="1" fontAlgn="auto" latinLnBrk="0" hangingPunct="1">
+              <a:lnSpc>
+                <a:spcPct val="100000"/>
+              </a:lnSpc>
+              <a:spcBef>
+                <a:spcPts val="0"/>
+              </a:spcBef>
+              <a:spcAft>
+                <a:spcPts val="0"/>
+              </a:spcAft>
+              <a:buClrTx/>
+              <a:buSzTx/>
+              <a:buFontTx/>
+              <a:buNone/>
+              <a:tabLst/>
+              <a:defRPr/>
+            </a:pPr>
+            <a:r>
+              <a:rPr lang="ru-RU" dirty="0"/>
+              <a:t>Иногда</a:t>
             </a:r>
             <a:r>
               <a:rPr lang="ru-RU" baseline="0" dirty="0"/>
-              <a:t> популярно в Беларуси?</a:t>
-            </a:r>
-          </a:p>
-          <a:p>
+              <a:t> не все получается правильно с первого раза и программа не работает правильно с первого раза. Для этого и нужны </a:t>
+            </a:r>
+            <a:r>
+              <a:rPr lang="ru-RU" baseline="0" dirty="0" err="1"/>
+              <a:t>тестировщки</a:t>
+            </a:r>
             <a:r>
               <a:rPr lang="ru-RU" baseline="0" dirty="0"/>
-              <a:t>У нас есть парк высоких технологий, который делает очень много чего с помощью законов, чтобы </a:t>
-            </a:r>
-            <a:r>
-              <a:rPr lang="en-US" b="1" baseline="0" dirty="0">
-                <a:solidFill>
-                  <a:srgbClr val="FF0000"/>
-                </a:solidFill>
-              </a:rPr>
-              <a:t>IT</a:t>
-            </a:r>
-            <a:r>
-              <a:rPr lang="en-US" baseline="0" dirty="0"/>
-              <a:t> </a:t>
-            </a:r>
+              <a:t> – проверить, что программа работает именно так, как ожидается. А также как она будет себя вести в неожиданных ситуациях. </a:t>
+            </a:r>
+          </a:p>
+          <a:p>
+            <a:pPr marL="0" marR="0" indent="0" algn="l" defTabSz="914400" rtl="0" eaLnBrk="1" fontAlgn="auto" latinLnBrk="0" hangingPunct="1">
+              <a:lnSpc>
+                <a:spcPct val="100000"/>
+              </a:lnSpc>
+              <a:spcBef>
+                <a:spcPts val="0"/>
+              </a:spcBef>
+              <a:spcAft>
+                <a:spcPts val="0"/>
+              </a:spcAft>
+              <a:buClrTx/>
+              <a:buSzTx/>
+              <a:buFontTx/>
+              <a:buNone/>
+              <a:tabLst/>
+              <a:defRPr/>
+            </a:pPr>
             <a:r>
               <a:rPr lang="ru-RU" baseline="0" dirty="0"/>
-              <a:t>компаниям было удобно работать и такие белорусские компании выглядели для клиентов скажем из Англии более выгодно</a:t>
-            </a:r>
-          </a:p>
-          <a:p>
-            <a:r>
-              <a:rPr lang="ru-RU" dirty="0"/>
-              <a:t>Поэтому мы создаем</a:t>
-            </a:r>
-            <a:r>
-              <a:rPr lang="ru-RU" baseline="0" dirty="0"/>
-              <a:t> очень много программ для заказчиков не из Беларуси, а из других стран. Это называет аутсорсингом. Мы создаем программы для клиентов из Соединенных Штатов, Англии, Германии, России</a:t>
-            </a:r>
-          </a:p>
-          <a:p>
-            <a:r>
-              <a:rPr lang="ru-RU" baseline="0" dirty="0"/>
-              <a:t>Нас </a:t>
-            </a:r>
-            <a:r>
-              <a:rPr lang="ru-RU" baseline="0" dirty="0" err="1"/>
-              <a:t>айтишников</a:t>
-            </a:r>
-            <a:r>
-              <a:rPr lang="ru-RU" baseline="0" dirty="0"/>
-              <a:t> становится все больше с каждым годов – за прошлый год нас стало больше на 20</a:t>
-            </a:r>
-            <a:r>
-              <a:rPr lang="ru-RU" baseline="0" dirty="0" smtClean="0"/>
-              <a:t>% и все равно </a:t>
-            </a:r>
-            <a:r>
-              <a:rPr lang="ru-RU" baseline="0" dirty="0" err="1" smtClean="0"/>
-              <a:t>насмотря</a:t>
-            </a:r>
-            <a:r>
-              <a:rPr lang="ru-RU" baseline="0" dirty="0" smtClean="0"/>
-              <a:t> на то что нас все больше, найти работу в </a:t>
-            </a:r>
-            <a:r>
-              <a:rPr lang="en-US" baseline="0" dirty="0" smtClean="0"/>
-              <a:t>IT </a:t>
-            </a:r>
-            <a:r>
-              <a:rPr lang="ru-RU" baseline="0" dirty="0" smtClean="0"/>
-              <a:t>для специалиста нетрудно</a:t>
-            </a:r>
-            <a:endParaRPr lang="ru-RU" baseline="0" dirty="0"/>
-          </a:p>
-          <a:p>
-            <a:r>
-              <a:rPr lang="ru-RU" baseline="0" dirty="0"/>
-              <a:t>Ну и зарплата </a:t>
-            </a:r>
-            <a:r>
-              <a:rPr lang="ru-RU" baseline="0" dirty="0" err="1"/>
-              <a:t>айтишников</a:t>
-            </a:r>
-            <a:r>
-              <a:rPr lang="ru-RU" baseline="0" dirty="0"/>
-              <a:t> обычно больше чем средняя зарплата</a:t>
+              <a:t>В процессе тестирования мы сравниваем ожидаемое поведение программы с ее фактическим поведением. Если ожидания и реальность расходятся – по сути это и есть баг (в переводе с английского жук). </a:t>
             </a:r>
             <a:endParaRPr lang="ru-RU" dirty="0"/>
           </a:p>
@@ -6863,7 +6898,7 @@
           <a:p>
             <a:fld id="{8ECB1CBD-3302-4BCA-82F2-2D3160A62E8C}" type="slidenum">
               <a:rPr lang="ru-RU" smtClean="0"/>
-              <a:t>5</a:t>
+              <a:t>4</a:t>
             </a:fld>
             <a:endParaRPr lang="ru-RU"/>
           </a:p>
@@ -6872,7 +6907,7 @@
     </p:spTree>
     <p:extLst>
       <p:ext uri="{BB962C8B-B14F-4D97-AF65-F5344CB8AC3E}">
-        <p14:creationId xmlns:p14="http://schemas.microsoft.com/office/powerpoint/2010/main" val="3979558623"/>
+        <p14:creationId xmlns:p14="http://schemas.microsoft.com/office/powerpoint/2010/main" val="3333692659"/>
       </p:ext>
     </p:extLst>
   </p:cSld>
@@ -6928,38 +6963,92 @@
           <a:p>
             <a:r>
               <a:rPr lang="ru-RU" dirty="0"/>
-              <a:t>И</a:t>
+              <a:t>Почему</a:t>
             </a:r>
             <a:r>
               <a:rPr lang="ru-RU" baseline="0" dirty="0"/>
-              <a:t> если вы захотели стать программистом, то как начать?</a:t>
-            </a:r>
-            <a:endParaRPr lang="ru-RU" dirty="0"/>
+              <a:t> популярно в Беларуси?</a:t>
+            </a:r>
+          </a:p>
+          <a:p>
+            <a:r>
+              <a:rPr lang="ru-RU" baseline="0" dirty="0"/>
+              <a:t>У нас есть парк высоких технологий, который делает очень много чего с помощью законов, чтобы </a:t>
+            </a:r>
+            <a:r>
+              <a:rPr lang="en-US" b="1" baseline="0" dirty="0">
+                <a:solidFill>
+                  <a:srgbClr val="FF0000"/>
+                </a:solidFill>
+              </a:rPr>
+              <a:t>IT</a:t>
+            </a:r>
+            <a:r>
+              <a:rPr lang="en-US" baseline="0" dirty="0"/>
+              <a:t> </a:t>
+            </a:r>
+            <a:r>
+              <a:rPr lang="ru-RU" baseline="0" dirty="0"/>
+              <a:t>компаниям было удобно работать и такие белорусские компании выглядели для клиентов скажем из Англии более выгодно</a:t>
+            </a:r>
           </a:p>
           <a:p>
             <a:r>
               <a:rPr lang="ru-RU" dirty="0"/>
-              <a:t>Учеба именно на программиста Сильно помогает</a:t>
-            </a:r>
-          </a:p>
-          <a:p>
-            <a:r>
-              <a:rPr lang="ru-RU" dirty="0"/>
-              <a:t>Не обязательна – если вы захотите</a:t>
+              <a:t>Поэтому мы создаем</a:t>
             </a:r>
             <a:r>
               <a:rPr lang="ru-RU" baseline="0" dirty="0"/>
-              <a:t> обучиться программированию, вам придется гораздо проще чем если бы вы захотели стать врачом. Врачом трудно стать дома, не имея практике на настоящих больных. А программирование – вам достаточно домашнего компьютера и свободного времени.</a:t>
+              <a:t> очень много программ для заказчиков не из Беларуси, а из других стран. Это называет аутсорсингом. Мы создаем программы для клиентов из Соединенных Штатов, Англии, Германии, России</a:t>
             </a:r>
           </a:p>
           <a:p>
             <a:r>
               <a:rPr lang="ru-RU" baseline="0" dirty="0"/>
-              <a:t>КАТЯ: С тестированием немного проще: существует множество курсов которые требуют меньше курсы по программированию и, конечно же, самообразование. </a:t>
-            </a:r>
-            <a:r>
-              <a:rPr lang="en-US" dirty="0"/>
-              <a:t> </a:t>
+              <a:t>Нас </a:t>
+            </a:r>
+            <a:r>
+              <a:rPr lang="ru-RU" baseline="0" dirty="0" err="1"/>
+              <a:t>айтишников</a:t>
+            </a:r>
+            <a:r>
+              <a:rPr lang="ru-RU" baseline="0" dirty="0"/>
+              <a:t> становится все больше с каждым годов – за прошлый год нас стало больше на 20</a:t>
+            </a:r>
+            <a:r>
+              <a:rPr lang="ru-RU" baseline="0" dirty="0" smtClean="0"/>
+              <a:t>% и все равно </a:t>
+            </a:r>
+            <a:r>
+              <a:rPr lang="ru-RU" baseline="0" dirty="0" err="1" smtClean="0"/>
+              <a:t>насмотря</a:t>
+            </a:r>
+            <a:r>
+              <a:rPr lang="ru-RU" baseline="0" dirty="0" smtClean="0"/>
+              <a:t> на то что нас все больше, найти работу в </a:t>
+            </a:r>
+            <a:r>
+              <a:rPr lang="en-US" baseline="0" dirty="0" smtClean="0"/>
+              <a:t>IT </a:t>
+            </a:r>
+            <a:r>
+              <a:rPr lang="ru-RU" baseline="0" dirty="0" smtClean="0"/>
+              <a:t>для специалиста нетрудно</a:t>
+            </a:r>
+            <a:endParaRPr lang="ru-RU" baseline="0" dirty="0"/>
+          </a:p>
+          <a:p>
+            <a:r>
+              <a:rPr lang="ru-RU" baseline="0" dirty="0"/>
+              <a:t>Ну и зарплата </a:t>
+            </a:r>
+            <a:r>
+              <a:rPr lang="ru-RU" baseline="0" dirty="0" err="1"/>
+              <a:t>айтишников</a:t>
+            </a:r>
+            <a:r>
+              <a:rPr lang="ru-RU" baseline="0" dirty="0"/>
+              <a:t> обычно больше чем средняя зарплата</a:t>
             </a:r>
             <a:endParaRPr lang="ru-RU" dirty="0"/>
           </a:p>
@@ -6982,7 +7071,7 @@
           <a:p>
             <a:fld id="{8ECB1CBD-3302-4BCA-82F2-2D3160A62E8C}" type="slidenum">
               <a:rPr lang="ru-RU" smtClean="0"/>
-              <a:t>6</a:t>
+              <a:t>5</a:t>
             </a:fld>
             <a:endParaRPr lang="ru-RU"/>
           </a:p>
@@ -6991,7 +7080,7 @@
     </p:spTree>
     <p:extLst>
       <p:ext uri="{BB962C8B-B14F-4D97-AF65-F5344CB8AC3E}">
-        <p14:creationId xmlns:p14="http://schemas.microsoft.com/office/powerpoint/2010/main" val="3728770702"/>
+        <p14:creationId xmlns:p14="http://schemas.microsoft.com/office/powerpoint/2010/main" val="3979558623"/>
       </p:ext>
     </p:extLst>
   </p:cSld>
@@ -7047,61 +7136,38 @@
           <a:p>
             <a:r>
               <a:rPr lang="ru-RU" dirty="0"/>
-              <a:t>После</a:t>
+              <a:t>И</a:t>
             </a:r>
             <a:r>
               <a:rPr lang="ru-RU" baseline="0" dirty="0"/>
-              <a:t> учебы, когда вас принимают на работу, вы проходите три сакральных стадии развития – </a:t>
-            </a:r>
-            <a:r>
-              <a:rPr lang="ru-RU" baseline="0" dirty="0" err="1"/>
-              <a:t>джун</a:t>
+              <a:t> если вы захотели стать программистом, то как начать?</a:t>
+            </a:r>
+            <a:endParaRPr lang="ru-RU" dirty="0"/>
+          </a:p>
+          <a:p>
+            <a:r>
+              <a:rPr lang="ru-RU" dirty="0"/>
+              <a:t>Учеба именно на программиста Сильно помогает</a:t>
+            </a:r>
+          </a:p>
+          <a:p>
+            <a:r>
+              <a:rPr lang="ru-RU" dirty="0"/>
+              <a:t>Не обязательна – если вы захотите</a:t>
             </a:r>
             <a:r>
               <a:rPr lang="ru-RU" baseline="0" dirty="0"/>
-              <a:t> , </a:t>
-            </a:r>
-            <a:r>
-              <a:rPr lang="ru-RU" baseline="0" dirty="0" err="1"/>
-              <a:t>мидл</a:t>
-            </a:r>
+              <a:t> обучиться программированию, вам придется гораздо проще чем если бы вы захотели стать врачом. Врачом трудно стать дома, не имея практике на настоящих больных. А программирование – вам достаточно домашнего компьютера и свободного времени.</a:t>
+            </a:r>
+          </a:p>
+          <a:p>
             <a:r>
               <a:rPr lang="ru-RU" baseline="0" dirty="0"/>
-              <a:t>, сеньор. Этот </a:t>
-            </a:r>
-            <a:r>
-              <a:rPr lang="ru-RU" baseline="0" dirty="0" err="1"/>
-              <a:t>айтишный</a:t>
-            </a:r>
-            <a:r>
-              <a:rPr lang="ru-RU" baseline="0" dirty="0"/>
-              <a:t> сленг в других профессиях означает к примеру младший научный сотрудник, научный сотрудник,  старший научный сотрудник. И для </a:t>
-            </a:r>
-            <a:r>
-              <a:rPr lang="ru-RU" baseline="0" dirty="0" err="1"/>
-              <a:t>джуна</a:t>
-            </a:r>
-            <a:r>
-              <a:rPr lang="ru-RU" baseline="0" dirty="0"/>
-              <a:t> вас еще водят за руку, показывают как делать правильно, для </a:t>
-            </a:r>
-            <a:r>
-              <a:rPr lang="ru-RU" baseline="0" dirty="0" err="1"/>
-              <a:t>мидла</a:t>
-            </a:r>
-            <a:r>
-              <a:rPr lang="ru-RU" baseline="0" dirty="0"/>
-              <a:t> вы уже делаете все самостоятельно, а сеньор уже учит других</a:t>
-            </a:r>
-          </a:p>
-          <a:p>
-            <a:r>
-              <a:rPr lang="ru-RU" baseline="0" dirty="0"/>
-              <a:t>КАТЯ: Точно те же уровни у </a:t>
-            </a:r>
-            <a:r>
-              <a:rPr lang="ru-RU" baseline="0" dirty="0" err="1"/>
-              <a:t>тестировщика</a:t>
+              <a:t>КАТЯ: С тестированием немного проще: существует множество курсов которые требуют меньше курсы по программированию и, конечно же, самообразование. </a:t>
+            </a:r>
+            <a:r>
+              <a:rPr lang="en-US" dirty="0"/>
+              <a:t> </a:t>
             </a:r>
             <a:endParaRPr lang="ru-RU" dirty="0"/>
           </a:p>
@@ -7124,7 +7190,7 @@
           <a:p>
             <a:fld id="{8ECB1CBD-3302-4BCA-82F2-2D3160A62E8C}" type="slidenum">
               <a:rPr lang="ru-RU" smtClean="0"/>
-              <a:t>7</a:t>
+              <a:t>6</a:t>
             </a:fld>
             <a:endParaRPr lang="ru-RU"/>
           </a:p>
@@ -7133,7 +7199,7 @@
     </p:spTree>
     <p:extLst>
       <p:ext uri="{BB962C8B-B14F-4D97-AF65-F5344CB8AC3E}">
-        <p14:creationId xmlns:p14="http://schemas.microsoft.com/office/powerpoint/2010/main" val="2609124808"/>
+        <p14:creationId xmlns:p14="http://schemas.microsoft.com/office/powerpoint/2010/main" val="3728770702"/>
       </p:ext>
     </p:extLst>
   </p:cSld>
@@ -7189,11 +7255,61 @@
           <a:p>
             <a:r>
               <a:rPr lang="ru-RU" dirty="0"/>
-              <a:t>Как же выглядит день программиста? В идеальном</a:t>
+              <a:t>После</a:t>
             </a:r>
             <a:r>
               <a:rPr lang="ru-RU" baseline="0" dirty="0"/>
-              <a:t> представлении о программисте примерно так. Целый день программирует</a:t>
+              <a:t> учебы, когда вас принимают на работу, вы проходите три сакральных стадии развития – </a:t>
+            </a:r>
+            <a:r>
+              <a:rPr lang="ru-RU" baseline="0" dirty="0" err="1"/>
+              <a:t>джун</a:t>
+            </a:r>
+            <a:r>
+              <a:rPr lang="ru-RU" baseline="0" dirty="0"/>
+              <a:t> , </a:t>
+            </a:r>
+            <a:r>
+              <a:rPr lang="ru-RU" baseline="0" dirty="0" err="1"/>
+              <a:t>мидл</a:t>
+            </a:r>
+            <a:r>
+              <a:rPr lang="ru-RU" baseline="0" dirty="0"/>
+              <a:t>, сеньор. Этот </a:t>
+            </a:r>
+            <a:r>
+              <a:rPr lang="ru-RU" baseline="0" dirty="0" err="1"/>
+              <a:t>айтишный</a:t>
+            </a:r>
+            <a:r>
+              <a:rPr lang="ru-RU" baseline="0" dirty="0"/>
+              <a:t> сленг в других профессиях означает к примеру младший научный сотрудник, научный сотрудник,  старший научный сотрудник. И для </a:t>
+            </a:r>
+            <a:r>
+              <a:rPr lang="ru-RU" baseline="0" dirty="0" err="1"/>
+              <a:t>джуна</a:t>
+            </a:r>
+            <a:r>
+              <a:rPr lang="ru-RU" baseline="0" dirty="0"/>
+              <a:t> вас еще водят за руку, показывают как делать правильно, для </a:t>
+            </a:r>
+            <a:r>
+              <a:rPr lang="ru-RU" baseline="0" dirty="0" err="1"/>
+              <a:t>мидла</a:t>
+            </a:r>
+            <a:r>
+              <a:rPr lang="ru-RU" baseline="0" dirty="0"/>
+              <a:t> вы уже делаете все самостоятельно, а сеньор уже учит других</a:t>
+            </a:r>
+          </a:p>
+          <a:p>
+            <a:r>
+              <a:rPr lang="ru-RU" baseline="0" dirty="0"/>
+              <a:t>КАТЯ: Точно те же уровни у </a:t>
+            </a:r>
+            <a:r>
+              <a:rPr lang="ru-RU" baseline="0" dirty="0" err="1"/>
+              <a:t>тестировщика</a:t>
             </a:r>
             <a:endParaRPr lang="ru-RU" dirty="0"/>
           </a:p>
@@ -7216,7 +7332,7 @@
           <a:p>
             <a:fld id="{8ECB1CBD-3302-4BCA-82F2-2D3160A62E8C}" type="slidenum">
               <a:rPr lang="ru-RU" smtClean="0"/>
-              <a:t>8</a:t>
+              <a:t>7</a:t>
             </a:fld>
             <a:endParaRPr lang="ru-RU"/>
           </a:p>
@@ -7225,7 +7341,7 @@
     </p:spTree>
     <p:extLst>
       <p:ext uri="{BB962C8B-B14F-4D97-AF65-F5344CB8AC3E}">
-        <p14:creationId xmlns:p14="http://schemas.microsoft.com/office/powerpoint/2010/main" val="1971583870"/>
+        <p14:creationId xmlns:p14="http://schemas.microsoft.com/office/powerpoint/2010/main" val="2609124808"/>
       </p:ext>
     </p:extLst>
   </p:cSld>
@@ -7281,18 +7397,13 @@
           <a:p>
             <a:r>
               <a:rPr lang="ru-RU" dirty="0"/>
-              <a:t>Но на самом деле</a:t>
+              <a:t>Как же выглядит день программиста? В идеальном</a:t>
             </a:r>
             <a:r>
               <a:rPr lang="ru-RU" baseline="0" dirty="0"/>
-              <a:t> еще же надо знать что программировать, как должна работать программа. </a:t>
-            </a:r>
-          </a:p>
-          <a:p>
-            <a:r>
-              <a:rPr lang="ru-RU" baseline="0" dirty="0"/>
-              <a:t>Поэтому нужно сначала понять что делать, какие требования к программе, прояснить все мелочи, а потом уже приступать к программированию. </a:t>
-            </a:r>
+              <a:t> представлении о программисте примерно так. Целый день программирует</a:t>
+            </a:r>
+            <a:endParaRPr lang="ru-RU" dirty="0"/>
           </a:p>
         </p:txBody>
       </p:sp>
@@ -7313,7 +7424,7 @@
           <a:p>
             <a:fld id="{8ECB1CBD-3302-4BCA-82F2-2D3160A62E8C}" type="slidenum">
               <a:rPr lang="ru-RU" smtClean="0"/>
-              <a:t>9</a:t>
+              <a:t>8</a:t>
             </a:fld>
             <a:endParaRPr lang="ru-RU"/>
           </a:p>
@@ -7322,7 +7433,7 @@
     </p:spTree>
     <p:extLst>
       <p:ext uri="{BB962C8B-B14F-4D97-AF65-F5344CB8AC3E}">
-        <p14:creationId xmlns:p14="http://schemas.microsoft.com/office/powerpoint/2010/main" val="378519758"/>
+        <p14:creationId xmlns:p14="http://schemas.microsoft.com/office/powerpoint/2010/main" val="1971583870"/>
       </p:ext>
     </p:extLst>
   </p:cSld>
@@ -7378,13 +7489,18 @@
           <a:p>
             <a:r>
               <a:rPr lang="ru-RU" dirty="0"/>
-              <a:t>Но</a:t>
+              <a:t>Но на самом деле</a:t>
             </a:r>
             <a:r>
               <a:rPr lang="ru-RU" baseline="0" dirty="0"/>
-              <a:t> это не все. Программист должен еще и тестировать свой код. Как вручную, </a:t>
-            </a:r>
-            <a:endParaRPr lang="ru-RU" dirty="0"/>
+              <a:t> еще же надо знать что программировать, как должна работать программа. </a:t>
+            </a:r>
+          </a:p>
+          <a:p>
+            <a:r>
+              <a:rPr lang="ru-RU" baseline="0" dirty="0"/>
+              <a:t>Поэтому нужно сначала понять что делать, какие требования к программе, прояснить все мелочи, а потом уже приступать к программированию. </a:t>
+            </a:r>
           </a:p>
         </p:txBody>
       </p:sp>
@@ -7405,7 +7521,7 @@
           <a:p>
             <a:fld id="{8ECB1CBD-3302-4BCA-82F2-2D3160A62E8C}" type="slidenum">
               <a:rPr lang="ru-RU" smtClean="0"/>
-              <a:t>10</a:t>
+              <a:t>9</a:t>
             </a:fld>
             <a:endParaRPr lang="ru-RU"/>
           </a:p>
@@ -7414,7 +7530,7 @@
     </p:spTree>
     <p:extLst>
       <p:ext uri="{BB962C8B-B14F-4D97-AF65-F5344CB8AC3E}">
-        <p14:creationId xmlns:p14="http://schemas.microsoft.com/office/powerpoint/2010/main" val="2538339627"/>
+        <p14:creationId xmlns:p14="http://schemas.microsoft.com/office/powerpoint/2010/main" val="378519758"/>
       </p:ext>
     </p:extLst>
   </p:cSld>
@@ -19807,6 +19923,13 @@
   <p:clrMapOvr>
     <a:masterClrMapping/>
   </p:clrMapOvr>
+  <p:timing>
+    <p:tnLst>
+      <p:par>
+        <p:cTn id="1" dur="indefinite" restart="never" nodeType="tmRoot"/>
+      </p:par>
+    </p:tnLst>
+  </p:timing>
 </p:sld>
 </file>
 
@@ -20553,6 +20676,13 @@
   <p:clrMapOvr>
     <a:masterClrMapping/>
   </p:clrMapOvr>
+  <p:timing>
+    <p:tnLst>
+      <p:par>
+        <p:cTn id="1" dur="indefinite" restart="never" nodeType="tmRoot"/>
+      </p:par>
+    </p:tnLst>
+  </p:timing>
 </p:sld>
 </file>
 
@@ -20748,6 +20878,46 @@
           </a:prstGeom>
         </p:spPr>
       </p:pic>
+      <p:sp>
+        <p:nvSpPr>
+          <p:cNvPr id="4" name="Овал 3"/>
+          <p:cNvSpPr/>
+          <p:nvPr/>
+        </p:nvSpPr>
+        <p:spPr>
+          <a:xfrm>
+            <a:off x="8669867" y="5846463"/>
+            <a:ext cx="287866" cy="283404"/>
+          </a:xfrm>
+          <a:prstGeom prst="ellipse">
+            <a:avLst/>
+          </a:prstGeom>
+        </p:spPr>
+        <p:style>
+          <a:lnRef idx="2">
+            <a:schemeClr val="accent6">
+              <a:shade val="50000"/>
+            </a:schemeClr>
+          </a:lnRef>
+          <a:fillRef idx="1">
+            <a:schemeClr val="accent6"/>
+          </a:fillRef>
+          <a:effectRef idx="0">
+            <a:schemeClr val="accent6"/>
+          </a:effectRef>
+          <a:fontRef idx="minor">
+            <a:schemeClr val="lt1"/>
+          </a:fontRef>
+        </p:style>
+        <p:txBody>
+          <a:bodyPr rtlCol="0" anchor="ctr"/>
+          <a:lstStyle/>
+          <a:p>
+            <a:pPr algn="ctr"/>
+            <a:endParaRPr lang="en-US"/>
+          </a:p>
+        </p:txBody>
+      </p:sp>
     </p:spTree>
     <p:extLst>
       <p:ext uri="{BB962C8B-B14F-4D97-AF65-F5344CB8AC3E}">
@@ -20758,6 +20928,13 @@
   <p:clrMapOvr>
     <a:masterClrMapping/>
   </p:clrMapOvr>
+  <p:timing>
+    <p:tnLst>
+      <p:par>
+        <p:cTn id="1" dur="indefinite" restart="never" nodeType="tmRoot"/>
+      </p:par>
+    </p:tnLst>
+  </p:timing>
 </p:sld>
 </file>
 
@@ -20853,6 +21030,44 @@
           </a:p>
         </p:txBody>
       </p:sp>
+      <p:sp>
+        <p:nvSpPr>
+          <p:cNvPr id="4" name="Овал 3"/>
+          <p:cNvSpPr/>
+          <p:nvPr/>
+        </p:nvSpPr>
+        <p:spPr>
+          <a:xfrm>
+            <a:off x="8669867" y="5846463"/>
+            <a:ext cx="287866" cy="283404"/>
+          </a:xfrm>
+          <a:prstGeom prst="ellipse">
+            <a:avLst/>
+          </a:prstGeom>
+        </p:spPr>
+        <p:style>
+          <a:lnRef idx="3">
+            <a:schemeClr val="lt1"/>
+          </a:lnRef>
+          <a:fillRef idx="1">
+            <a:schemeClr val="dk1"/>
+          </a:fillRef>
+          <a:effectRef idx="1">
+            <a:schemeClr val="dk1"/>
+          </a:effectRef>
+          <a:fontRef idx="minor">
+            <a:schemeClr val="lt1"/>
+          </a:fontRef>
+        </p:style>
+        <p:txBody>
+          <a:bodyPr rtlCol="0" anchor="ctr"/>
+          <a:lstStyle/>
+          <a:p>
+            <a:pPr algn="ctr"/>
+            <a:endParaRPr lang="en-US"/>
+          </a:p>
+        </p:txBody>
+      </p:sp>
     </p:spTree>
     <p:extLst>
       <p:ext uri="{BB962C8B-B14F-4D97-AF65-F5344CB8AC3E}">
@@ -20863,6 +21078,13 @@
   <p:clrMapOvr>
     <a:masterClrMapping/>
   </p:clrMapOvr>
+  <p:timing>
+    <p:tnLst>
+      <p:par>
+        <p:cTn id="1" dur="indefinite" restart="never" nodeType="tmRoot"/>
+      </p:par>
+    </p:tnLst>
+  </p:timing>
 </p:sld>
 </file>
 
@@ -20968,6 +21190,44 @@
           </a:p>
         </p:txBody>
       </p:sp>
+      <p:sp>
+        <p:nvSpPr>
+          <p:cNvPr id="4" name="Овал 3"/>
+          <p:cNvSpPr/>
+          <p:nvPr/>
+        </p:nvSpPr>
+        <p:spPr>
+          <a:xfrm>
+            <a:off x="8669867" y="5846463"/>
+            <a:ext cx="287866" cy="283404"/>
+          </a:xfrm>
+          <a:prstGeom prst="ellipse">
+            <a:avLst/>
+          </a:prstGeom>
+        </p:spPr>
+        <p:style>
+          <a:lnRef idx="3">
+            <a:schemeClr val="lt1"/>
+          </a:lnRef>
+          <a:fillRef idx="1">
+            <a:schemeClr val="dk1"/>
+          </a:fillRef>
+          <a:effectRef idx="1">
+            <a:schemeClr val="dk1"/>
+          </a:effectRef>
+          <a:fontRef idx="minor">
+            <a:schemeClr val="lt1"/>
+          </a:fontRef>
+        </p:style>
+        <p:txBody>
+          <a:bodyPr rtlCol="0" anchor="ctr"/>
+          <a:lstStyle/>
+          <a:p>
+            <a:pPr algn="ctr"/>
+            <a:endParaRPr lang="en-US"/>
+          </a:p>
+        </p:txBody>
+      </p:sp>
     </p:spTree>
     <p:extLst>
       <p:ext uri="{BB962C8B-B14F-4D97-AF65-F5344CB8AC3E}">
@@ -20978,6 +21238,13 @@
   <p:clrMapOvr>
     <a:masterClrMapping/>
   </p:clrMapOvr>
+  <p:timing>
+    <p:tnLst>
+      <p:par>
+        <p:cTn id="1" dur="indefinite" restart="never" nodeType="tmRoot"/>
+      </p:par>
+    </p:tnLst>
+  </p:timing>
 </p:sld>
 </file>
 
@@ -21081,6 +21348,86 @@
           </a:p>
         </p:txBody>
       </p:sp>
+      <p:sp>
+        <p:nvSpPr>
+          <p:cNvPr id="4" name="Овал 3"/>
+          <p:cNvSpPr/>
+          <p:nvPr/>
+        </p:nvSpPr>
+        <p:spPr>
+          <a:xfrm>
+            <a:off x="8669867" y="5846463"/>
+            <a:ext cx="287866" cy="283404"/>
+          </a:xfrm>
+          <a:prstGeom prst="ellipse">
+            <a:avLst/>
+          </a:prstGeom>
+        </p:spPr>
+        <p:style>
+          <a:lnRef idx="2">
+            <a:schemeClr val="dk1">
+              <a:shade val="50000"/>
+            </a:schemeClr>
+          </a:lnRef>
+          <a:fillRef idx="1">
+            <a:schemeClr val="dk1"/>
+          </a:fillRef>
+          <a:effectRef idx="0">
+            <a:schemeClr val="dk1"/>
+          </a:effectRef>
+          <a:fontRef idx="minor">
+            <a:schemeClr val="lt1"/>
+          </a:fontRef>
+        </p:style>
+        <p:txBody>
+          <a:bodyPr rtlCol="0" anchor="ctr"/>
+          <a:lstStyle/>
+          <a:p>
+            <a:pPr algn="ctr"/>
+            <a:endParaRPr lang="en-US"/>
+          </a:p>
+        </p:txBody>
+      </p:sp>
+      <p:sp>
+        <p:nvSpPr>
+          <p:cNvPr id="5" name="Овал 4"/>
+          <p:cNvSpPr/>
+          <p:nvPr/>
+        </p:nvSpPr>
+        <p:spPr>
+          <a:xfrm>
+            <a:off x="8382001" y="5840818"/>
+            <a:ext cx="287866" cy="283404"/>
+          </a:xfrm>
+          <a:prstGeom prst="ellipse">
+            <a:avLst/>
+          </a:prstGeom>
+        </p:spPr>
+        <p:style>
+          <a:lnRef idx="2">
+            <a:schemeClr val="accent1">
+              <a:shade val="50000"/>
+            </a:schemeClr>
+          </a:lnRef>
+          <a:fillRef idx="1">
+            <a:schemeClr val="accent1"/>
+          </a:fillRef>
+          <a:effectRef idx="0">
+            <a:schemeClr val="accent1"/>
+          </a:effectRef>
+          <a:fontRef idx="minor">
+            <a:schemeClr val="lt1"/>
+          </a:fontRef>
+        </p:style>
+        <p:txBody>
+          <a:bodyPr rtlCol="0" anchor="ctr"/>
+          <a:lstStyle/>
+          <a:p>
+            <a:pPr algn="ctr"/>
+            <a:endParaRPr lang="en-US"/>
+          </a:p>
+        </p:txBody>
+      </p:sp>
     </p:spTree>
     <p:extLst>
       <p:ext uri="{BB962C8B-B14F-4D97-AF65-F5344CB8AC3E}">
@@ -21091,6 +21438,13 @@
   <p:clrMapOvr>
     <a:masterClrMapping/>
   </p:clrMapOvr>
+  <p:timing>
+    <p:tnLst>
+      <p:par>
+        <p:cTn id="1" dur="indefinite" restart="never" nodeType="tmRoot"/>
+      </p:par>
+    </p:tnLst>
+  </p:timing>
 </p:sld>
 </file>
 
@@ -21230,6 +21584,13 @@
   <p:clrMapOvr>
     <a:masterClrMapping/>
   </p:clrMapOvr>
+  <p:timing>
+    <p:tnLst>
+      <p:par>
+        <p:cTn id="1" dur="indefinite" restart="never" nodeType="tmRoot"/>
+      </p:par>
+    </p:tnLst>
+  </p:timing>
 </p:sld>
 </file>
 
@@ -21369,6 +21730,44 @@
           </a:p>
         </p:txBody>
       </p:sp>
+      <p:sp>
+        <p:nvSpPr>
+          <p:cNvPr id="4" name="Овал 3"/>
+          <p:cNvSpPr/>
+          <p:nvPr/>
+        </p:nvSpPr>
+        <p:spPr>
+          <a:xfrm>
+            <a:off x="8669867" y="5846463"/>
+            <a:ext cx="287866" cy="283404"/>
+          </a:xfrm>
+          <a:prstGeom prst="ellipse">
+            <a:avLst/>
+          </a:prstGeom>
+        </p:spPr>
+        <p:style>
+          <a:lnRef idx="3">
+            <a:schemeClr val="lt1"/>
+          </a:lnRef>
+          <a:fillRef idx="1">
+            <a:schemeClr val="dk1"/>
+          </a:fillRef>
+          <a:effectRef idx="1">
+            <a:schemeClr val="dk1"/>
+          </a:effectRef>
+          <a:fontRef idx="minor">
+            <a:schemeClr val="lt1"/>
+          </a:fontRef>
+        </p:style>
+        <p:txBody>
+          <a:bodyPr rtlCol="0" anchor="ctr"/>
+          <a:lstStyle/>
+          <a:p>
+            <a:pPr algn="ctr"/>
+            <a:endParaRPr lang="en-US"/>
+          </a:p>
+        </p:txBody>
+      </p:sp>
     </p:spTree>
     <p:extLst>
       <p:ext uri="{BB962C8B-B14F-4D97-AF65-F5344CB8AC3E}">
@@ -21379,6 +21778,13 @@
   <p:clrMapOvr>
     <a:masterClrMapping/>
   </p:clrMapOvr>
+  <p:timing>
+    <p:tnLst>
+      <p:par>
+        <p:cTn id="1" dur="indefinite" restart="never" nodeType="tmRoot"/>
+      </p:par>
+    </p:tnLst>
+  </p:timing>
 </p:sld>
 </file>
 
@@ -21932,6 +22338,13 @@
   <p:clrMapOvr>
     <a:masterClrMapping/>
   </p:clrMapOvr>
+  <p:timing>
+    <p:tnLst>
+      <p:par>
+        <p:cTn id="1" dur="indefinite" restart="never" nodeType="tmRoot"/>
+      </p:par>
+    </p:tnLst>
+  </p:timing>
 </p:sld>
 </file>
 
@@ -22236,6 +22649,44 @@
           </a:prstGeom>
         </p:spPr>
       </p:pic>
+      <p:sp>
+        <p:nvSpPr>
+          <p:cNvPr id="10" name="Овал 9"/>
+          <p:cNvSpPr/>
+          <p:nvPr/>
+        </p:nvSpPr>
+        <p:spPr>
+          <a:xfrm>
+            <a:off x="8669867" y="5846463"/>
+            <a:ext cx="287866" cy="283404"/>
+          </a:xfrm>
+          <a:prstGeom prst="ellipse">
+            <a:avLst/>
+          </a:prstGeom>
+        </p:spPr>
+        <p:style>
+          <a:lnRef idx="3">
+            <a:schemeClr val="lt1"/>
+          </a:lnRef>
+          <a:fillRef idx="1">
+            <a:schemeClr val="dk1"/>
+          </a:fillRef>
+          <a:effectRef idx="1">
+            <a:schemeClr val="dk1"/>
+          </a:effectRef>
+          <a:fontRef idx="minor">
+            <a:schemeClr val="lt1"/>
+          </a:fontRef>
+        </p:style>
+        <p:txBody>
+          <a:bodyPr rtlCol="0" anchor="ctr"/>
+          <a:lstStyle/>
+          <a:p>
+            <a:pPr algn="ctr"/>
+            <a:endParaRPr lang="en-US"/>
+          </a:p>
+        </p:txBody>
+      </p:sp>
     </p:spTree>
     <p:extLst>
       <p:ext uri="{BB962C8B-B14F-4D97-AF65-F5344CB8AC3E}">
@@ -22246,6 +22697,13 @@
   <p:clrMapOvr>
     <a:masterClrMapping/>
   </p:clrMapOvr>
+  <p:timing>
+    <p:tnLst>
+      <p:par>
+        <p:cTn id="1" dur="indefinite" restart="never" nodeType="tmRoot"/>
+      </p:par>
+    </p:tnLst>
+  </p:timing>
 </p:sld>
 </file>
 
@@ -22477,6 +22935,13 @@
   <p:clrMapOvr>
     <a:masterClrMapping/>
   </p:clrMapOvr>
+  <p:timing>
+    <p:tnLst>
+      <p:par>
+        <p:cTn id="1" dur="indefinite" restart="never" nodeType="tmRoot"/>
+      </p:par>
+    </p:tnLst>
+  </p:timing>
 </p:sld>
 </file>
 
@@ -22686,6 +23151,46 @@
           </a:p>
         </p:txBody>
       </p:sp>
+      <p:sp>
+        <p:nvSpPr>
+          <p:cNvPr id="9" name="Овал 8"/>
+          <p:cNvSpPr/>
+          <p:nvPr/>
+        </p:nvSpPr>
+        <p:spPr>
+          <a:xfrm>
+            <a:off x="8669867" y="5846463"/>
+            <a:ext cx="287866" cy="283404"/>
+          </a:xfrm>
+          <a:prstGeom prst="ellipse">
+            <a:avLst/>
+          </a:prstGeom>
+        </p:spPr>
+        <p:style>
+          <a:lnRef idx="2">
+            <a:schemeClr val="accent6">
+              <a:shade val="50000"/>
+            </a:schemeClr>
+          </a:lnRef>
+          <a:fillRef idx="1">
+            <a:schemeClr val="accent6"/>
+          </a:fillRef>
+          <a:effectRef idx="0">
+            <a:schemeClr val="accent6"/>
+          </a:effectRef>
+          <a:fontRef idx="minor">
+            <a:schemeClr val="lt1"/>
+          </a:fontRef>
+        </p:style>
+        <p:txBody>
+          <a:bodyPr rtlCol="0" anchor="ctr"/>
+          <a:lstStyle/>
+          <a:p>
+            <a:pPr algn="ctr"/>
+            <a:endParaRPr lang="en-US"/>
+          </a:p>
+        </p:txBody>
+      </p:sp>
     </p:spTree>
     <p:extLst>
       <p:ext uri="{BB962C8B-B14F-4D97-AF65-F5344CB8AC3E}">
@@ -22696,6 +23201,13 @@
   <p:clrMapOvr>
     <a:masterClrMapping/>
   </p:clrMapOvr>
+  <p:timing>
+    <p:tnLst>
+      <p:par>
+        <p:cTn id="1" dur="indefinite" restart="never" nodeType="tmRoot"/>
+      </p:par>
+    </p:tnLst>
+  </p:timing>
 </p:sld>
 </file>
 
@@ -22869,6 +23381,46 @@
           </a:p>
         </p:txBody>
       </p:sp>
+      <p:sp>
+        <p:nvSpPr>
+          <p:cNvPr id="8" name="Овал 7"/>
+          <p:cNvSpPr/>
+          <p:nvPr/>
+        </p:nvSpPr>
+        <p:spPr>
+          <a:xfrm>
+            <a:off x="8669867" y="5846463"/>
+            <a:ext cx="287866" cy="283404"/>
+          </a:xfrm>
+          <a:prstGeom prst="ellipse">
+            <a:avLst/>
+          </a:prstGeom>
+        </p:spPr>
+        <p:style>
+          <a:lnRef idx="2">
+            <a:schemeClr val="accent6">
+              <a:shade val="50000"/>
+            </a:schemeClr>
+          </a:lnRef>
+          <a:fillRef idx="1">
+            <a:schemeClr val="accent6"/>
+          </a:fillRef>
+          <a:effectRef idx="0">
+            <a:schemeClr val="accent6"/>
+          </a:effectRef>
+          <a:fontRef idx="minor">
+            <a:schemeClr val="lt1"/>
+          </a:fontRef>
+        </p:style>
+        <p:txBody>
+          <a:bodyPr rtlCol="0" anchor="ctr"/>
+          <a:lstStyle/>
+          <a:p>
+            <a:pPr algn="ctr"/>
+            <a:endParaRPr lang="en-US"/>
+          </a:p>
+        </p:txBody>
+      </p:sp>
     </p:spTree>
     <p:extLst>
       <p:ext uri="{BB962C8B-B14F-4D97-AF65-F5344CB8AC3E}">
@@ -22879,6 +23431,13 @@
   <p:clrMapOvr>
     <a:masterClrMapping/>
   </p:clrMapOvr>
+  <p:timing>
+    <p:tnLst>
+      <p:par>
+        <p:cTn id="1" dur="indefinite" restart="never" nodeType="tmRoot"/>
+      </p:par>
+    </p:tnLst>
+  </p:timing>
 </p:sld>
 </file>
 
@@ -22956,6 +23515,13 @@
   <p:clrMapOvr>
     <a:masterClrMapping/>
   </p:clrMapOvr>
+  <p:timing>
+    <p:tnLst>
+      <p:par>
+        <p:cTn id="1" dur="indefinite" restart="never" nodeType="tmRoot"/>
+      </p:par>
+    </p:tnLst>
+  </p:timing>
 </p:sld>
 </file>
 
@@ -23033,6 +23599,13 @@
   <p:clrMapOvr>
     <a:masterClrMapping/>
   </p:clrMapOvr>
+  <p:timing>
+    <p:tnLst>
+      <p:par>
+        <p:cTn id="1" dur="indefinite" restart="never" nodeType="tmRoot"/>
+      </p:par>
+    </p:tnLst>
+  </p:timing>
 </p:sld>
 </file>
 

--- a/epamkids/EPAMKids-Worked_out.pptx
+++ b/epamkids/EPAMKids-Worked_out.pptx
@@ -8,7 +8,7 @@
     <p:sldMasterId id="2147483946" r:id="rId4"/>
   </p:sldMasterIdLst>
   <p:notesMasterIdLst>
-    <p:notesMasterId r:id="rId31"/>
+    <p:notesMasterId r:id="rId33"/>
   </p:notesMasterIdLst>
   <p:sldIdLst>
     <p:sldId id="256" r:id="rId5"/>
@@ -30,13 +30,15 @@
     <p:sldId id="270" r:id="rId21"/>
     <p:sldId id="272" r:id="rId22"/>
     <p:sldId id="271" r:id="rId23"/>
-    <p:sldId id="273" r:id="rId24"/>
-    <p:sldId id="274" r:id="rId25"/>
-    <p:sldId id="275" r:id="rId26"/>
-    <p:sldId id="277" r:id="rId27"/>
-    <p:sldId id="295" r:id="rId28"/>
-    <p:sldId id="265" r:id="rId29"/>
-    <p:sldId id="290" r:id="rId30"/>
+    <p:sldId id="296" r:id="rId24"/>
+    <p:sldId id="297" r:id="rId25"/>
+    <p:sldId id="273" r:id="rId26"/>
+    <p:sldId id="274" r:id="rId27"/>
+    <p:sldId id="275" r:id="rId28"/>
+    <p:sldId id="277" r:id="rId29"/>
+    <p:sldId id="295" r:id="rId30"/>
+    <p:sldId id="265" r:id="rId31"/>
+    <p:sldId id="290" r:id="rId32"/>
   </p:sldIdLst>
   <p:sldSz cx="9144000" cy="6858000" type="screen4x3"/>
   <p:notesSz cx="6858000" cy="9144000"/>
@@ -159,6 +161,8 @@
             <p14:sldId id="270"/>
             <p14:sldId id="272"/>
             <p14:sldId id="271"/>
+            <p14:sldId id="296"/>
+            <p14:sldId id="297"/>
             <p14:sldId id="273"/>
             <p14:sldId id="274"/>
             <p14:sldId id="275"/>
@@ -5820,17 +5824,36 @@
           <a:bodyPr/>
           <a:lstStyle/>
           <a:p>
+            <a:pPr marL="0" marR="0" indent="0" algn="l" defTabSz="914400" rtl="0" eaLnBrk="1" fontAlgn="auto" latinLnBrk="0" hangingPunct="1">
+              <a:lnSpc>
+                <a:spcPct val="100000"/>
+              </a:lnSpc>
+              <a:spcBef>
+                <a:spcPts val="0"/>
+              </a:spcBef>
+              <a:spcAft>
+                <a:spcPts val="0"/>
+              </a:spcAft>
+              <a:buClrTx/>
+              <a:buSzTx/>
+              <a:buFontTx/>
+              <a:buNone/>
+              <a:tabLst/>
+              <a:defRPr/>
+            </a:pPr>
             <a:r>
               <a:rPr lang="ru-RU" dirty="0"/>
-              <a:t>КАТЯ: Следующие 3 слайда</a:t>
-            </a:r>
-          </a:p>
-          <a:p>
-            <a:r>
-              <a:rPr lang="ru-RU" dirty="0"/>
-              <a:t>Также крайне важно уметь учиться</a:t>
-            </a:r>
-            <a:endParaRPr lang="ru-RU" b="1" dirty="0"/>
+              <a:t>Как и способность</a:t>
+            </a:r>
+            <a:r>
+              <a:rPr lang="ru-RU" baseline="0" dirty="0"/>
+              <a:t> к анализу – понимать и анализировать почему это так работает</a:t>
+            </a:r>
+            <a:r>
+              <a:rPr lang="ru-RU" baseline="0" dirty="0" smtClean="0"/>
+              <a:t>.</a:t>
+            </a:r>
+            <a:endParaRPr lang="ru-RU" baseline="0" dirty="0"/>
           </a:p>
         </p:txBody>
       </p:sp>
@@ -5860,7 +5883,7 @@
     </p:spTree>
     <p:extLst>
       <p:ext uri="{BB962C8B-B14F-4D97-AF65-F5344CB8AC3E}">
-        <p14:creationId xmlns:p14="http://schemas.microsoft.com/office/powerpoint/2010/main" val="1511465883"/>
+        <p14:creationId xmlns:p14="http://schemas.microsoft.com/office/powerpoint/2010/main" val="3019756214"/>
       </p:ext>
     </p:extLst>
   </p:cSld>
@@ -5933,16 +5956,17 @@
             </a:pPr>
             <a:r>
               <a:rPr lang="ru-RU" dirty="0"/>
-              <a:t>Нет, не так. Также крайне важно уметь учиться самостоятельно. У вас не будет преподавателя,</a:t>
+              <a:t>Как и способность</a:t>
             </a:r>
             <a:r>
               <a:rPr lang="ru-RU" baseline="0" dirty="0"/>
-              <a:t> который будет вести вас за руку. Вам будут помогать, но не вести</a:t>
-            </a:r>
-            <a:endParaRPr lang="ru-RU" b="1" dirty="0"/>
-          </a:p>
-          <a:p>
-            <a:endParaRPr lang="ru-RU" b="1" dirty="0"/>
+              <a:t> к анализу – понимать и анализировать почему это так работает</a:t>
+            </a:r>
+            <a:r>
+              <a:rPr lang="ru-RU" baseline="0" dirty="0" smtClean="0"/>
+              <a:t>.</a:t>
+            </a:r>
+            <a:endParaRPr lang="ru-RU" baseline="0" dirty="0"/>
           </a:p>
         </p:txBody>
       </p:sp>
@@ -5972,7 +5996,7 @@
     </p:spTree>
     <p:extLst>
       <p:ext uri="{BB962C8B-B14F-4D97-AF65-F5344CB8AC3E}">
-        <p14:creationId xmlns:p14="http://schemas.microsoft.com/office/powerpoint/2010/main" val="2500172318"/>
+        <p14:creationId xmlns:p14="http://schemas.microsoft.com/office/powerpoint/2010/main" val="2397886430"/>
       </p:ext>
     </p:extLst>
   </p:cSld>
@@ -6028,28 +6052,13 @@
           <a:p>
             <a:r>
               <a:rPr lang="ru-RU" dirty="0"/>
-              <a:t>КАТЯ: Не менее важны и для программиста и для тестировщика</a:t>
-            </a:r>
-            <a:endParaRPr lang="en-US" dirty="0"/>
+              <a:t>КАТЯ: Следующие 3 слайда</a:t>
+            </a:r>
           </a:p>
           <a:p>
             <a:r>
               <a:rPr lang="ru-RU" dirty="0"/>
-              <a:t>Быть самостоятельным, ответственным, уметь общаться</a:t>
-            </a:r>
-            <a:r>
-              <a:rPr lang="ru-RU" baseline="0" dirty="0"/>
-              <a:t> и работать в команде</a:t>
-            </a:r>
-          </a:p>
-          <a:p>
-            <a:r>
-              <a:rPr lang="ru-RU" b="1" baseline="0" dirty="0" smtClean="0"/>
-              <a:t>ВИТ: И </a:t>
-            </a:r>
-            <a:r>
-              <a:rPr lang="ru-RU" b="1" baseline="0" dirty="0"/>
-              <a:t>все это звучит довольно отвлеченно – ну как это все связано с программированием?</a:t>
+              <a:t>Также крайне важно уметь учиться</a:t>
             </a:r>
             <a:endParaRPr lang="ru-RU" b="1" dirty="0"/>
           </a:p>
@@ -6081,7 +6090,7 @@
     </p:spTree>
     <p:extLst>
       <p:ext uri="{BB962C8B-B14F-4D97-AF65-F5344CB8AC3E}">
-        <p14:creationId xmlns:p14="http://schemas.microsoft.com/office/powerpoint/2010/main" val="330844995"/>
+        <p14:creationId xmlns:p14="http://schemas.microsoft.com/office/powerpoint/2010/main" val="1511465883"/>
       </p:ext>
     </p:extLst>
   </p:cSld>
@@ -6135,33 +6144,35 @@
           <a:bodyPr/>
           <a:lstStyle/>
           <a:p>
+            <a:pPr marL="0" marR="0" indent="0" algn="l" defTabSz="914400" rtl="0" eaLnBrk="1" fontAlgn="auto" latinLnBrk="0" hangingPunct="1">
+              <a:lnSpc>
+                <a:spcPct val="100000"/>
+              </a:lnSpc>
+              <a:spcBef>
+                <a:spcPts val="0"/>
+              </a:spcBef>
+              <a:spcAft>
+                <a:spcPts val="0"/>
+              </a:spcAft>
+              <a:buClrTx/>
+              <a:buSzTx/>
+              <a:buFontTx/>
+              <a:buNone/>
+              <a:tabLst/>
+              <a:defRPr/>
+            </a:pPr>
             <a:r>
               <a:rPr lang="ru-RU" dirty="0"/>
-              <a:t>И</a:t>
+              <a:t>Нет, не так. Также крайне важно уметь учиться самостоятельно. У вас не будет преподавателя,</a:t>
             </a:r>
             <a:r>
               <a:rPr lang="ru-RU" baseline="0" dirty="0"/>
-              <a:t> если вспомнить из чего состоит день программиста, то все эти важные навыки применяются каждый </a:t>
-            </a:r>
-            <a:r>
-              <a:rPr lang="ru-RU" baseline="0" dirty="0" smtClean="0"/>
-              <a:t>день</a:t>
-            </a:r>
-          </a:p>
-          <a:p>
-            <a:r>
-              <a:rPr lang="ru-RU" baseline="0" dirty="0" smtClean="0"/>
-              <a:t>Умение логически мыслить – если я ввожу что-то в поле ввода и нажимаю на кнопку – все работает, а что если не вводить ничего и просто нажать на кнопку. Здесь у разработчиков перед </a:t>
-            </a:r>
-            <a:r>
-              <a:rPr lang="ru-RU" baseline="0" dirty="0" err="1" smtClean="0"/>
-              <a:t>тестировщиками</a:t>
-            </a:r>
-            <a:r>
-              <a:rPr lang="ru-RU" baseline="0" dirty="0" smtClean="0"/>
-              <a:t> есть преимущество – они знают как внутри работает программа. Например они могут знать что если ввести очень длинный текст и нажать кнопку, то программа наверно сломается</a:t>
-            </a:r>
-            <a:endParaRPr lang="ru-RU" baseline="0" dirty="0"/>
+              <a:t> который будет вести вас за руку. Вам будут помогать, но не вести</a:t>
+            </a:r>
+            <a:endParaRPr lang="ru-RU" b="1" dirty="0"/>
+          </a:p>
+          <a:p>
+            <a:endParaRPr lang="ru-RU" b="1" dirty="0"/>
           </a:p>
         </p:txBody>
       </p:sp>
@@ -6191,7 +6202,7 @@
     </p:spTree>
     <p:extLst>
       <p:ext uri="{BB962C8B-B14F-4D97-AF65-F5344CB8AC3E}">
-        <p14:creationId xmlns:p14="http://schemas.microsoft.com/office/powerpoint/2010/main" val="974547320"/>
+        <p14:creationId xmlns:p14="http://schemas.microsoft.com/office/powerpoint/2010/main" val="2500172318"/>
       </p:ext>
     </p:extLst>
   </p:cSld>
@@ -6246,10 +6257,31 @@
           <a:lstStyle/>
           <a:p>
             <a:r>
-              <a:rPr lang="en-US" baseline="0" dirty="0" smtClean="0"/>
-              <a:t>TBD</a:t>
-            </a:r>
-            <a:endParaRPr lang="ru-RU" baseline="0" dirty="0"/>
+              <a:rPr lang="ru-RU" dirty="0"/>
+              <a:t>КАТЯ: Не менее важны и для программиста и для тестировщика</a:t>
+            </a:r>
+            <a:endParaRPr lang="en-US" dirty="0"/>
+          </a:p>
+          <a:p>
+            <a:r>
+              <a:rPr lang="ru-RU" dirty="0"/>
+              <a:t>Быть самостоятельным, ответственным, уметь общаться</a:t>
+            </a:r>
+            <a:r>
+              <a:rPr lang="ru-RU" baseline="0" dirty="0"/>
+              <a:t> и работать в команде</a:t>
+            </a:r>
+          </a:p>
+          <a:p>
+            <a:r>
+              <a:rPr lang="ru-RU" b="1" baseline="0" dirty="0" smtClean="0"/>
+              <a:t>ВИТ: И </a:t>
+            </a:r>
+            <a:r>
+              <a:rPr lang="ru-RU" b="1" baseline="0" dirty="0"/>
+              <a:t>все это звучит довольно отвлеченно – ну как это все связано с программированием?</a:t>
+            </a:r>
+            <a:endParaRPr lang="ru-RU" b="1" dirty="0"/>
           </a:p>
         </p:txBody>
       </p:sp>
@@ -6279,7 +6311,7 @@
     </p:spTree>
     <p:extLst>
       <p:ext uri="{BB962C8B-B14F-4D97-AF65-F5344CB8AC3E}">
-        <p14:creationId xmlns:p14="http://schemas.microsoft.com/office/powerpoint/2010/main" val="1530967944"/>
+        <p14:creationId xmlns:p14="http://schemas.microsoft.com/office/powerpoint/2010/main" val="330844995"/>
       </p:ext>
     </p:extLst>
   </p:cSld>
@@ -6334,14 +6366,32 @@
           <a:lstStyle/>
           <a:p>
             <a:r>
-              <a:rPr lang="ru-RU" dirty="0" smtClean="0"/>
-              <a:t>И это все что мы хотели рассказать, есть ли</a:t>
+              <a:rPr lang="ru-RU" dirty="0"/>
+              <a:t>И</a:t>
+            </a:r>
+            <a:r>
+              <a:rPr lang="ru-RU" baseline="0" dirty="0"/>
+              <a:t> если вспомнить из чего состоит день программиста, то все эти важные навыки применяются каждый </a:t>
             </a:r>
             <a:r>
               <a:rPr lang="ru-RU" baseline="0" dirty="0" smtClean="0"/>
-              <a:t> у вас вопросы?</a:t>
-            </a:r>
-            <a:endParaRPr lang="ru-RU" dirty="0" smtClean="0"/>
+              <a:t>день</a:t>
+            </a:r>
+          </a:p>
+          <a:p>
+            <a:r>
+              <a:rPr lang="ru-RU" baseline="0" dirty="0" smtClean="0"/>
+              <a:t>Умение логически мыслить – если я ввожу что-то в поле ввода и нажимаю на кнопку – все работает, а что если не вводить ничего и просто нажать на кнопку. Здесь у разработчиков перед </a:t>
+            </a:r>
+            <a:r>
+              <a:rPr lang="ru-RU" baseline="0" dirty="0" err="1" smtClean="0"/>
+              <a:t>тестировщиками</a:t>
+            </a:r>
+            <a:r>
+              <a:rPr lang="ru-RU" baseline="0" dirty="0" smtClean="0"/>
+              <a:t> есть преимущество – они знают как внутри работает программа. Например они могут знать что если ввести очень длинный текст и нажать кнопку, то программа наверно сломается</a:t>
+            </a:r>
+            <a:endParaRPr lang="ru-RU" baseline="0" dirty="0"/>
           </a:p>
         </p:txBody>
       </p:sp>
@@ -6371,7 +6421,7 @@
     </p:spTree>
     <p:extLst>
       <p:ext uri="{BB962C8B-B14F-4D97-AF65-F5344CB8AC3E}">
-        <p14:creationId xmlns:p14="http://schemas.microsoft.com/office/powerpoint/2010/main" val="4194174386"/>
+        <p14:creationId xmlns:p14="http://schemas.microsoft.com/office/powerpoint/2010/main" val="974547320"/>
       </p:ext>
     </p:extLst>
   </p:cSld>
@@ -6426,54 +6476,10 @@
           <a:lstStyle/>
           <a:p>
             <a:r>
-              <a:rPr lang="ru-RU" dirty="0" smtClean="0"/>
-              <a:t>Мастер класс – аудитория</a:t>
-            </a:r>
-            <a:r>
-              <a:rPr lang="ru-RU" baseline="0" dirty="0" smtClean="0"/>
-              <a:t> по программированию , аудитория по тестированию</a:t>
-            </a:r>
-          </a:p>
-          <a:p>
-            <a:r>
-              <a:rPr lang="ru-RU" baseline="0" dirty="0" smtClean="0"/>
-              <a:t>Для мастер класса по программированию необходим телефон на </a:t>
-            </a:r>
-            <a:r>
-              <a:rPr lang="ru-RU" baseline="0" dirty="0" err="1" smtClean="0"/>
-              <a:t>андроиде</a:t>
-            </a:r>
-            <a:r>
-              <a:rPr lang="ru-RU" baseline="0" dirty="0" smtClean="0"/>
-              <a:t>. На двери аудитории будет название </a:t>
-            </a:r>
-            <a:r>
-              <a:rPr lang="ru-RU" baseline="0" dirty="0" err="1" smtClean="0"/>
-              <a:t>вайфай</a:t>
-            </a:r>
-            <a:r>
-              <a:rPr lang="ru-RU" baseline="0" dirty="0" smtClean="0"/>
-              <a:t> сети, а также названия приложений, которые нужно установить для мастер-класса. Пожалуйста, попытайтесь подсоединиться к сети и скачать приложения до начала мастер-класса.</a:t>
-            </a:r>
-          </a:p>
-          <a:p>
-            <a:r>
-              <a:rPr lang="ru-RU" baseline="0" dirty="0" smtClean="0"/>
-              <a:t>Еще надеюсь вы знаете пароль от своего </a:t>
-            </a:r>
-            <a:r>
-              <a:rPr lang="ru-RU" baseline="0" dirty="0" err="1" smtClean="0"/>
-              <a:t>гугл</a:t>
-            </a:r>
-            <a:r>
-              <a:rPr lang="ru-RU" baseline="0" dirty="0" smtClean="0"/>
-              <a:t> аккаунта, он </a:t>
-            </a:r>
-            <a:r>
-              <a:rPr lang="ru-RU" baseline="0" smtClean="0"/>
-              <a:t>вам понадобится</a:t>
-            </a:r>
-            <a:endParaRPr lang="en-US" dirty="0"/>
+              <a:rPr lang="en-US" baseline="0" dirty="0" smtClean="0"/>
+              <a:t>TBD</a:t>
+            </a:r>
+            <a:endParaRPr lang="ru-RU" baseline="0" dirty="0"/>
           </a:p>
         </p:txBody>
       </p:sp>
@@ -6495,6 +6501,230 @@
             <a:fld id="{8ECB1CBD-3302-4BCA-82F2-2D3160A62E8C}" type="slidenum">
               <a:rPr lang="ru-RU" smtClean="0"/>
               <a:t>26</a:t>
+            </a:fld>
+            <a:endParaRPr lang="ru-RU"/>
+          </a:p>
+        </p:txBody>
+      </p:sp>
+    </p:spTree>
+    <p:extLst>
+      <p:ext uri="{BB962C8B-B14F-4D97-AF65-F5344CB8AC3E}">
+        <p14:creationId xmlns:p14="http://schemas.microsoft.com/office/powerpoint/2010/main" val="1530967944"/>
+      </p:ext>
+    </p:extLst>
+  </p:cSld>
+  <p:clrMapOvr>
+    <a:masterClrMapping/>
+  </p:clrMapOvr>
+</p:notes>
+</file>
+
+<file path=ppt/notesSlides/notesSlide27.xml><?xml version="1.0" encoding="utf-8"?>
+<p:notes xmlns:a="http://schemas.openxmlformats.org/drawingml/2006/main" xmlns:r="http://schemas.openxmlformats.org/officeDocument/2006/relationships" xmlns:p="http://schemas.openxmlformats.org/presentationml/2006/main">
+  <p:cSld>
+    <p:spTree>
+      <p:nvGrpSpPr>
+        <p:cNvPr id="1" name=""/>
+        <p:cNvGrpSpPr/>
+        <p:nvPr/>
+      </p:nvGrpSpPr>
+      <p:grpSpPr>
+        <a:xfrm>
+          <a:off x="0" y="0"/>
+          <a:ext cx="0" cy="0"/>
+          <a:chOff x="0" y="0"/>
+          <a:chExt cx="0" cy="0"/>
+        </a:xfrm>
+      </p:grpSpPr>
+      <p:sp>
+        <p:nvSpPr>
+          <p:cNvPr id="2" name="Образ слайда 1"/>
+          <p:cNvSpPr>
+            <a:spLocks noGrp="1" noRot="1" noChangeAspect="1"/>
+          </p:cNvSpPr>
+          <p:nvPr>
+            <p:ph type="sldImg"/>
+          </p:nvPr>
+        </p:nvSpPr>
+        <p:spPr/>
+      </p:sp>
+      <p:sp>
+        <p:nvSpPr>
+          <p:cNvPr id="3" name="Заметки 2"/>
+          <p:cNvSpPr>
+            <a:spLocks noGrp="1"/>
+          </p:cNvSpPr>
+          <p:nvPr>
+            <p:ph type="body" idx="1"/>
+          </p:nvPr>
+        </p:nvSpPr>
+        <p:spPr/>
+        <p:txBody>
+          <a:bodyPr/>
+          <a:lstStyle/>
+          <a:p>
+            <a:r>
+              <a:rPr lang="ru-RU" dirty="0" smtClean="0"/>
+              <a:t>И это все что мы хотели рассказать, есть ли</a:t>
+            </a:r>
+            <a:r>
+              <a:rPr lang="ru-RU" baseline="0" dirty="0" smtClean="0"/>
+              <a:t> у вас вопросы?</a:t>
+            </a:r>
+            <a:endParaRPr lang="ru-RU" dirty="0" smtClean="0"/>
+          </a:p>
+        </p:txBody>
+      </p:sp>
+      <p:sp>
+        <p:nvSpPr>
+          <p:cNvPr id="4" name="Номер слайда 3"/>
+          <p:cNvSpPr>
+            <a:spLocks noGrp="1"/>
+          </p:cNvSpPr>
+          <p:nvPr>
+            <p:ph type="sldNum" sz="quarter" idx="10"/>
+          </p:nvPr>
+        </p:nvSpPr>
+        <p:spPr/>
+        <p:txBody>
+          <a:bodyPr/>
+          <a:lstStyle/>
+          <a:p>
+            <a:fld id="{8ECB1CBD-3302-4BCA-82F2-2D3160A62E8C}" type="slidenum">
+              <a:rPr lang="ru-RU" smtClean="0"/>
+              <a:t>27</a:t>
+            </a:fld>
+            <a:endParaRPr lang="ru-RU"/>
+          </a:p>
+        </p:txBody>
+      </p:sp>
+    </p:spTree>
+    <p:extLst>
+      <p:ext uri="{BB962C8B-B14F-4D97-AF65-F5344CB8AC3E}">
+        <p14:creationId xmlns:p14="http://schemas.microsoft.com/office/powerpoint/2010/main" val="4194174386"/>
+      </p:ext>
+    </p:extLst>
+  </p:cSld>
+  <p:clrMapOvr>
+    <a:masterClrMapping/>
+  </p:clrMapOvr>
+</p:notes>
+</file>
+
+<file path=ppt/notesSlides/notesSlide28.xml><?xml version="1.0" encoding="utf-8"?>
+<p:notes xmlns:a="http://schemas.openxmlformats.org/drawingml/2006/main" xmlns:r="http://schemas.openxmlformats.org/officeDocument/2006/relationships" xmlns:p="http://schemas.openxmlformats.org/presentationml/2006/main">
+  <p:cSld>
+    <p:spTree>
+      <p:nvGrpSpPr>
+        <p:cNvPr id="1" name=""/>
+        <p:cNvGrpSpPr/>
+        <p:nvPr/>
+      </p:nvGrpSpPr>
+      <p:grpSpPr>
+        <a:xfrm>
+          <a:off x="0" y="0"/>
+          <a:ext cx="0" cy="0"/>
+          <a:chOff x="0" y="0"/>
+          <a:chExt cx="0" cy="0"/>
+        </a:xfrm>
+      </p:grpSpPr>
+      <p:sp>
+        <p:nvSpPr>
+          <p:cNvPr id="2" name="Образ слайда 1"/>
+          <p:cNvSpPr>
+            <a:spLocks noGrp="1" noRot="1" noChangeAspect="1"/>
+          </p:cNvSpPr>
+          <p:nvPr>
+            <p:ph type="sldImg"/>
+          </p:nvPr>
+        </p:nvSpPr>
+        <p:spPr/>
+      </p:sp>
+      <p:sp>
+        <p:nvSpPr>
+          <p:cNvPr id="3" name="Заметки 2"/>
+          <p:cNvSpPr>
+            <a:spLocks noGrp="1"/>
+          </p:cNvSpPr>
+          <p:nvPr>
+            <p:ph type="body" idx="1"/>
+          </p:nvPr>
+        </p:nvSpPr>
+        <p:spPr/>
+        <p:txBody>
+          <a:bodyPr/>
+          <a:lstStyle/>
+          <a:p>
+            <a:r>
+              <a:rPr lang="ru-RU" dirty="0" smtClean="0"/>
+              <a:t>Мастер класс – аудитория</a:t>
+            </a:r>
+            <a:r>
+              <a:rPr lang="ru-RU" baseline="0" dirty="0" smtClean="0"/>
+              <a:t> по программированию , аудитория по тестированию</a:t>
+            </a:r>
+          </a:p>
+          <a:p>
+            <a:r>
+              <a:rPr lang="ru-RU" baseline="0" dirty="0" smtClean="0"/>
+              <a:t>Для мастер класса по программированию необходим телефон на </a:t>
+            </a:r>
+            <a:r>
+              <a:rPr lang="ru-RU" baseline="0" dirty="0" err="1" smtClean="0"/>
+              <a:t>андроиде</a:t>
+            </a:r>
+            <a:r>
+              <a:rPr lang="ru-RU" baseline="0" dirty="0" smtClean="0"/>
+              <a:t>. На двери аудитории будет название </a:t>
+            </a:r>
+            <a:r>
+              <a:rPr lang="ru-RU" baseline="0" dirty="0" err="1" smtClean="0"/>
+              <a:t>вайфай</a:t>
+            </a:r>
+            <a:r>
+              <a:rPr lang="ru-RU" baseline="0" dirty="0" smtClean="0"/>
+              <a:t> сети, а также названия приложений, которые нужно установить для мастер-класса. Пожалуйста, попытайтесь подсоединиться к сети и скачать приложения до начала мастер-класса.</a:t>
+            </a:r>
+          </a:p>
+          <a:p>
+            <a:r>
+              <a:rPr lang="ru-RU" baseline="0" dirty="0" smtClean="0"/>
+              <a:t>Еще надеюсь вы знаете пароль от своего </a:t>
+            </a:r>
+            <a:r>
+              <a:rPr lang="ru-RU" baseline="0" dirty="0" err="1" smtClean="0"/>
+              <a:t>гугл</a:t>
+            </a:r>
+            <a:r>
+              <a:rPr lang="ru-RU" baseline="0" dirty="0" smtClean="0"/>
+              <a:t> аккаунта, он </a:t>
+            </a:r>
+            <a:r>
+              <a:rPr lang="ru-RU" baseline="0" smtClean="0"/>
+              <a:t>вам понадобится</a:t>
+            </a:r>
+            <a:endParaRPr lang="en-US" dirty="0"/>
+          </a:p>
+        </p:txBody>
+      </p:sp>
+      <p:sp>
+        <p:nvSpPr>
+          <p:cNvPr id="4" name="Номер слайда 3"/>
+          <p:cNvSpPr>
+            <a:spLocks noGrp="1"/>
+          </p:cNvSpPr>
+          <p:nvPr>
+            <p:ph type="sldNum" sz="quarter" idx="10"/>
+          </p:nvPr>
+        </p:nvSpPr>
+        <p:spPr/>
+        <p:txBody>
+          <a:bodyPr/>
+          <a:lstStyle/>
+          <a:p>
+            <a:fld id="{8ECB1CBD-3302-4BCA-82F2-2D3160A62E8C}" type="slidenum">
+              <a:rPr lang="ru-RU" smtClean="0"/>
+              <a:t>28</a:t>
             </a:fld>
             <a:endParaRPr lang="ru-RU"/>
           </a:p>
@@ -20644,8 +20874,16 @@
               </a:lnSpc>
             </a:pPr>
             <a:r>
+              <a:rPr lang="ru-RU" sz="3200" dirty="0" smtClean="0"/>
+              <a:t>Как это</a:t>
+            </a:r>
+            <a:r>
+              <a:rPr lang="ru-RU" sz="3200" dirty="0" smtClean="0"/>
+              <a:t> </a:t>
+            </a:r>
+            <a:r>
               <a:rPr lang="ru-RU" sz="3200" dirty="0"/>
-              <a:t>Почему это так работает?</a:t>
+              <a:t>работает?</a:t>
             </a:r>
           </a:p>
           <a:p>
@@ -20957,7 +21195,7 @@
       </p:grpSpPr>
       <p:sp>
         <p:nvSpPr>
-          <p:cNvPr id="2" name="Заголовок 1"/>
+          <p:cNvPr id="4" name="Заголовок 3"/>
           <p:cNvSpPr>
             <a:spLocks noGrp="1"/>
           </p:cNvSpPr>
@@ -20970,17 +21208,13 @@
           <a:bodyPr/>
           <a:lstStyle/>
           <a:p>
-            <a:r>
-              <a:rPr lang="en-US" dirty="0"/>
-              <a:t>Soft Skills</a:t>
-            </a:r>
-            <a:endParaRPr lang="ru-RU" dirty="0"/>
-          </a:p>
-        </p:txBody>
-      </p:sp>
-      <p:sp>
-        <p:nvSpPr>
-          <p:cNvPr id="3" name="Объект 2"/>
+            <a:endParaRPr lang="en-US"/>
+          </a:p>
+        </p:txBody>
+      </p:sp>
+      <p:sp>
+        <p:nvSpPr>
+          <p:cNvPr id="5" name="Объект 4"/>
           <p:cNvSpPr>
             <a:spLocks noGrp="1"/>
           </p:cNvSpPr>
@@ -20990,88 +21224,41 @@
         </p:nvSpPr>
         <p:spPr/>
         <p:txBody>
-          <a:bodyPr>
-            <a:normAutofit/>
-          </a:bodyPr>
-          <a:lstStyle/>
-          <a:p>
-            <a:r>
-              <a:rPr lang="ru-RU" sz="3600" dirty="0"/>
-              <a:t>Абстрактное и логическое мышление</a:t>
-            </a:r>
-          </a:p>
-          <a:p>
-            <a:r>
-              <a:rPr lang="ru-RU" sz="3600" dirty="0"/>
-              <a:t>Способность к анализу</a:t>
-            </a:r>
-          </a:p>
-          <a:p>
-            <a:r>
-              <a:rPr lang="en-US" sz="3600" dirty="0"/>
-              <a:t>English</a:t>
-            </a:r>
-          </a:p>
-          <a:p>
-            <a:r>
-              <a:rPr lang="ru-RU" sz="3600" strike="sngStrike" dirty="0"/>
-              <a:t>Способность учиться</a:t>
-            </a:r>
-          </a:p>
-          <a:p>
-            <a:pPr marL="457200" lvl="1" indent="0">
-              <a:buNone/>
-            </a:pPr>
-            <a:endParaRPr lang="ru-RU" dirty="0"/>
-          </a:p>
-          <a:p>
-            <a:pPr lvl="1"/>
-            <a:endParaRPr lang="ru-RU" dirty="0"/>
-          </a:p>
-        </p:txBody>
-      </p:sp>
-      <p:sp>
-        <p:nvSpPr>
-          <p:cNvPr id="4" name="Овал 3"/>
-          <p:cNvSpPr/>
+          <a:bodyPr/>
+          <a:lstStyle/>
+          <a:p>
+            <a:endParaRPr lang="en-US"/>
+          </a:p>
+        </p:txBody>
+      </p:sp>
+      <p:pic>
+        <p:nvPicPr>
+          <p:cNvPr id="6" name="Рисунок 5"/>
+          <p:cNvPicPr>
+            <a:picLocks noChangeAspect="1"/>
+          </p:cNvPicPr>
           <p:nvPr/>
-        </p:nvSpPr>
+        </p:nvPicPr>
+        <p:blipFill>
+          <a:blip r:embed="rId3"/>
+          <a:stretch>
+            <a:fillRect/>
+          </a:stretch>
+        </p:blipFill>
         <p:spPr>
           <a:xfrm>
-            <a:off x="8669867" y="5846463"/>
-            <a:ext cx="287866" cy="283404"/>
+            <a:off x="1592397" y="743803"/>
+            <a:ext cx="6004924" cy="4861129"/>
           </a:xfrm>
-          <a:prstGeom prst="ellipse">
+          <a:prstGeom prst="rect">
             <a:avLst/>
           </a:prstGeom>
         </p:spPr>
-        <p:style>
-          <a:lnRef idx="3">
-            <a:schemeClr val="lt1"/>
-          </a:lnRef>
-          <a:fillRef idx="1">
-            <a:schemeClr val="dk1"/>
-          </a:fillRef>
-          <a:effectRef idx="1">
-            <a:schemeClr val="dk1"/>
-          </a:effectRef>
-          <a:fontRef idx="minor">
-            <a:schemeClr val="lt1"/>
-          </a:fontRef>
-        </p:style>
-        <p:txBody>
-          <a:bodyPr rtlCol="0" anchor="ctr"/>
-          <a:lstStyle/>
-          <a:p>
-            <a:pPr algn="ctr"/>
-            <a:endParaRPr lang="en-US"/>
-          </a:p>
-        </p:txBody>
-      </p:sp>
+      </p:pic>
     </p:spTree>
     <p:extLst>
       <p:ext uri="{BB962C8B-B14F-4D97-AF65-F5344CB8AC3E}">
-        <p14:creationId xmlns:p14="http://schemas.microsoft.com/office/powerpoint/2010/main" val="3914421873"/>
+        <p14:creationId xmlns:p14="http://schemas.microsoft.com/office/powerpoint/2010/main" val="239462785"/>
       </p:ext>
     </p:extLst>
   </p:cSld>
@@ -21107,7 +21294,7 @@
       </p:grpSpPr>
       <p:sp>
         <p:nvSpPr>
-          <p:cNvPr id="2" name="Заголовок 1"/>
+          <p:cNvPr id="4" name="Заголовок 3"/>
           <p:cNvSpPr>
             <a:spLocks noGrp="1"/>
           </p:cNvSpPr>
@@ -21120,17 +21307,13 @@
           <a:bodyPr/>
           <a:lstStyle/>
           <a:p>
-            <a:r>
-              <a:rPr lang="en-US" dirty="0"/>
-              <a:t>Soft Skills</a:t>
-            </a:r>
-            <a:endParaRPr lang="ru-RU" dirty="0"/>
-          </a:p>
-        </p:txBody>
-      </p:sp>
-      <p:sp>
-        <p:nvSpPr>
-          <p:cNvPr id="3" name="Объект 2"/>
+            <a:endParaRPr lang="en-US"/>
+          </a:p>
+        </p:txBody>
+      </p:sp>
+      <p:sp>
+        <p:nvSpPr>
+          <p:cNvPr id="5" name="Объект 4"/>
           <p:cNvSpPr>
             <a:spLocks noGrp="1"/>
           </p:cNvSpPr>
@@ -21140,98 +21323,41 @@
         </p:nvSpPr>
         <p:spPr/>
         <p:txBody>
-          <a:bodyPr>
-            <a:normAutofit/>
-          </a:bodyPr>
-          <a:lstStyle/>
-          <a:p>
-            <a:r>
-              <a:rPr lang="ru-RU" sz="3600" dirty="0"/>
-              <a:t>Абстрактное и логическое мышление</a:t>
-            </a:r>
-          </a:p>
-          <a:p>
-            <a:r>
-              <a:rPr lang="ru-RU" sz="3600" dirty="0"/>
-              <a:t>Способность к анализу</a:t>
-            </a:r>
-          </a:p>
-          <a:p>
-            <a:r>
-              <a:rPr lang="en-US" sz="3600" dirty="0"/>
-              <a:t>English</a:t>
-            </a:r>
-          </a:p>
-          <a:p>
-            <a:r>
-              <a:rPr lang="ru-RU" sz="3600" strike="sngStrike" dirty="0"/>
-              <a:t>Способность учиться</a:t>
-            </a:r>
-          </a:p>
-          <a:p>
-            <a:r>
-              <a:rPr lang="ru-RU" sz="3600" dirty="0"/>
-              <a:t>Способность учиться </a:t>
-            </a:r>
-            <a:r>
-              <a:rPr lang="ru-RU" sz="3600" b="1" dirty="0"/>
-              <a:t>самостоятельно</a:t>
-            </a:r>
-          </a:p>
-          <a:p>
-            <a:pPr marL="457200" lvl="1" indent="0">
-              <a:buNone/>
-            </a:pPr>
-            <a:endParaRPr lang="ru-RU" dirty="0"/>
-          </a:p>
-          <a:p>
-            <a:pPr lvl="1"/>
-            <a:endParaRPr lang="ru-RU" dirty="0"/>
-          </a:p>
-        </p:txBody>
-      </p:sp>
-      <p:sp>
-        <p:nvSpPr>
-          <p:cNvPr id="4" name="Овал 3"/>
-          <p:cNvSpPr/>
+          <a:bodyPr/>
+          <a:lstStyle/>
+          <a:p>
+            <a:endParaRPr lang="en-US"/>
+          </a:p>
+        </p:txBody>
+      </p:sp>
+      <p:pic>
+        <p:nvPicPr>
+          <p:cNvPr id="2" name="Рисунок 1"/>
+          <p:cNvPicPr>
+            <a:picLocks noChangeAspect="1"/>
+          </p:cNvPicPr>
           <p:nvPr/>
-        </p:nvSpPr>
+        </p:nvPicPr>
+        <p:blipFill>
+          <a:blip r:embed="rId3"/>
+          <a:stretch>
+            <a:fillRect/>
+          </a:stretch>
+        </p:blipFill>
         <p:spPr>
           <a:xfrm>
-            <a:off x="8669867" y="5846463"/>
-            <a:ext cx="287866" cy="283404"/>
+            <a:off x="351471" y="676071"/>
+            <a:ext cx="8486775" cy="4914900"/>
           </a:xfrm>
-          <a:prstGeom prst="ellipse">
+          <a:prstGeom prst="rect">
             <a:avLst/>
           </a:prstGeom>
         </p:spPr>
-        <p:style>
-          <a:lnRef idx="3">
-            <a:schemeClr val="lt1"/>
-          </a:lnRef>
-          <a:fillRef idx="1">
-            <a:schemeClr val="dk1"/>
-          </a:fillRef>
-          <a:effectRef idx="1">
-            <a:schemeClr val="dk1"/>
-          </a:effectRef>
-          <a:fontRef idx="minor">
-            <a:schemeClr val="lt1"/>
-          </a:fontRef>
-        </p:style>
-        <p:txBody>
-          <a:bodyPr rtlCol="0" anchor="ctr"/>
-          <a:lstStyle/>
-          <a:p>
-            <a:pPr algn="ctr"/>
-            <a:endParaRPr lang="en-US"/>
-          </a:p>
-        </p:txBody>
-      </p:sp>
+      </p:pic>
     </p:spTree>
     <p:extLst>
       <p:ext uri="{BB962C8B-B14F-4D97-AF65-F5344CB8AC3E}">
-        <p14:creationId xmlns:p14="http://schemas.microsoft.com/office/powerpoint/2010/main" val="2234887265"/>
+        <p14:creationId xmlns:p14="http://schemas.microsoft.com/office/powerpoint/2010/main" val="1427167268"/>
       </p:ext>
     </p:extLst>
   </p:cSld>
@@ -21298,53 +21424,45 @@
             <p:ph idx="1"/>
           </p:nvPr>
         </p:nvSpPr>
-        <p:spPr>
-          <a:xfrm>
-            <a:off x="822959" y="1845734"/>
-            <a:ext cx="7543801" cy="4329288"/>
-          </a:xfrm>
-        </p:spPr>
+        <p:spPr/>
         <p:txBody>
           <a:bodyPr>
-            <a:noAutofit/>
+            <a:normAutofit/>
           </a:bodyPr>
           <a:lstStyle/>
           <a:p>
             <a:r>
               <a:rPr lang="ru-RU" sz="3600" dirty="0"/>
-              <a:t>Самостоятельность</a:t>
+              <a:t>Абстрактное и логическое мышление</a:t>
             </a:r>
           </a:p>
           <a:p>
             <a:r>
               <a:rPr lang="ru-RU" sz="3600" dirty="0"/>
-              <a:t>Ответственность</a:t>
-            </a:r>
-          </a:p>
-          <a:p>
-            <a:r>
-              <a:rPr lang="ru-RU" sz="3600" dirty="0"/>
-              <a:t>Общение</a:t>
-            </a:r>
-          </a:p>
-          <a:p>
-            <a:r>
-              <a:rPr lang="ru-RU" sz="3600" dirty="0"/>
-              <a:t>Работа в команде</a:t>
-            </a:r>
-          </a:p>
-          <a:p>
-            <a:endParaRPr lang="ru-RU" sz="2400" b="1" dirty="0"/>
+              <a:t>Способность к анализу</a:t>
+            </a:r>
+          </a:p>
+          <a:p>
+            <a:r>
+              <a:rPr lang="en-US" sz="3600" dirty="0"/>
+              <a:t>English</a:t>
+            </a:r>
+          </a:p>
+          <a:p>
+            <a:r>
+              <a:rPr lang="ru-RU" sz="3600" strike="sngStrike" dirty="0"/>
+              <a:t>Способность учиться</a:t>
+            </a:r>
           </a:p>
           <a:p>
             <a:pPr marL="457200" lvl="1" indent="0">
               <a:buNone/>
             </a:pPr>
-            <a:endParaRPr lang="ru-RU" sz="2000" dirty="0"/>
+            <a:endParaRPr lang="ru-RU" dirty="0"/>
           </a:p>
           <a:p>
             <a:pPr lvl="1"/>
-            <a:endParaRPr lang="ru-RU" sz="2000" dirty="0"/>
+            <a:endParaRPr lang="ru-RU" dirty="0"/>
           </a:p>
         </p:txBody>
       </p:sp>
@@ -21364,15 +21482,13 @@
           </a:prstGeom>
         </p:spPr>
         <p:style>
-          <a:lnRef idx="2">
-            <a:schemeClr val="dk1">
-              <a:shade val="50000"/>
-            </a:schemeClr>
+          <a:lnRef idx="3">
+            <a:schemeClr val="lt1"/>
           </a:lnRef>
           <a:fillRef idx="1">
             <a:schemeClr val="dk1"/>
           </a:fillRef>
-          <a:effectRef idx="0">
+          <a:effectRef idx="1">
             <a:schemeClr val="dk1"/>
           </a:effectRef>
           <a:fontRef idx="minor">
@@ -21388,50 +21504,10 @@
           </a:p>
         </p:txBody>
       </p:sp>
-      <p:sp>
-        <p:nvSpPr>
-          <p:cNvPr id="5" name="Овал 4"/>
-          <p:cNvSpPr/>
-          <p:nvPr/>
-        </p:nvSpPr>
-        <p:spPr>
-          <a:xfrm>
-            <a:off x="8382001" y="5840818"/>
-            <a:ext cx="287866" cy="283404"/>
-          </a:xfrm>
-          <a:prstGeom prst="ellipse">
-            <a:avLst/>
-          </a:prstGeom>
-        </p:spPr>
-        <p:style>
-          <a:lnRef idx="2">
-            <a:schemeClr val="accent1">
-              <a:shade val="50000"/>
-            </a:schemeClr>
-          </a:lnRef>
-          <a:fillRef idx="1">
-            <a:schemeClr val="accent1"/>
-          </a:fillRef>
-          <a:effectRef idx="0">
-            <a:schemeClr val="accent1"/>
-          </a:effectRef>
-          <a:fontRef idx="minor">
-            <a:schemeClr val="lt1"/>
-          </a:fontRef>
-        </p:style>
-        <p:txBody>
-          <a:bodyPr rtlCol="0" anchor="ctr"/>
-          <a:lstStyle/>
-          <a:p>
-            <a:pPr algn="ctr"/>
-            <a:endParaRPr lang="en-US"/>
-          </a:p>
-        </p:txBody>
-      </p:sp>
     </p:spTree>
     <p:extLst>
       <p:ext uri="{BB962C8B-B14F-4D97-AF65-F5344CB8AC3E}">
-        <p14:creationId xmlns:p14="http://schemas.microsoft.com/office/powerpoint/2010/main" val="4193671674"/>
+        <p14:creationId xmlns:p14="http://schemas.microsoft.com/office/powerpoint/2010/main" val="3914421873"/>
       </p:ext>
     </p:extLst>
   </p:cSld>
@@ -21481,9 +21557,10 @@
           <a:lstStyle/>
           <a:p>
             <a:r>
-              <a:rPr lang="ru-RU" dirty="0"/>
-              <a:t>День программиста</a:t>
-            </a:r>
+              <a:rPr lang="en-US" dirty="0"/>
+              <a:t>Soft Skills</a:t>
+            </a:r>
+            <a:endParaRPr lang="ru-RU" dirty="0"/>
           </a:p>
         </p:txBody>
       </p:sp>
@@ -21505,79 +21582,92 @@
           <a:lstStyle/>
           <a:p>
             <a:r>
-              <a:rPr lang="ru-RU" dirty="0"/>
-              <a:t>Программирование</a:t>
-            </a:r>
+              <a:rPr lang="ru-RU" sz="3600" dirty="0"/>
+              <a:t>Абстрактное и логическое мышление</a:t>
+            </a:r>
+          </a:p>
+          <a:p>
+            <a:r>
+              <a:rPr lang="ru-RU" sz="3600" dirty="0"/>
+              <a:t>Способность к анализу</a:t>
+            </a:r>
+          </a:p>
+          <a:p>
+            <a:r>
+              <a:rPr lang="en-US" sz="3600" dirty="0"/>
+              <a:t>English</a:t>
+            </a:r>
+          </a:p>
+          <a:p>
+            <a:r>
+              <a:rPr lang="ru-RU" sz="3600" strike="sngStrike" dirty="0"/>
+              <a:t>Способность учиться</a:t>
+            </a:r>
+          </a:p>
+          <a:p>
+            <a:r>
+              <a:rPr lang="ru-RU" sz="3600" dirty="0"/>
+              <a:t>Способность учиться </a:t>
+            </a:r>
+            <a:r>
+              <a:rPr lang="ru-RU" sz="3600" b="1" dirty="0"/>
+              <a:t>самостоятельно</a:t>
+            </a:r>
+          </a:p>
+          <a:p>
+            <a:pPr marL="457200" lvl="1" indent="0">
+              <a:buNone/>
+            </a:pPr>
+            <a:endParaRPr lang="ru-RU" dirty="0"/>
           </a:p>
           <a:p>
             <a:pPr lvl="1"/>
-            <a:r>
-              <a:rPr lang="ru-RU" dirty="0"/>
-              <a:t>Работа в команде</a:t>
-            </a:r>
-          </a:p>
-          <a:p>
-            <a:pPr lvl="1"/>
-            <a:r>
-              <a:rPr lang="ru-RU" dirty="0"/>
-              <a:t>Самостоятельность</a:t>
-            </a:r>
-          </a:p>
-          <a:p>
-            <a:pPr lvl="1"/>
-            <a:r>
-              <a:rPr lang="ru-RU" dirty="0" err="1"/>
-              <a:t>Самообучаемость</a:t>
-            </a:r>
             <a:endParaRPr lang="ru-RU" dirty="0"/>
           </a:p>
-          <a:p>
-            <a:r>
-              <a:rPr lang="ru-RU" dirty="0"/>
-              <a:t>Обсуждение требований</a:t>
-            </a:r>
-          </a:p>
-          <a:p>
-            <a:pPr lvl="1"/>
-            <a:r>
-              <a:rPr lang="ru-RU" dirty="0"/>
-              <a:t>Общение</a:t>
-            </a:r>
-          </a:p>
-          <a:p>
-            <a:pPr lvl="1"/>
-            <a:r>
-              <a:rPr lang="ru-RU" dirty="0"/>
-              <a:t>Работа в команде</a:t>
-            </a:r>
-          </a:p>
-          <a:p>
-            <a:pPr lvl="1"/>
-            <a:r>
-              <a:rPr lang="ru-RU" dirty="0"/>
-              <a:t>Способность к анализу</a:t>
-            </a:r>
-          </a:p>
-          <a:p>
-            <a:r>
-              <a:rPr lang="ru-RU" dirty="0"/>
-              <a:t>Тестирование</a:t>
-            </a:r>
-          </a:p>
-          <a:p>
-            <a:pPr lvl="1"/>
-            <a:r>
-              <a:rPr lang="ru-RU" dirty="0" smtClean="0"/>
-              <a:t>Умение логически мыслить</a:t>
-            </a:r>
-            <a:endParaRPr lang="ru-RU" dirty="0"/>
+        </p:txBody>
+      </p:sp>
+      <p:sp>
+        <p:nvSpPr>
+          <p:cNvPr id="4" name="Овал 3"/>
+          <p:cNvSpPr/>
+          <p:nvPr/>
+        </p:nvSpPr>
+        <p:spPr>
+          <a:xfrm>
+            <a:off x="8669867" y="5846463"/>
+            <a:ext cx="287866" cy="283404"/>
+          </a:xfrm>
+          <a:prstGeom prst="ellipse">
+            <a:avLst/>
+          </a:prstGeom>
+        </p:spPr>
+        <p:style>
+          <a:lnRef idx="3">
+            <a:schemeClr val="lt1"/>
+          </a:lnRef>
+          <a:fillRef idx="1">
+            <a:schemeClr val="dk1"/>
+          </a:fillRef>
+          <a:effectRef idx="1">
+            <a:schemeClr val="dk1"/>
+          </a:effectRef>
+          <a:fontRef idx="minor">
+            <a:schemeClr val="lt1"/>
+          </a:fontRef>
+        </p:style>
+        <p:txBody>
+          <a:bodyPr rtlCol="0" anchor="ctr"/>
+          <a:lstStyle/>
+          <a:p>
+            <a:pPr algn="ctr"/>
+            <a:endParaRPr lang="en-US"/>
           </a:p>
         </p:txBody>
       </p:sp>
     </p:spTree>
     <p:extLst>
       <p:ext uri="{BB962C8B-B14F-4D97-AF65-F5344CB8AC3E}">
-        <p14:creationId xmlns:p14="http://schemas.microsoft.com/office/powerpoint/2010/main" val="1169510648"/>
+        <p14:creationId xmlns:p14="http://schemas.microsoft.com/office/powerpoint/2010/main" val="2234887265"/>
       </p:ext>
     </p:extLst>
   </p:cSld>
@@ -21627,12 +21717,8 @@
           <a:lstStyle/>
           <a:p>
             <a:r>
-              <a:rPr lang="ru-RU" dirty="0"/>
-              <a:t>День </a:t>
-            </a:r>
-            <a:r>
-              <a:rPr lang="ru-RU" dirty="0" err="1"/>
-              <a:t>тестировщика</a:t>
+              <a:rPr lang="en-US" dirty="0"/>
+              <a:t>Soft Skills</a:t>
             </a:r>
             <a:endParaRPr lang="ru-RU" dirty="0"/>
           </a:p>
@@ -21648,85 +21734,53 @@
             <p:ph idx="1"/>
           </p:nvPr>
         </p:nvSpPr>
-        <p:spPr/>
+        <p:spPr>
+          <a:xfrm>
+            <a:off x="822959" y="1845734"/>
+            <a:ext cx="7543801" cy="4329288"/>
+          </a:xfrm>
+        </p:spPr>
         <p:txBody>
           <a:bodyPr>
-            <a:normAutofit/>
+            <a:noAutofit/>
           </a:bodyPr>
           <a:lstStyle/>
           <a:p>
             <a:r>
-              <a:rPr lang="ru-RU" dirty="0"/>
-              <a:t>Тестирование</a:t>
-            </a:r>
+              <a:rPr lang="ru-RU" sz="3600" dirty="0"/>
+              <a:t>Самостоятельность</a:t>
+            </a:r>
+          </a:p>
+          <a:p>
+            <a:r>
+              <a:rPr lang="ru-RU" sz="3600" dirty="0"/>
+              <a:t>Ответственность</a:t>
+            </a:r>
+          </a:p>
+          <a:p>
+            <a:r>
+              <a:rPr lang="ru-RU" sz="3600" dirty="0"/>
+              <a:t>Общение</a:t>
+            </a:r>
+          </a:p>
+          <a:p>
+            <a:r>
+              <a:rPr lang="ru-RU" sz="3600" dirty="0"/>
+              <a:t>Работа в команде</a:t>
+            </a:r>
+          </a:p>
+          <a:p>
+            <a:endParaRPr lang="ru-RU" sz="2400" b="1" dirty="0"/>
+          </a:p>
+          <a:p>
+            <a:pPr marL="457200" lvl="1" indent="0">
+              <a:buNone/>
+            </a:pPr>
+            <a:endParaRPr lang="ru-RU" sz="2000" dirty="0"/>
           </a:p>
           <a:p>
             <a:pPr lvl="1"/>
-            <a:r>
-              <a:rPr lang="ru-RU" dirty="0"/>
-              <a:t>Способность к анализу</a:t>
-            </a:r>
-          </a:p>
-          <a:p>
-            <a:pPr lvl="1"/>
-            <a:r>
-              <a:rPr lang="ru-RU" dirty="0"/>
-              <a:t>Внимание к деталям</a:t>
-            </a:r>
-          </a:p>
-          <a:p>
-            <a:pPr lvl="1"/>
-            <a:r>
-              <a:rPr lang="ru-RU" dirty="0"/>
-              <a:t>Креативность</a:t>
-            </a:r>
-          </a:p>
-          <a:p>
-            <a:r>
-              <a:rPr lang="ru-RU" dirty="0"/>
-              <a:t>Обсуждение требований</a:t>
-            </a:r>
-          </a:p>
-          <a:p>
-            <a:pPr lvl="1"/>
-            <a:r>
-              <a:rPr lang="ru-RU" dirty="0"/>
-              <a:t>Способность к анализу</a:t>
-            </a:r>
-          </a:p>
-          <a:p>
-            <a:pPr lvl="1"/>
-            <a:r>
-              <a:rPr lang="ru-RU" dirty="0"/>
-              <a:t>Командная игра</a:t>
-            </a:r>
-          </a:p>
-          <a:p>
-            <a:pPr lvl="1"/>
-            <a:r>
-              <a:rPr lang="ru-RU" dirty="0"/>
-              <a:t>Общение</a:t>
-            </a:r>
-          </a:p>
-          <a:p>
-            <a:pPr lvl="1"/>
-            <a:r>
-              <a:rPr lang="ru-RU" dirty="0"/>
-              <a:t>Английский</a:t>
-            </a:r>
-          </a:p>
-          <a:p>
-            <a:r>
-              <a:rPr lang="ru-RU" dirty="0"/>
-              <a:t>Работа с багами</a:t>
-            </a:r>
-          </a:p>
-          <a:p>
-            <a:pPr lvl="1"/>
-            <a:r>
-              <a:rPr lang="ru-RU" dirty="0"/>
-              <a:t>Способность к анализу</a:t>
-            </a:r>
+            <a:endParaRPr lang="ru-RU" sz="2000" dirty="0"/>
           </a:p>
         </p:txBody>
       </p:sp>
@@ -21746,13 +21800,15 @@
           </a:prstGeom>
         </p:spPr>
         <p:style>
-          <a:lnRef idx="3">
-            <a:schemeClr val="lt1"/>
+          <a:lnRef idx="2">
+            <a:schemeClr val="dk1">
+              <a:shade val="50000"/>
+            </a:schemeClr>
           </a:lnRef>
           <a:fillRef idx="1">
             <a:schemeClr val="dk1"/>
           </a:fillRef>
-          <a:effectRef idx="1">
+          <a:effectRef idx="0">
             <a:schemeClr val="dk1"/>
           </a:effectRef>
           <a:fontRef idx="minor">
@@ -21768,10 +21824,50 @@
           </a:p>
         </p:txBody>
       </p:sp>
+      <p:sp>
+        <p:nvSpPr>
+          <p:cNvPr id="5" name="Овал 4"/>
+          <p:cNvSpPr/>
+          <p:nvPr/>
+        </p:nvSpPr>
+        <p:spPr>
+          <a:xfrm>
+            <a:off x="8382001" y="5840818"/>
+            <a:ext cx="287866" cy="283404"/>
+          </a:xfrm>
+          <a:prstGeom prst="ellipse">
+            <a:avLst/>
+          </a:prstGeom>
+        </p:spPr>
+        <p:style>
+          <a:lnRef idx="2">
+            <a:schemeClr val="accent1">
+              <a:shade val="50000"/>
+            </a:schemeClr>
+          </a:lnRef>
+          <a:fillRef idx="1">
+            <a:schemeClr val="accent1"/>
+          </a:fillRef>
+          <a:effectRef idx="0">
+            <a:schemeClr val="accent1"/>
+          </a:effectRef>
+          <a:fontRef idx="minor">
+            <a:schemeClr val="lt1"/>
+          </a:fontRef>
+        </p:style>
+        <p:txBody>
+          <a:bodyPr rtlCol="0" anchor="ctr"/>
+          <a:lstStyle/>
+          <a:p>
+            <a:pPr algn="ctr"/>
+            <a:endParaRPr lang="en-US"/>
+          </a:p>
+        </p:txBody>
+      </p:sp>
     </p:spTree>
     <p:extLst>
       <p:ext uri="{BB962C8B-B14F-4D97-AF65-F5344CB8AC3E}">
-        <p14:creationId xmlns:p14="http://schemas.microsoft.com/office/powerpoint/2010/main" val="1561343379"/>
+        <p14:creationId xmlns:p14="http://schemas.microsoft.com/office/powerpoint/2010/main" val="4193671674"/>
       </p:ext>
     </p:extLst>
   </p:cSld>
@@ -21815,6 +21911,346 @@
             <p:ph type="title"/>
           </p:nvPr>
         </p:nvSpPr>
+        <p:spPr/>
+        <p:txBody>
+          <a:bodyPr/>
+          <a:lstStyle/>
+          <a:p>
+            <a:r>
+              <a:rPr lang="ru-RU" dirty="0"/>
+              <a:t>День программиста</a:t>
+            </a:r>
+          </a:p>
+        </p:txBody>
+      </p:sp>
+      <p:sp>
+        <p:nvSpPr>
+          <p:cNvPr id="3" name="Объект 2"/>
+          <p:cNvSpPr>
+            <a:spLocks noGrp="1"/>
+          </p:cNvSpPr>
+          <p:nvPr>
+            <p:ph idx="1"/>
+          </p:nvPr>
+        </p:nvSpPr>
+        <p:spPr/>
+        <p:txBody>
+          <a:bodyPr>
+            <a:normAutofit/>
+          </a:bodyPr>
+          <a:lstStyle/>
+          <a:p>
+            <a:r>
+              <a:rPr lang="ru-RU" dirty="0"/>
+              <a:t>Программирование</a:t>
+            </a:r>
+          </a:p>
+          <a:p>
+            <a:pPr lvl="1"/>
+            <a:r>
+              <a:rPr lang="ru-RU" dirty="0"/>
+              <a:t>Работа в команде</a:t>
+            </a:r>
+          </a:p>
+          <a:p>
+            <a:pPr lvl="1"/>
+            <a:r>
+              <a:rPr lang="ru-RU" dirty="0"/>
+              <a:t>Самостоятельность</a:t>
+            </a:r>
+          </a:p>
+          <a:p>
+            <a:pPr lvl="1"/>
+            <a:r>
+              <a:rPr lang="ru-RU" dirty="0" err="1"/>
+              <a:t>Самообучаемость</a:t>
+            </a:r>
+            <a:endParaRPr lang="ru-RU" dirty="0"/>
+          </a:p>
+          <a:p>
+            <a:r>
+              <a:rPr lang="ru-RU" dirty="0"/>
+              <a:t>Обсуждение требований</a:t>
+            </a:r>
+          </a:p>
+          <a:p>
+            <a:pPr lvl="1"/>
+            <a:r>
+              <a:rPr lang="ru-RU" dirty="0"/>
+              <a:t>Общение</a:t>
+            </a:r>
+          </a:p>
+          <a:p>
+            <a:pPr lvl="1"/>
+            <a:r>
+              <a:rPr lang="ru-RU" dirty="0"/>
+              <a:t>Работа в команде</a:t>
+            </a:r>
+          </a:p>
+          <a:p>
+            <a:pPr lvl="1"/>
+            <a:r>
+              <a:rPr lang="ru-RU" dirty="0"/>
+              <a:t>Способность к анализу</a:t>
+            </a:r>
+          </a:p>
+          <a:p>
+            <a:r>
+              <a:rPr lang="ru-RU" dirty="0"/>
+              <a:t>Тестирование</a:t>
+            </a:r>
+          </a:p>
+          <a:p>
+            <a:pPr lvl="1"/>
+            <a:r>
+              <a:rPr lang="ru-RU" dirty="0" smtClean="0"/>
+              <a:t>Умение логически мыслить</a:t>
+            </a:r>
+            <a:endParaRPr lang="ru-RU" dirty="0"/>
+          </a:p>
+        </p:txBody>
+      </p:sp>
+    </p:spTree>
+    <p:extLst>
+      <p:ext uri="{BB962C8B-B14F-4D97-AF65-F5344CB8AC3E}">
+        <p14:creationId xmlns:p14="http://schemas.microsoft.com/office/powerpoint/2010/main" val="1169510648"/>
+      </p:ext>
+    </p:extLst>
+  </p:cSld>
+  <p:clrMapOvr>
+    <a:masterClrMapping/>
+  </p:clrMapOvr>
+  <p:timing>
+    <p:tnLst>
+      <p:par>
+        <p:cTn id="1" dur="indefinite" restart="never" nodeType="tmRoot"/>
+      </p:par>
+    </p:tnLst>
+  </p:timing>
+</p:sld>
+</file>
+
+<file path=ppt/slides/slide26.xml><?xml version="1.0" encoding="utf-8"?>
+<p:sld xmlns:a="http://schemas.openxmlformats.org/drawingml/2006/main" xmlns:r="http://schemas.openxmlformats.org/officeDocument/2006/relationships" xmlns:p="http://schemas.openxmlformats.org/presentationml/2006/main">
+  <p:cSld>
+    <p:spTree>
+      <p:nvGrpSpPr>
+        <p:cNvPr id="1" name=""/>
+        <p:cNvGrpSpPr/>
+        <p:nvPr/>
+      </p:nvGrpSpPr>
+      <p:grpSpPr>
+        <a:xfrm>
+          <a:off x="0" y="0"/>
+          <a:ext cx="0" cy="0"/>
+          <a:chOff x="0" y="0"/>
+          <a:chExt cx="0" cy="0"/>
+        </a:xfrm>
+      </p:grpSpPr>
+      <p:sp>
+        <p:nvSpPr>
+          <p:cNvPr id="2" name="Заголовок 1"/>
+          <p:cNvSpPr>
+            <a:spLocks noGrp="1"/>
+          </p:cNvSpPr>
+          <p:nvPr>
+            <p:ph type="title"/>
+          </p:nvPr>
+        </p:nvSpPr>
+        <p:spPr/>
+        <p:txBody>
+          <a:bodyPr/>
+          <a:lstStyle/>
+          <a:p>
+            <a:r>
+              <a:rPr lang="ru-RU" dirty="0"/>
+              <a:t>День </a:t>
+            </a:r>
+            <a:r>
+              <a:rPr lang="ru-RU" dirty="0" err="1"/>
+              <a:t>тестировщика</a:t>
+            </a:r>
+            <a:endParaRPr lang="ru-RU" dirty="0"/>
+          </a:p>
+        </p:txBody>
+      </p:sp>
+      <p:sp>
+        <p:nvSpPr>
+          <p:cNvPr id="3" name="Объект 2"/>
+          <p:cNvSpPr>
+            <a:spLocks noGrp="1"/>
+          </p:cNvSpPr>
+          <p:nvPr>
+            <p:ph idx="1"/>
+          </p:nvPr>
+        </p:nvSpPr>
+        <p:spPr/>
+        <p:txBody>
+          <a:bodyPr>
+            <a:normAutofit/>
+          </a:bodyPr>
+          <a:lstStyle/>
+          <a:p>
+            <a:r>
+              <a:rPr lang="ru-RU" dirty="0"/>
+              <a:t>Тестирование</a:t>
+            </a:r>
+          </a:p>
+          <a:p>
+            <a:pPr lvl="1"/>
+            <a:r>
+              <a:rPr lang="ru-RU" dirty="0"/>
+              <a:t>Способность к анализу</a:t>
+            </a:r>
+          </a:p>
+          <a:p>
+            <a:pPr lvl="1"/>
+            <a:r>
+              <a:rPr lang="ru-RU" dirty="0"/>
+              <a:t>Внимание к деталям</a:t>
+            </a:r>
+          </a:p>
+          <a:p>
+            <a:pPr lvl="1"/>
+            <a:r>
+              <a:rPr lang="ru-RU" dirty="0"/>
+              <a:t>Креативность</a:t>
+            </a:r>
+          </a:p>
+          <a:p>
+            <a:r>
+              <a:rPr lang="ru-RU" dirty="0"/>
+              <a:t>Обсуждение требований</a:t>
+            </a:r>
+          </a:p>
+          <a:p>
+            <a:pPr lvl="1"/>
+            <a:r>
+              <a:rPr lang="ru-RU" dirty="0"/>
+              <a:t>Способность к анализу</a:t>
+            </a:r>
+          </a:p>
+          <a:p>
+            <a:pPr lvl="1"/>
+            <a:r>
+              <a:rPr lang="ru-RU" dirty="0"/>
+              <a:t>Командная игра</a:t>
+            </a:r>
+          </a:p>
+          <a:p>
+            <a:pPr lvl="1"/>
+            <a:r>
+              <a:rPr lang="ru-RU" dirty="0"/>
+              <a:t>Общение</a:t>
+            </a:r>
+          </a:p>
+          <a:p>
+            <a:pPr lvl="1"/>
+            <a:r>
+              <a:rPr lang="ru-RU" dirty="0"/>
+              <a:t>Английский</a:t>
+            </a:r>
+          </a:p>
+          <a:p>
+            <a:r>
+              <a:rPr lang="ru-RU" dirty="0"/>
+              <a:t>Работа с багами</a:t>
+            </a:r>
+          </a:p>
+          <a:p>
+            <a:pPr lvl="1"/>
+            <a:r>
+              <a:rPr lang="ru-RU" dirty="0"/>
+              <a:t>Способность к анализу</a:t>
+            </a:r>
+          </a:p>
+        </p:txBody>
+      </p:sp>
+      <p:sp>
+        <p:nvSpPr>
+          <p:cNvPr id="4" name="Овал 3"/>
+          <p:cNvSpPr/>
+          <p:nvPr/>
+        </p:nvSpPr>
+        <p:spPr>
+          <a:xfrm>
+            <a:off x="8669867" y="5846463"/>
+            <a:ext cx="287866" cy="283404"/>
+          </a:xfrm>
+          <a:prstGeom prst="ellipse">
+            <a:avLst/>
+          </a:prstGeom>
+        </p:spPr>
+        <p:style>
+          <a:lnRef idx="3">
+            <a:schemeClr val="lt1"/>
+          </a:lnRef>
+          <a:fillRef idx="1">
+            <a:schemeClr val="dk1"/>
+          </a:fillRef>
+          <a:effectRef idx="1">
+            <a:schemeClr val="dk1"/>
+          </a:effectRef>
+          <a:fontRef idx="minor">
+            <a:schemeClr val="lt1"/>
+          </a:fontRef>
+        </p:style>
+        <p:txBody>
+          <a:bodyPr rtlCol="0" anchor="ctr"/>
+          <a:lstStyle/>
+          <a:p>
+            <a:pPr algn="ctr"/>
+            <a:endParaRPr lang="en-US"/>
+          </a:p>
+        </p:txBody>
+      </p:sp>
+    </p:spTree>
+    <p:extLst>
+      <p:ext uri="{BB962C8B-B14F-4D97-AF65-F5344CB8AC3E}">
+        <p14:creationId xmlns:p14="http://schemas.microsoft.com/office/powerpoint/2010/main" val="1561343379"/>
+      </p:ext>
+    </p:extLst>
+  </p:cSld>
+  <p:clrMapOvr>
+    <a:masterClrMapping/>
+  </p:clrMapOvr>
+  <p:timing>
+    <p:tnLst>
+      <p:par>
+        <p:cTn id="1" dur="indefinite" restart="never" nodeType="tmRoot"/>
+      </p:par>
+    </p:tnLst>
+  </p:timing>
+</p:sld>
+</file>
+
+<file path=ppt/slides/slide27.xml><?xml version="1.0" encoding="utf-8"?>
+<p:sld xmlns:a="http://schemas.openxmlformats.org/drawingml/2006/main" xmlns:r="http://schemas.openxmlformats.org/officeDocument/2006/relationships" xmlns:p="http://schemas.openxmlformats.org/presentationml/2006/main">
+  <p:cSld>
+    <p:spTree>
+      <p:nvGrpSpPr>
+        <p:cNvPr id="1" name=""/>
+        <p:cNvGrpSpPr/>
+        <p:nvPr/>
+      </p:nvGrpSpPr>
+      <p:grpSpPr>
+        <a:xfrm>
+          <a:off x="0" y="0"/>
+          <a:ext cx="0" cy="0"/>
+          <a:chOff x="0" y="0"/>
+          <a:chExt cx="0" cy="0"/>
+        </a:xfrm>
+      </p:grpSpPr>
+      <p:sp>
+        <p:nvSpPr>
+          <p:cNvPr id="2" name="Заголовок 1"/>
+          <p:cNvSpPr>
+            <a:spLocks noGrp="1"/>
+          </p:cNvSpPr>
+          <p:nvPr>
+            <p:ph type="title"/>
+          </p:nvPr>
+        </p:nvSpPr>
         <p:spPr>
           <a:xfrm>
             <a:off x="811671" y="3424916"/>
@@ -21848,7 +22284,7 @@
 </p:sld>
 </file>
 
-<file path=ppt/slides/slide26.xml><?xml version="1.0" encoding="utf-8"?>
+<file path=ppt/slides/slide28.xml><?xml version="1.0" encoding="utf-8"?>
 <p:sld xmlns:a="http://schemas.openxmlformats.org/drawingml/2006/main" xmlns:r="http://schemas.openxmlformats.org/officeDocument/2006/relationships" xmlns:p="http://schemas.openxmlformats.org/presentationml/2006/main">
   <p:cSld>
     <p:spTree>

--- a/epamkids/EPAMKids-Worked_out.pptx
+++ b/epamkids/EPAMKids-Worked_out.pptx
@@ -8,7 +8,7 @@
     <p:sldMasterId id="2147483946" r:id="rId4"/>
   </p:sldMasterIdLst>
   <p:notesMasterIdLst>
-    <p:notesMasterId r:id="rId33"/>
+    <p:notesMasterId r:id="rId30"/>
   </p:notesMasterIdLst>
   <p:sldIdLst>
     <p:sldId id="256" r:id="rId5"/>
@@ -25,20 +25,17 @@
     <p:sldId id="292" r:id="rId16"/>
     <p:sldId id="262" r:id="rId17"/>
     <p:sldId id="268" r:id="rId18"/>
-    <p:sldId id="293" r:id="rId19"/>
-    <p:sldId id="269" r:id="rId20"/>
-    <p:sldId id="270" r:id="rId21"/>
-    <p:sldId id="272" r:id="rId22"/>
-    <p:sldId id="271" r:id="rId23"/>
-    <p:sldId id="296" r:id="rId24"/>
-    <p:sldId id="297" r:id="rId25"/>
-    <p:sldId id="273" r:id="rId26"/>
-    <p:sldId id="274" r:id="rId27"/>
-    <p:sldId id="275" r:id="rId28"/>
-    <p:sldId id="277" r:id="rId29"/>
-    <p:sldId id="295" r:id="rId30"/>
-    <p:sldId id="265" r:id="rId31"/>
-    <p:sldId id="290" r:id="rId32"/>
+    <p:sldId id="269" r:id="rId19"/>
+    <p:sldId id="270" r:id="rId20"/>
+    <p:sldId id="272" r:id="rId21"/>
+    <p:sldId id="271" r:id="rId22"/>
+    <p:sldId id="274" r:id="rId23"/>
+    <p:sldId id="275" r:id="rId24"/>
+    <p:sldId id="277" r:id="rId25"/>
+    <p:sldId id="295" r:id="rId26"/>
+    <p:sldId id="265" r:id="rId27"/>
+    <p:sldId id="290" r:id="rId28"/>
+    <p:sldId id="298" r:id="rId29"/>
   </p:sldIdLst>
   <p:sldSz cx="9144000" cy="6858000" type="screen4x3"/>
   <p:notesSz cx="6858000" cy="9144000"/>
@@ -156,20 +153,17 @@
             <p14:sldId id="292"/>
             <p14:sldId id="262"/>
             <p14:sldId id="268"/>
-            <p14:sldId id="293"/>
             <p14:sldId id="269"/>
             <p14:sldId id="270"/>
             <p14:sldId id="272"/>
             <p14:sldId id="271"/>
-            <p14:sldId id="296"/>
-            <p14:sldId id="297"/>
-            <p14:sldId id="273"/>
             <p14:sldId id="274"/>
             <p14:sldId id="275"/>
             <p14:sldId id="277"/>
             <p14:sldId id="295"/>
             <p14:sldId id="265"/>
             <p14:sldId id="290"/>
+            <p14:sldId id="298"/>
           </p14:sldIdLst>
         </p14:section>
       </p14:sectionLst>
@@ -4263,7 +4257,7 @@
           <a:p>
             <a:fld id="{8B9C45F6-0AEB-4DC2-90E5-18A18839626C}" type="datetimeFigureOut">
               <a:rPr lang="ru-RU" smtClean="0"/>
-              <a:t>05.04.2018</a:t>
+              <a:t>06.04.2018</a:t>
             </a:fld>
             <a:endParaRPr lang="ru-RU"/>
           </a:p>
@@ -5156,29 +5150,104 @@
           <a:lstStyle/>
           <a:p>
             <a:r>
+              <a:rPr lang="ru-RU" dirty="0" smtClean="0"/>
+              <a:t>Все ваши навыки, все ваши умения</a:t>
+            </a:r>
+            <a:r>
+              <a:rPr lang="ru-RU" baseline="0" dirty="0" smtClean="0"/>
+              <a:t> можно условно поделить на 2 части.</a:t>
+            </a:r>
+            <a:endParaRPr lang="ru-RU" dirty="0" smtClean="0"/>
+          </a:p>
+          <a:p>
+            <a:r>
+              <a:rPr lang="en-US" dirty="0" smtClean="0"/>
+              <a:t>Hard </a:t>
+            </a:r>
+            <a:r>
+              <a:rPr lang="en-US" dirty="0"/>
+              <a:t>skills</a:t>
+            </a:r>
+            <a:r>
               <a:rPr lang="ru-RU" dirty="0"/>
-              <a:t>На</a:t>
+              <a:t> (технические навыки)</a:t>
+            </a:r>
+            <a:r>
+              <a:rPr lang="en-US" baseline="0" dirty="0"/>
+              <a:t> – </a:t>
             </a:r>
             <a:r>
               <a:rPr lang="ru-RU" baseline="0" dirty="0"/>
-              <a:t> начальном этапе важнее личностные качества, так называемые </a:t>
-            </a:r>
+              <a:t>это умение программировать на </a:t>
+            </a:r>
+            <a:r>
+              <a:rPr lang="en-US" baseline="0" dirty="0"/>
+              <a:t>Java, </a:t>
+            </a:r>
+            <a:r>
+              <a:rPr lang="ru-RU" baseline="0" dirty="0"/>
+              <a:t>вышивать крестиком, водить автомобиль</a:t>
+            </a:r>
+          </a:p>
+          <a:p>
             <a:r>
               <a:rPr lang="en-US" baseline="0" dirty="0"/>
               <a:t>Soft Skills</a:t>
             </a:r>
-            <a:endParaRPr lang="ru-RU" baseline="0" dirty="0"/>
-          </a:p>
-          <a:p>
             <a:r>
               <a:rPr lang="ru-RU" baseline="0" dirty="0"/>
-              <a:t>?????????????????7 </a:t>
+              <a:t> (гибкие навыки)</a:t>
             </a:r>
             <a:r>
               <a:rPr lang="en-US" baseline="0" dirty="0"/>
-              <a:t>TO DELETE</a:t>
-            </a:r>
-            <a:endParaRPr lang="ru-RU" dirty="0"/>
+              <a:t> – </a:t>
+            </a:r>
+            <a:r>
+              <a:rPr lang="ru-RU" baseline="0" dirty="0"/>
+              <a:t>это умение вести переговоры, вести за собой людей как лидер, </a:t>
+            </a:r>
+            <a:r>
+              <a:rPr lang="ru-RU" sz="1200" b="0" i="0" kern="1200" dirty="0">
+                <a:solidFill>
+                  <a:schemeClr val="tx1"/>
+                </a:solidFill>
+                <a:effectLst/>
+                <a:latin typeface="+mn-lt"/>
+                <a:ea typeface="+mn-ea"/>
+                <a:cs typeface="+mn-cs"/>
+              </a:rPr>
+              <a:t>умение работать в команде, развитие себя как личности, управление временем, эрудированность, креативность</a:t>
+            </a:r>
+          </a:p>
+          <a:p>
+            <a:r>
+              <a:rPr lang="ru-RU" dirty="0"/>
+              <a:t>Основная разница между ними в том, что развивать </a:t>
+            </a:r>
+            <a:r>
+              <a:rPr lang="en-US" dirty="0"/>
+              <a:t>soft skills </a:t>
+            </a:r>
+            <a:r>
+              <a:rPr lang="ru-RU" dirty="0"/>
+              <a:t>навыки гораздо сложнее и дольше. Кроме того, они пригодятся вам вне зависимости от профессии</a:t>
+            </a:r>
+          </a:p>
+          <a:p>
+            <a:r>
+              <a:rPr lang="ru-RU" dirty="0"/>
+              <a:t>Поэтому я рекомендую</a:t>
+            </a:r>
+            <a:r>
+              <a:rPr lang="ru-RU" baseline="0" dirty="0"/>
+              <a:t> в первую очередь обратить внимание на гибкие навыки потому что именно их чаще всего не хватает начинающим программистам</a:t>
+            </a:r>
+          </a:p>
+          <a:p>
+            <a:r>
+              <a:rPr lang="ru-RU" baseline="0" dirty="0"/>
+              <a:t>Кстати, кто догадается по этому слайду об одном из таких навыков?</a:t>
+            </a:r>
           </a:p>
         </p:txBody>
       </p:sp>
@@ -5208,7 +5277,7 @@
     </p:spTree>
     <p:extLst>
       <p:ext uri="{BB962C8B-B14F-4D97-AF65-F5344CB8AC3E}">
-        <p14:creationId xmlns:p14="http://schemas.microsoft.com/office/powerpoint/2010/main" val="2525230575"/>
+        <p14:creationId xmlns:p14="http://schemas.microsoft.com/office/powerpoint/2010/main" val="898074354"/>
       </p:ext>
     </p:extLst>
   </p:cSld>
@@ -5263,104 +5332,14 @@
           <a:lstStyle/>
           <a:p>
             <a:r>
-              <a:rPr lang="ru-RU" dirty="0" smtClean="0"/>
-              <a:t>Все ваши навыки, все ваши умения</a:t>
-            </a:r>
-            <a:r>
-              <a:rPr lang="ru-RU" baseline="0" dirty="0" smtClean="0"/>
-              <a:t> можно условно поделить на 2 части.</a:t>
-            </a:r>
-            <a:endParaRPr lang="ru-RU" dirty="0" smtClean="0"/>
-          </a:p>
-          <a:p>
-            <a:r>
-              <a:rPr lang="en-US" dirty="0" smtClean="0"/>
-              <a:t>Hard </a:t>
-            </a:r>
-            <a:r>
-              <a:rPr lang="en-US" dirty="0"/>
-              <a:t>skills</a:t>
-            </a:r>
-            <a:r>
               <a:rPr lang="ru-RU" dirty="0"/>
-              <a:t> (технические навыки)</a:t>
-            </a:r>
-            <a:r>
-              <a:rPr lang="en-US" baseline="0" dirty="0"/>
-              <a:t> – </a:t>
+              <a:t>Правильно, английский. Знание</a:t>
             </a:r>
             <a:r>
               <a:rPr lang="ru-RU" baseline="0" dirty="0"/>
-              <a:t>это умение программировать на </a:t>
-            </a:r>
-            <a:r>
-              <a:rPr lang="en-US" baseline="0" dirty="0"/>
-              <a:t>Java, </a:t>
-            </a:r>
-            <a:r>
-              <a:rPr lang="ru-RU" baseline="0" dirty="0"/>
-              <a:t>вышивать крестиком, водить автомобиль</a:t>
-            </a:r>
-          </a:p>
-          <a:p>
-            <a:r>
-              <a:rPr lang="en-US" baseline="0" dirty="0"/>
-              <a:t>Soft Skills</a:t>
-            </a:r>
-            <a:r>
-              <a:rPr lang="ru-RU" baseline="0" dirty="0"/>
-              <a:t> (гибкие навыки)</a:t>
-            </a:r>
-            <a:r>
-              <a:rPr lang="en-US" baseline="0" dirty="0"/>
-              <a:t> – </a:t>
-            </a:r>
-            <a:r>
-              <a:rPr lang="ru-RU" baseline="0" dirty="0"/>
-              <a:t>это умение вести переговоры, вести за собой людей как лидер, </a:t>
-            </a:r>
-            <a:r>
-              <a:rPr lang="ru-RU" sz="1200" b="0" i="0" kern="1200" dirty="0">
-                <a:solidFill>
-                  <a:schemeClr val="tx1"/>
-                </a:solidFill>
-                <a:effectLst/>
-                <a:latin typeface="+mn-lt"/>
-                <a:ea typeface="+mn-ea"/>
-                <a:cs typeface="+mn-cs"/>
-              </a:rPr>
-              <a:t>умение работать в команде, развитие себя как личности, управление временем, эрудированность, креативность</a:t>
-            </a:r>
-          </a:p>
-          <a:p>
-            <a:r>
-              <a:rPr lang="ru-RU" dirty="0"/>
-              <a:t>Основная разница между ними в том, что развивать </a:t>
-            </a:r>
-            <a:r>
-              <a:rPr lang="en-US" dirty="0"/>
-              <a:t>soft skills </a:t>
-            </a:r>
-            <a:r>
-              <a:rPr lang="ru-RU" dirty="0"/>
-              <a:t>навыки гораздо сложнее и дольше. Кроме того, они пригодятся вам вне зависимости от профессии</a:t>
-            </a:r>
-          </a:p>
-          <a:p>
-            <a:r>
-              <a:rPr lang="ru-RU" dirty="0"/>
-              <a:t>Поэтому я рекомендую</a:t>
-            </a:r>
-            <a:r>
-              <a:rPr lang="ru-RU" baseline="0" dirty="0"/>
-              <a:t> в первую очередь обратить внимание на гибкие навыки потому что именно их чаще всего не хватает начинающим программистам</a:t>
-            </a:r>
-          </a:p>
-          <a:p>
-            <a:r>
-              <a:rPr lang="ru-RU" baseline="0" dirty="0"/>
-              <a:t>Кстати, кто догадается по этому слайду об одном из таких навыков?</a:t>
-            </a:r>
+              <a:t> английского просто обязательно</a:t>
+            </a:r>
+            <a:endParaRPr lang="en-US" dirty="0"/>
           </a:p>
         </p:txBody>
       </p:sp>
@@ -5390,7 +5369,7 @@
     </p:spTree>
     <p:extLst>
       <p:ext uri="{BB962C8B-B14F-4D97-AF65-F5344CB8AC3E}">
-        <p14:creationId xmlns:p14="http://schemas.microsoft.com/office/powerpoint/2010/main" val="898074354"/>
+        <p14:creationId xmlns:p14="http://schemas.microsoft.com/office/powerpoint/2010/main" val="1280783587"/>
       </p:ext>
     </p:extLst>
   </p:cSld>
@@ -5444,15 +5423,7 @@
           <a:bodyPr/>
           <a:lstStyle/>
           <a:p>
-            <a:r>
-              <a:rPr lang="ru-RU" dirty="0"/>
-              <a:t>Правильно, английский. Знание</a:t>
-            </a:r>
-            <a:r>
-              <a:rPr lang="ru-RU" baseline="0" dirty="0"/>
-              <a:t> английского просто обязательно</a:t>
-            </a:r>
-            <a:endParaRPr lang="en-US" dirty="0"/>
+            <a:endParaRPr lang="ru-RU" dirty="0"/>
           </a:p>
         </p:txBody>
       </p:sp>
@@ -5482,7 +5453,7 @@
     </p:spTree>
     <p:extLst>
       <p:ext uri="{BB962C8B-B14F-4D97-AF65-F5344CB8AC3E}">
-        <p14:creationId xmlns:p14="http://schemas.microsoft.com/office/powerpoint/2010/main" val="1280783587"/>
+        <p14:creationId xmlns:p14="http://schemas.microsoft.com/office/powerpoint/2010/main" val="2897868140"/>
       </p:ext>
     </p:extLst>
   </p:cSld>
@@ -5536,7 +5507,36 @@
           <a:bodyPr/>
           <a:lstStyle/>
           <a:p>
-            <a:endParaRPr lang="ru-RU" dirty="0"/>
+            <a:pPr marL="0" marR="0" indent="0" algn="l" defTabSz="914400" rtl="0" eaLnBrk="1" fontAlgn="auto" latinLnBrk="0" hangingPunct="1">
+              <a:lnSpc>
+                <a:spcPct val="100000"/>
+              </a:lnSpc>
+              <a:spcBef>
+                <a:spcPts val="0"/>
+              </a:spcBef>
+              <a:spcAft>
+                <a:spcPts val="0"/>
+              </a:spcAft>
+              <a:buClrTx/>
+              <a:buSzTx/>
+              <a:buFontTx/>
+              <a:buNone/>
+              <a:tabLst/>
+              <a:defRPr/>
+            </a:pPr>
+            <a:r>
+              <a:rPr lang="ru-RU" dirty="0"/>
+              <a:t>Как и способность</a:t>
+            </a:r>
+            <a:r>
+              <a:rPr lang="ru-RU" baseline="0" dirty="0"/>
+              <a:t> к анализу – понимать и анализировать почему это так работает</a:t>
+            </a:r>
+            <a:r>
+              <a:rPr lang="ru-RU" baseline="0" dirty="0" smtClean="0"/>
+              <a:t>.</a:t>
+            </a:r>
+            <a:endParaRPr lang="ru-RU" baseline="0" dirty="0"/>
           </a:p>
         </p:txBody>
       </p:sp>
@@ -5566,7 +5566,7 @@
     </p:spTree>
     <p:extLst>
       <p:ext uri="{BB962C8B-B14F-4D97-AF65-F5344CB8AC3E}">
-        <p14:creationId xmlns:p14="http://schemas.microsoft.com/office/powerpoint/2010/main" val="2897868140"/>
+        <p14:creationId xmlns:p14="http://schemas.microsoft.com/office/powerpoint/2010/main" val="1372522176"/>
       </p:ext>
     </p:extLst>
   </p:cSld>
@@ -5639,17 +5639,16 @@
             </a:pPr>
             <a:r>
               <a:rPr lang="ru-RU" dirty="0"/>
-              <a:t>Как и способность</a:t>
+              <a:t>Нет, не так. Также крайне важно уметь учиться самостоятельно. У вас не будет преподавателя,</a:t>
             </a:r>
             <a:r>
               <a:rPr lang="ru-RU" baseline="0" dirty="0"/>
-              <a:t> к анализу – понимать и анализировать почему это так работает</a:t>
-            </a:r>
-            <a:r>
-              <a:rPr lang="ru-RU" baseline="0" dirty="0" smtClean="0"/>
-              <a:t>.</a:t>
-            </a:r>
-            <a:endParaRPr lang="ru-RU" baseline="0" dirty="0"/>
+              <a:t> который будет вести вас за руку. Вам будут помогать, но не вести</a:t>
+            </a:r>
+            <a:endParaRPr lang="ru-RU" b="1" dirty="0"/>
+          </a:p>
+          <a:p>
+            <a:endParaRPr lang="ru-RU" b="1" dirty="0"/>
           </a:p>
         </p:txBody>
       </p:sp>
@@ -5679,7 +5678,7 @@
     </p:spTree>
     <p:extLst>
       <p:ext uri="{BB962C8B-B14F-4D97-AF65-F5344CB8AC3E}">
-        <p14:creationId xmlns:p14="http://schemas.microsoft.com/office/powerpoint/2010/main" val="1372522176"/>
+        <p14:creationId xmlns:p14="http://schemas.microsoft.com/office/powerpoint/2010/main" val="2500172318"/>
       </p:ext>
     </p:extLst>
   </p:cSld>
@@ -5824,36 +5823,32 @@
           <a:bodyPr/>
           <a:lstStyle/>
           <a:p>
-            <a:pPr marL="0" marR="0" indent="0" algn="l" defTabSz="914400" rtl="0" eaLnBrk="1" fontAlgn="auto" latinLnBrk="0" hangingPunct="1">
-              <a:lnSpc>
-                <a:spcPct val="100000"/>
-              </a:lnSpc>
-              <a:spcBef>
-                <a:spcPts val="0"/>
-              </a:spcBef>
-              <a:spcAft>
-                <a:spcPts val="0"/>
-              </a:spcAft>
-              <a:buClrTx/>
-              <a:buSzTx/>
-              <a:buFontTx/>
-              <a:buNone/>
-              <a:tabLst/>
-              <a:defRPr/>
-            </a:pPr>
             <a:r>
               <a:rPr lang="ru-RU" dirty="0"/>
-              <a:t>Как и способность</a:t>
+              <a:t>КАТЯ: Не менее важны и для программиста и для тестировщика</a:t>
+            </a:r>
+            <a:endParaRPr lang="en-US" dirty="0"/>
+          </a:p>
+          <a:p>
+            <a:r>
+              <a:rPr lang="ru-RU" dirty="0"/>
+              <a:t>Быть самостоятельным, ответственным, уметь общаться</a:t>
             </a:r>
             <a:r>
               <a:rPr lang="ru-RU" baseline="0" dirty="0"/>
-              <a:t> к анализу – понимать и анализировать почему это так работает</a:t>
-            </a:r>
-            <a:r>
-              <a:rPr lang="ru-RU" baseline="0" dirty="0" smtClean="0"/>
-              <a:t>.</a:t>
-            </a:r>
-            <a:endParaRPr lang="ru-RU" baseline="0" dirty="0"/>
+              <a:t> и работать в команде</a:t>
+            </a:r>
+          </a:p>
+          <a:p>
+            <a:r>
+              <a:rPr lang="ru-RU" b="1" baseline="0" dirty="0" smtClean="0"/>
+              <a:t>ВИТ: И </a:t>
+            </a:r>
+            <a:r>
+              <a:rPr lang="ru-RU" b="1" baseline="0" dirty="0"/>
+              <a:t>все это звучит довольно отвлеченно – ну как это все связано с программированием?</a:t>
+            </a:r>
+            <a:endParaRPr lang="ru-RU" b="1" dirty="0"/>
           </a:p>
         </p:txBody>
       </p:sp>
@@ -5883,7 +5878,7 @@
     </p:spTree>
     <p:extLst>
       <p:ext uri="{BB962C8B-B14F-4D97-AF65-F5344CB8AC3E}">
-        <p14:creationId xmlns:p14="http://schemas.microsoft.com/office/powerpoint/2010/main" val="3019756214"/>
+        <p14:creationId xmlns:p14="http://schemas.microsoft.com/office/powerpoint/2010/main" val="330844995"/>
       </p:ext>
     </p:extLst>
   </p:cSld>
@@ -5937,34 +5932,31 @@
           <a:bodyPr/>
           <a:lstStyle/>
           <a:p>
-            <a:pPr marL="0" marR="0" indent="0" algn="l" defTabSz="914400" rtl="0" eaLnBrk="1" fontAlgn="auto" latinLnBrk="0" hangingPunct="1">
-              <a:lnSpc>
-                <a:spcPct val="100000"/>
-              </a:lnSpc>
-              <a:spcBef>
-                <a:spcPts val="0"/>
-              </a:spcBef>
-              <a:spcAft>
-                <a:spcPts val="0"/>
-              </a:spcAft>
-              <a:buClrTx/>
-              <a:buSzTx/>
-              <a:buFontTx/>
-              <a:buNone/>
-              <a:tabLst/>
-              <a:defRPr/>
-            </a:pPr>
             <a:r>
               <a:rPr lang="ru-RU" dirty="0"/>
-              <a:t>Как и способность</a:t>
+              <a:t>И</a:t>
             </a:r>
             <a:r>
               <a:rPr lang="ru-RU" baseline="0" dirty="0"/>
-              <a:t> к анализу – понимать и анализировать почему это так работает</a:t>
+              <a:t> если вспомнить из чего состоит день программиста, то все эти важные навыки применяются каждый </a:t>
             </a:r>
             <a:r>
               <a:rPr lang="ru-RU" baseline="0" dirty="0" smtClean="0"/>
-              <a:t>.</a:t>
+              <a:t>день</a:t>
+            </a:r>
+          </a:p>
+          <a:p>
+            <a:r>
+              <a:rPr lang="ru-RU" baseline="0" dirty="0" smtClean="0"/>
+              <a:t>Умение логически мыслить – если я ввожу что-то в поле ввода и нажимаю на кнопку – все работает, а что если не вводить ничего и просто нажать на кнопку. Здесь у разработчиков перед </a:t>
+            </a:r>
+            <a:r>
+              <a:rPr lang="ru-RU" baseline="0" dirty="0" err="1" smtClean="0"/>
+              <a:t>тестировщиками</a:t>
+            </a:r>
+            <a:r>
+              <a:rPr lang="ru-RU" baseline="0" dirty="0" smtClean="0"/>
+              <a:t> есть преимущество – они знают как внутри работает программа. Например они могут знать что если ввести очень длинный текст и нажать кнопку, то программа наверно сломается</a:t>
             </a:r>
             <a:endParaRPr lang="ru-RU" baseline="0" dirty="0"/>
           </a:p>
@@ -5996,7 +5988,7 @@
     </p:spTree>
     <p:extLst>
       <p:ext uri="{BB962C8B-B14F-4D97-AF65-F5344CB8AC3E}">
-        <p14:creationId xmlns:p14="http://schemas.microsoft.com/office/powerpoint/2010/main" val="2397886430"/>
+        <p14:creationId xmlns:p14="http://schemas.microsoft.com/office/powerpoint/2010/main" val="974547320"/>
       </p:ext>
     </p:extLst>
   </p:cSld>
@@ -6051,16 +6043,10 @@
           <a:lstStyle/>
           <a:p>
             <a:r>
-              <a:rPr lang="ru-RU" dirty="0"/>
-              <a:t>КАТЯ: Следующие 3 слайда</a:t>
-            </a:r>
-          </a:p>
-          <a:p>
-            <a:r>
-              <a:rPr lang="ru-RU" dirty="0"/>
-              <a:t>Также крайне важно уметь учиться</a:t>
-            </a:r>
-            <a:endParaRPr lang="ru-RU" b="1" dirty="0"/>
+              <a:rPr lang="en-US" baseline="0" dirty="0" smtClean="0"/>
+              <a:t>TBD</a:t>
+            </a:r>
+            <a:endParaRPr lang="ru-RU" baseline="0" dirty="0"/>
           </a:p>
         </p:txBody>
       </p:sp>
@@ -6090,7 +6076,7 @@
     </p:spTree>
     <p:extLst>
       <p:ext uri="{BB962C8B-B14F-4D97-AF65-F5344CB8AC3E}">
-        <p14:creationId xmlns:p14="http://schemas.microsoft.com/office/powerpoint/2010/main" val="1511465883"/>
+        <p14:creationId xmlns:p14="http://schemas.microsoft.com/office/powerpoint/2010/main" val="1530967944"/>
       </p:ext>
     </p:extLst>
   </p:cSld>
@@ -6144,35 +6130,15 @@
           <a:bodyPr/>
           <a:lstStyle/>
           <a:p>
-            <a:pPr marL="0" marR="0" indent="0" algn="l" defTabSz="914400" rtl="0" eaLnBrk="1" fontAlgn="auto" latinLnBrk="0" hangingPunct="1">
-              <a:lnSpc>
-                <a:spcPct val="100000"/>
-              </a:lnSpc>
-              <a:spcBef>
-                <a:spcPts val="0"/>
-              </a:spcBef>
-              <a:spcAft>
-                <a:spcPts val="0"/>
-              </a:spcAft>
-              <a:buClrTx/>
-              <a:buSzTx/>
-              <a:buFontTx/>
-              <a:buNone/>
-              <a:tabLst/>
-              <a:defRPr/>
-            </a:pPr>
-            <a:r>
-              <a:rPr lang="ru-RU" dirty="0"/>
-              <a:t>Нет, не так. Также крайне важно уметь учиться самостоятельно. У вас не будет преподавателя,</a:t>
-            </a:r>
-            <a:r>
-              <a:rPr lang="ru-RU" baseline="0" dirty="0"/>
-              <a:t> который будет вести вас за руку. Вам будут помогать, но не вести</a:t>
-            </a:r>
-            <a:endParaRPr lang="ru-RU" b="1" dirty="0"/>
-          </a:p>
-          <a:p>
-            <a:endParaRPr lang="ru-RU" b="1" dirty="0"/>
+            <a:r>
+              <a:rPr lang="ru-RU" dirty="0" smtClean="0"/>
+              <a:t>И это все что мы хотели рассказать, есть ли</a:t>
+            </a:r>
+            <a:r>
+              <a:rPr lang="ru-RU" baseline="0" dirty="0" smtClean="0"/>
+              <a:t> у вас вопросы?</a:t>
+            </a:r>
+            <a:endParaRPr lang="ru-RU" dirty="0" smtClean="0"/>
           </a:p>
         </p:txBody>
       </p:sp>
@@ -6202,7 +6168,7 @@
     </p:spTree>
     <p:extLst>
       <p:ext uri="{BB962C8B-B14F-4D97-AF65-F5344CB8AC3E}">
-        <p14:creationId xmlns:p14="http://schemas.microsoft.com/office/powerpoint/2010/main" val="2500172318"/>
+        <p14:creationId xmlns:p14="http://schemas.microsoft.com/office/powerpoint/2010/main" val="4194174386"/>
       </p:ext>
     </p:extLst>
   </p:cSld>
@@ -6257,31 +6223,54 @@
           <a:lstStyle/>
           <a:p>
             <a:r>
-              <a:rPr lang="ru-RU" dirty="0"/>
-              <a:t>КАТЯ: Не менее важны и для программиста и для тестировщика</a:t>
+              <a:rPr lang="ru-RU" dirty="0" smtClean="0"/>
+              <a:t>Мастер класс – аудитория</a:t>
+            </a:r>
+            <a:r>
+              <a:rPr lang="ru-RU" baseline="0" dirty="0" smtClean="0"/>
+              <a:t> по программированию , аудитория по тестированию</a:t>
+            </a:r>
+          </a:p>
+          <a:p>
+            <a:r>
+              <a:rPr lang="ru-RU" baseline="0" dirty="0" smtClean="0"/>
+              <a:t>Для мастер класса по программированию необходим телефон на </a:t>
+            </a:r>
+            <a:r>
+              <a:rPr lang="ru-RU" baseline="0" dirty="0" err="1" smtClean="0"/>
+              <a:t>андроиде</a:t>
+            </a:r>
+            <a:r>
+              <a:rPr lang="ru-RU" baseline="0" dirty="0" smtClean="0"/>
+              <a:t>. На двери аудитории будет название </a:t>
+            </a:r>
+            <a:r>
+              <a:rPr lang="ru-RU" baseline="0" dirty="0" err="1" smtClean="0"/>
+              <a:t>вайфай</a:t>
+            </a:r>
+            <a:r>
+              <a:rPr lang="ru-RU" baseline="0" dirty="0" smtClean="0"/>
+              <a:t> сети, а также названия приложений, которые нужно установить для мастер-класса. Пожалуйста, попытайтесь подсоединиться к сети и скачать приложения до начала мастер-класса.</a:t>
+            </a:r>
+          </a:p>
+          <a:p>
+            <a:r>
+              <a:rPr lang="ru-RU" baseline="0" dirty="0" smtClean="0"/>
+              <a:t>Еще надеюсь вы знаете пароль от своего </a:t>
+            </a:r>
+            <a:r>
+              <a:rPr lang="ru-RU" baseline="0" dirty="0" err="1" smtClean="0"/>
+              <a:t>гугл</a:t>
+            </a:r>
+            <a:r>
+              <a:rPr lang="ru-RU" baseline="0" dirty="0" smtClean="0"/>
+              <a:t> аккаунта, он </a:t>
+            </a:r>
+            <a:r>
+              <a:rPr lang="ru-RU" baseline="0" smtClean="0"/>
+              <a:t>вам понадобится</a:t>
             </a:r>
             <a:endParaRPr lang="en-US" dirty="0"/>
-          </a:p>
-          <a:p>
-            <a:r>
-              <a:rPr lang="ru-RU" dirty="0"/>
-              <a:t>Быть самостоятельным, ответственным, уметь общаться</a:t>
-            </a:r>
-            <a:r>
-              <a:rPr lang="ru-RU" baseline="0" dirty="0"/>
-              <a:t> и работать в команде</a:t>
-            </a:r>
-          </a:p>
-          <a:p>
-            <a:r>
-              <a:rPr lang="ru-RU" b="1" baseline="0" dirty="0" smtClean="0"/>
-              <a:t>ВИТ: И </a:t>
-            </a:r>
-            <a:r>
-              <a:rPr lang="ru-RU" b="1" baseline="0" dirty="0"/>
-              <a:t>все это звучит довольно отвлеченно – ну как это все связано с программированием?</a:t>
-            </a:r>
-            <a:endParaRPr lang="ru-RU" b="1" dirty="0"/>
           </a:p>
         </p:txBody>
       </p:sp>
@@ -6311,7 +6300,7 @@
     </p:spTree>
     <p:extLst>
       <p:ext uri="{BB962C8B-B14F-4D97-AF65-F5344CB8AC3E}">
-        <p14:creationId xmlns:p14="http://schemas.microsoft.com/office/powerpoint/2010/main" val="330844995"/>
+        <p14:creationId xmlns:p14="http://schemas.microsoft.com/office/powerpoint/2010/main" val="1297758366"/>
       </p:ext>
     </p:extLst>
   </p:cSld>
@@ -6366,32 +6355,54 @@
           <a:lstStyle/>
           <a:p>
             <a:r>
-              <a:rPr lang="ru-RU" dirty="0"/>
-              <a:t>И</a:t>
-            </a:r>
-            <a:r>
-              <a:rPr lang="ru-RU" baseline="0" dirty="0"/>
-              <a:t> если вспомнить из чего состоит день программиста, то все эти важные навыки применяются каждый </a:t>
+              <a:rPr lang="ru-RU" dirty="0" smtClean="0"/>
+              <a:t>Мастер класс – аудитория</a:t>
             </a:r>
             <a:r>
               <a:rPr lang="ru-RU" baseline="0" dirty="0" smtClean="0"/>
-              <a:t>день</a:t>
+              <a:t> по программированию , аудитория по тестированию</a:t>
             </a:r>
           </a:p>
           <a:p>
             <a:r>
               <a:rPr lang="ru-RU" baseline="0" dirty="0" smtClean="0"/>
-              <a:t>Умение логически мыслить – если я ввожу что-то в поле ввода и нажимаю на кнопку – все работает, а что если не вводить ничего и просто нажать на кнопку. Здесь у разработчиков перед </a:t>
+              <a:t>Для мастер класса по программированию необходим телефон на </a:t>
             </a:r>
             <a:r>
               <a:rPr lang="ru-RU" baseline="0" dirty="0" err="1" smtClean="0"/>
-              <a:t>тестировщиками</a:t>
+              <a:t>андроиде</a:t>
             </a:r>
             <a:r>
               <a:rPr lang="ru-RU" baseline="0" dirty="0" smtClean="0"/>
-              <a:t> есть преимущество – они знают как внутри работает программа. Например они могут знать что если ввести очень длинный текст и нажать кнопку, то программа наверно сломается</a:t>
-            </a:r>
-            <a:endParaRPr lang="ru-RU" baseline="0" dirty="0"/>
+              <a:t>. На двери аудитории будет название </a:t>
+            </a:r>
+            <a:r>
+              <a:rPr lang="ru-RU" baseline="0" dirty="0" err="1" smtClean="0"/>
+              <a:t>вайфай</a:t>
+            </a:r>
+            <a:r>
+              <a:rPr lang="ru-RU" baseline="0" dirty="0" smtClean="0"/>
+              <a:t> сети, а также названия приложений, которые нужно установить для мастер-класса. Пожалуйста, попытайтесь подсоединиться к сети и скачать приложения до начала мастер-класса.</a:t>
+            </a:r>
+          </a:p>
+          <a:p>
+            <a:r>
+              <a:rPr lang="ru-RU" baseline="0" dirty="0" smtClean="0"/>
+              <a:t>Еще надеюсь вы знаете пароль от своего </a:t>
+            </a:r>
+            <a:r>
+              <a:rPr lang="ru-RU" baseline="0" dirty="0" err="1" smtClean="0"/>
+              <a:t>гугл</a:t>
+            </a:r>
+            <a:r>
+              <a:rPr lang="ru-RU" baseline="0" dirty="0" smtClean="0"/>
+              <a:t> аккаунта, он </a:t>
+            </a:r>
+            <a:r>
+              <a:rPr lang="ru-RU" baseline="0" smtClean="0"/>
+              <a:t>вам понадобится</a:t>
+            </a:r>
+            <a:endParaRPr lang="en-US" dirty="0"/>
           </a:p>
         </p:txBody>
       </p:sp>
@@ -6421,319 +6432,7 @@
     </p:spTree>
     <p:extLst>
       <p:ext uri="{BB962C8B-B14F-4D97-AF65-F5344CB8AC3E}">
-        <p14:creationId xmlns:p14="http://schemas.microsoft.com/office/powerpoint/2010/main" val="974547320"/>
-      </p:ext>
-    </p:extLst>
-  </p:cSld>
-  <p:clrMapOvr>
-    <a:masterClrMapping/>
-  </p:clrMapOvr>
-</p:notes>
-</file>
-
-<file path=ppt/notesSlides/notesSlide26.xml><?xml version="1.0" encoding="utf-8"?>
-<p:notes xmlns:a="http://schemas.openxmlformats.org/drawingml/2006/main" xmlns:r="http://schemas.openxmlformats.org/officeDocument/2006/relationships" xmlns:p="http://schemas.openxmlformats.org/presentationml/2006/main">
-  <p:cSld>
-    <p:spTree>
-      <p:nvGrpSpPr>
-        <p:cNvPr id="1" name=""/>
-        <p:cNvGrpSpPr/>
-        <p:nvPr/>
-      </p:nvGrpSpPr>
-      <p:grpSpPr>
-        <a:xfrm>
-          <a:off x="0" y="0"/>
-          <a:ext cx="0" cy="0"/>
-          <a:chOff x="0" y="0"/>
-          <a:chExt cx="0" cy="0"/>
-        </a:xfrm>
-      </p:grpSpPr>
-      <p:sp>
-        <p:nvSpPr>
-          <p:cNvPr id="2" name="Образ слайда 1"/>
-          <p:cNvSpPr>
-            <a:spLocks noGrp="1" noRot="1" noChangeAspect="1"/>
-          </p:cNvSpPr>
-          <p:nvPr>
-            <p:ph type="sldImg"/>
-          </p:nvPr>
-        </p:nvSpPr>
-        <p:spPr/>
-      </p:sp>
-      <p:sp>
-        <p:nvSpPr>
-          <p:cNvPr id="3" name="Заметки 2"/>
-          <p:cNvSpPr>
-            <a:spLocks noGrp="1"/>
-          </p:cNvSpPr>
-          <p:nvPr>
-            <p:ph type="body" idx="1"/>
-          </p:nvPr>
-        </p:nvSpPr>
-        <p:spPr/>
-        <p:txBody>
-          <a:bodyPr/>
-          <a:lstStyle/>
-          <a:p>
-            <a:r>
-              <a:rPr lang="en-US" baseline="0" dirty="0" smtClean="0"/>
-              <a:t>TBD</a:t>
-            </a:r>
-            <a:endParaRPr lang="ru-RU" baseline="0" dirty="0"/>
-          </a:p>
-        </p:txBody>
-      </p:sp>
-      <p:sp>
-        <p:nvSpPr>
-          <p:cNvPr id="4" name="Номер слайда 3"/>
-          <p:cNvSpPr>
-            <a:spLocks noGrp="1"/>
-          </p:cNvSpPr>
-          <p:nvPr>
-            <p:ph type="sldNum" sz="quarter" idx="10"/>
-          </p:nvPr>
-        </p:nvSpPr>
-        <p:spPr/>
-        <p:txBody>
-          <a:bodyPr/>
-          <a:lstStyle/>
-          <a:p>
-            <a:fld id="{8ECB1CBD-3302-4BCA-82F2-2D3160A62E8C}" type="slidenum">
-              <a:rPr lang="ru-RU" smtClean="0"/>
-              <a:t>26</a:t>
-            </a:fld>
-            <a:endParaRPr lang="ru-RU"/>
-          </a:p>
-        </p:txBody>
-      </p:sp>
-    </p:spTree>
-    <p:extLst>
-      <p:ext uri="{BB962C8B-B14F-4D97-AF65-F5344CB8AC3E}">
-        <p14:creationId xmlns:p14="http://schemas.microsoft.com/office/powerpoint/2010/main" val="1530967944"/>
-      </p:ext>
-    </p:extLst>
-  </p:cSld>
-  <p:clrMapOvr>
-    <a:masterClrMapping/>
-  </p:clrMapOvr>
-</p:notes>
-</file>
-
-<file path=ppt/notesSlides/notesSlide27.xml><?xml version="1.0" encoding="utf-8"?>
-<p:notes xmlns:a="http://schemas.openxmlformats.org/drawingml/2006/main" xmlns:r="http://schemas.openxmlformats.org/officeDocument/2006/relationships" xmlns:p="http://schemas.openxmlformats.org/presentationml/2006/main">
-  <p:cSld>
-    <p:spTree>
-      <p:nvGrpSpPr>
-        <p:cNvPr id="1" name=""/>
-        <p:cNvGrpSpPr/>
-        <p:nvPr/>
-      </p:nvGrpSpPr>
-      <p:grpSpPr>
-        <a:xfrm>
-          <a:off x="0" y="0"/>
-          <a:ext cx="0" cy="0"/>
-          <a:chOff x="0" y="0"/>
-          <a:chExt cx="0" cy="0"/>
-        </a:xfrm>
-      </p:grpSpPr>
-      <p:sp>
-        <p:nvSpPr>
-          <p:cNvPr id="2" name="Образ слайда 1"/>
-          <p:cNvSpPr>
-            <a:spLocks noGrp="1" noRot="1" noChangeAspect="1"/>
-          </p:cNvSpPr>
-          <p:nvPr>
-            <p:ph type="sldImg"/>
-          </p:nvPr>
-        </p:nvSpPr>
-        <p:spPr/>
-      </p:sp>
-      <p:sp>
-        <p:nvSpPr>
-          <p:cNvPr id="3" name="Заметки 2"/>
-          <p:cNvSpPr>
-            <a:spLocks noGrp="1"/>
-          </p:cNvSpPr>
-          <p:nvPr>
-            <p:ph type="body" idx="1"/>
-          </p:nvPr>
-        </p:nvSpPr>
-        <p:spPr/>
-        <p:txBody>
-          <a:bodyPr/>
-          <a:lstStyle/>
-          <a:p>
-            <a:r>
-              <a:rPr lang="ru-RU" dirty="0" smtClean="0"/>
-              <a:t>И это все что мы хотели рассказать, есть ли</a:t>
-            </a:r>
-            <a:r>
-              <a:rPr lang="ru-RU" baseline="0" dirty="0" smtClean="0"/>
-              <a:t> у вас вопросы?</a:t>
-            </a:r>
-            <a:endParaRPr lang="ru-RU" dirty="0" smtClean="0"/>
-          </a:p>
-        </p:txBody>
-      </p:sp>
-      <p:sp>
-        <p:nvSpPr>
-          <p:cNvPr id="4" name="Номер слайда 3"/>
-          <p:cNvSpPr>
-            <a:spLocks noGrp="1"/>
-          </p:cNvSpPr>
-          <p:nvPr>
-            <p:ph type="sldNum" sz="quarter" idx="10"/>
-          </p:nvPr>
-        </p:nvSpPr>
-        <p:spPr/>
-        <p:txBody>
-          <a:bodyPr/>
-          <a:lstStyle/>
-          <a:p>
-            <a:fld id="{8ECB1CBD-3302-4BCA-82F2-2D3160A62E8C}" type="slidenum">
-              <a:rPr lang="ru-RU" smtClean="0"/>
-              <a:t>27</a:t>
-            </a:fld>
-            <a:endParaRPr lang="ru-RU"/>
-          </a:p>
-        </p:txBody>
-      </p:sp>
-    </p:spTree>
-    <p:extLst>
-      <p:ext uri="{BB962C8B-B14F-4D97-AF65-F5344CB8AC3E}">
-        <p14:creationId xmlns:p14="http://schemas.microsoft.com/office/powerpoint/2010/main" val="4194174386"/>
-      </p:ext>
-    </p:extLst>
-  </p:cSld>
-  <p:clrMapOvr>
-    <a:masterClrMapping/>
-  </p:clrMapOvr>
-</p:notes>
-</file>
-
-<file path=ppt/notesSlides/notesSlide28.xml><?xml version="1.0" encoding="utf-8"?>
-<p:notes xmlns:a="http://schemas.openxmlformats.org/drawingml/2006/main" xmlns:r="http://schemas.openxmlformats.org/officeDocument/2006/relationships" xmlns:p="http://schemas.openxmlformats.org/presentationml/2006/main">
-  <p:cSld>
-    <p:spTree>
-      <p:nvGrpSpPr>
-        <p:cNvPr id="1" name=""/>
-        <p:cNvGrpSpPr/>
-        <p:nvPr/>
-      </p:nvGrpSpPr>
-      <p:grpSpPr>
-        <a:xfrm>
-          <a:off x="0" y="0"/>
-          <a:ext cx="0" cy="0"/>
-          <a:chOff x="0" y="0"/>
-          <a:chExt cx="0" cy="0"/>
-        </a:xfrm>
-      </p:grpSpPr>
-      <p:sp>
-        <p:nvSpPr>
-          <p:cNvPr id="2" name="Образ слайда 1"/>
-          <p:cNvSpPr>
-            <a:spLocks noGrp="1" noRot="1" noChangeAspect="1"/>
-          </p:cNvSpPr>
-          <p:nvPr>
-            <p:ph type="sldImg"/>
-          </p:nvPr>
-        </p:nvSpPr>
-        <p:spPr/>
-      </p:sp>
-      <p:sp>
-        <p:nvSpPr>
-          <p:cNvPr id="3" name="Заметки 2"/>
-          <p:cNvSpPr>
-            <a:spLocks noGrp="1"/>
-          </p:cNvSpPr>
-          <p:nvPr>
-            <p:ph type="body" idx="1"/>
-          </p:nvPr>
-        </p:nvSpPr>
-        <p:spPr/>
-        <p:txBody>
-          <a:bodyPr/>
-          <a:lstStyle/>
-          <a:p>
-            <a:r>
-              <a:rPr lang="ru-RU" dirty="0" smtClean="0"/>
-              <a:t>Мастер класс – аудитория</a:t>
-            </a:r>
-            <a:r>
-              <a:rPr lang="ru-RU" baseline="0" dirty="0" smtClean="0"/>
-              <a:t> по программированию , аудитория по тестированию</a:t>
-            </a:r>
-          </a:p>
-          <a:p>
-            <a:r>
-              <a:rPr lang="ru-RU" baseline="0" dirty="0" smtClean="0"/>
-              <a:t>Для мастер класса по программированию необходим телефон на </a:t>
-            </a:r>
-            <a:r>
-              <a:rPr lang="ru-RU" baseline="0" dirty="0" err="1" smtClean="0"/>
-              <a:t>андроиде</a:t>
-            </a:r>
-            <a:r>
-              <a:rPr lang="ru-RU" baseline="0" dirty="0" smtClean="0"/>
-              <a:t>. На двери аудитории будет название </a:t>
-            </a:r>
-            <a:r>
-              <a:rPr lang="ru-RU" baseline="0" dirty="0" err="1" smtClean="0"/>
-              <a:t>вайфай</a:t>
-            </a:r>
-            <a:r>
-              <a:rPr lang="ru-RU" baseline="0" dirty="0" smtClean="0"/>
-              <a:t> сети, а также названия приложений, которые нужно установить для мастер-класса. Пожалуйста, попытайтесь подсоединиться к сети и скачать приложения до начала мастер-класса.</a:t>
-            </a:r>
-          </a:p>
-          <a:p>
-            <a:r>
-              <a:rPr lang="ru-RU" baseline="0" dirty="0" smtClean="0"/>
-              <a:t>Еще надеюсь вы знаете пароль от своего </a:t>
-            </a:r>
-            <a:r>
-              <a:rPr lang="ru-RU" baseline="0" dirty="0" err="1" smtClean="0"/>
-              <a:t>гугл</a:t>
-            </a:r>
-            <a:r>
-              <a:rPr lang="ru-RU" baseline="0" dirty="0" smtClean="0"/>
-              <a:t> аккаунта, он </a:t>
-            </a:r>
-            <a:r>
-              <a:rPr lang="ru-RU" baseline="0" smtClean="0"/>
-              <a:t>вам понадобится</a:t>
-            </a:r>
-            <a:endParaRPr lang="en-US" dirty="0"/>
-          </a:p>
-        </p:txBody>
-      </p:sp>
-      <p:sp>
-        <p:nvSpPr>
-          <p:cNvPr id="4" name="Номер слайда 3"/>
-          <p:cNvSpPr>
-            <a:spLocks noGrp="1"/>
-          </p:cNvSpPr>
-          <p:nvPr>
-            <p:ph type="sldNum" sz="quarter" idx="10"/>
-          </p:nvPr>
-        </p:nvSpPr>
-        <p:spPr/>
-        <p:txBody>
-          <a:bodyPr/>
-          <a:lstStyle/>
-          <a:p>
-            <a:fld id="{8ECB1CBD-3302-4BCA-82F2-2D3160A62E8C}" type="slidenum">
-              <a:rPr lang="ru-RU" smtClean="0"/>
-              <a:t>28</a:t>
-            </a:fld>
-            <a:endParaRPr lang="ru-RU"/>
-          </a:p>
-        </p:txBody>
-      </p:sp>
-    </p:spTree>
-    <p:extLst>
-      <p:ext uri="{BB962C8B-B14F-4D97-AF65-F5344CB8AC3E}">
-        <p14:creationId xmlns:p14="http://schemas.microsoft.com/office/powerpoint/2010/main" val="1297758366"/>
+        <p14:creationId xmlns:p14="http://schemas.microsoft.com/office/powerpoint/2010/main" val="3596284447"/>
       </p:ext>
     </p:extLst>
   </p:cSld>
@@ -7912,7 +7611,7 @@
           <a:p>
             <a:fld id="{0F64EEF6-A7EF-4ACA-ADF7-1618DD6B7A0C}" type="datetimeFigureOut">
               <a:rPr lang="ru-RU" smtClean="0"/>
-              <a:t>05.04.2018</a:t>
+              <a:t>06.04.2018</a:t>
             </a:fld>
             <a:endParaRPr lang="ru-RU"/>
           </a:p>
@@ -8082,7 +7781,7 @@
           <a:p>
             <a:fld id="{0F64EEF6-A7EF-4ACA-ADF7-1618DD6B7A0C}" type="datetimeFigureOut">
               <a:rPr lang="ru-RU" smtClean="0"/>
-              <a:t>05.04.2018</a:t>
+              <a:t>06.04.2018</a:t>
             </a:fld>
             <a:endParaRPr lang="ru-RU"/>
           </a:p>
@@ -8262,7 +7961,7 @@
           <a:p>
             <a:fld id="{0F64EEF6-A7EF-4ACA-ADF7-1618DD6B7A0C}" type="datetimeFigureOut">
               <a:rPr lang="ru-RU" smtClean="0"/>
-              <a:t>05.04.2018</a:t>
+              <a:t>06.04.2018</a:t>
             </a:fld>
             <a:endParaRPr lang="ru-RU"/>
           </a:p>
@@ -8465,7 +8164,7 @@
           <a:p>
             <a:fld id="{0F64EEF6-A7EF-4ACA-ADF7-1618DD6B7A0C}" type="datetimeFigureOut">
               <a:rPr lang="ru-RU" smtClean="0"/>
-              <a:t>05.04.2018</a:t>
+              <a:t>06.04.2018</a:t>
             </a:fld>
             <a:endParaRPr lang="ru-RU"/>
           </a:p>
@@ -8635,7 +8334,7 @@
           <a:p>
             <a:fld id="{0F64EEF6-A7EF-4ACA-ADF7-1618DD6B7A0C}" type="datetimeFigureOut">
               <a:rPr lang="ru-RU" smtClean="0"/>
-              <a:t>05.04.2018</a:t>
+              <a:t>06.04.2018</a:t>
             </a:fld>
             <a:endParaRPr lang="ru-RU"/>
           </a:p>
@@ -8886,7 +8585,7 @@
           <a:p>
             <a:fld id="{0F64EEF6-A7EF-4ACA-ADF7-1618DD6B7A0C}" type="datetimeFigureOut">
               <a:rPr lang="ru-RU" smtClean="0"/>
-              <a:t>05.04.2018</a:t>
+              <a:t>06.04.2018</a:t>
             </a:fld>
             <a:endParaRPr lang="ru-RU"/>
           </a:p>
@@ -9118,7 +8817,7 @@
           <a:p>
             <a:fld id="{0F64EEF6-A7EF-4ACA-ADF7-1618DD6B7A0C}" type="datetimeFigureOut">
               <a:rPr lang="ru-RU" smtClean="0"/>
-              <a:t>05.04.2018</a:t>
+              <a:t>06.04.2018</a:t>
             </a:fld>
             <a:endParaRPr lang="ru-RU"/>
           </a:p>
@@ -9465,7 +9164,7 @@
           <a:p>
             <a:fld id="{0F64EEF6-A7EF-4ACA-ADF7-1618DD6B7A0C}" type="datetimeFigureOut">
               <a:rPr lang="ru-RU" smtClean="0"/>
-              <a:t>05.04.2018</a:t>
+              <a:t>06.04.2018</a:t>
             </a:fld>
             <a:endParaRPr lang="ru-RU"/>
           </a:p>
@@ -9583,7 +9282,7 @@
           <a:p>
             <a:fld id="{0F64EEF6-A7EF-4ACA-ADF7-1618DD6B7A0C}" type="datetimeFigureOut">
               <a:rPr lang="ru-RU" smtClean="0"/>
-              <a:t>05.04.2018</a:t>
+              <a:t>06.04.2018</a:t>
             </a:fld>
             <a:endParaRPr lang="ru-RU"/>
           </a:p>
@@ -9701,7 +9400,7 @@
           <a:p>
             <a:fld id="{0F64EEF6-A7EF-4ACA-ADF7-1618DD6B7A0C}" type="datetimeFigureOut">
               <a:rPr lang="ru-RU" smtClean="0"/>
-              <a:t>05.04.2018</a:t>
+              <a:t>06.04.2018</a:t>
             </a:fld>
             <a:endParaRPr lang="ru-RU"/>
           </a:p>
@@ -9985,7 +9684,7 @@
           <a:p>
             <a:fld id="{0F64EEF6-A7EF-4ACA-ADF7-1618DD6B7A0C}" type="datetimeFigureOut">
               <a:rPr lang="ru-RU" smtClean="0"/>
-              <a:t>05.04.2018</a:t>
+              <a:t>06.04.2018</a:t>
             </a:fld>
             <a:endParaRPr lang="ru-RU"/>
           </a:p>
@@ -10155,7 +9854,7 @@
           <a:p>
             <a:fld id="{0F64EEF6-A7EF-4ACA-ADF7-1618DD6B7A0C}" type="datetimeFigureOut">
               <a:rPr lang="ru-RU" smtClean="0"/>
-              <a:t>05.04.2018</a:t>
+              <a:t>06.04.2018</a:t>
             </a:fld>
             <a:endParaRPr lang="ru-RU"/>
           </a:p>
@@ -10419,7 +10118,7 @@
           <a:p>
             <a:fld id="{0F64EEF6-A7EF-4ACA-ADF7-1618DD6B7A0C}" type="datetimeFigureOut">
               <a:rPr lang="ru-RU" smtClean="0"/>
-              <a:t>05.04.2018</a:t>
+              <a:t>06.04.2018</a:t>
             </a:fld>
             <a:endParaRPr lang="ru-RU"/>
           </a:p>
@@ -10589,7 +10288,7 @@
           <a:p>
             <a:fld id="{0F64EEF6-A7EF-4ACA-ADF7-1618DD6B7A0C}" type="datetimeFigureOut">
               <a:rPr lang="ru-RU" smtClean="0"/>
-              <a:t>05.04.2018</a:t>
+              <a:t>06.04.2018</a:t>
             </a:fld>
             <a:endParaRPr lang="ru-RU"/>
           </a:p>
@@ -10769,7 +10468,7 @@
           <a:p>
             <a:fld id="{0F64EEF6-A7EF-4ACA-ADF7-1618DD6B7A0C}" type="datetimeFigureOut">
               <a:rPr lang="ru-RU" smtClean="0"/>
-              <a:t>05.04.2018</a:t>
+              <a:t>06.04.2018</a:t>
             </a:fld>
             <a:endParaRPr lang="ru-RU"/>
           </a:p>
@@ -10972,7 +10671,7 @@
           <a:p>
             <a:fld id="{0F64EEF6-A7EF-4ACA-ADF7-1618DD6B7A0C}" type="datetimeFigureOut">
               <a:rPr lang="ru-RU" smtClean="0"/>
-              <a:t>05.04.2018</a:t>
+              <a:t>06.04.2018</a:t>
             </a:fld>
             <a:endParaRPr lang="ru-RU"/>
           </a:p>
@@ -11142,7 +10841,7 @@
           <a:p>
             <a:fld id="{0F64EEF6-A7EF-4ACA-ADF7-1618DD6B7A0C}" type="datetimeFigureOut">
               <a:rPr lang="ru-RU" smtClean="0"/>
-              <a:t>05.04.2018</a:t>
+              <a:t>06.04.2018</a:t>
             </a:fld>
             <a:endParaRPr lang="ru-RU"/>
           </a:p>
@@ -11393,7 +11092,7 @@
           <a:p>
             <a:fld id="{0F64EEF6-A7EF-4ACA-ADF7-1618DD6B7A0C}" type="datetimeFigureOut">
               <a:rPr lang="ru-RU" smtClean="0"/>
-              <a:t>05.04.2018</a:t>
+              <a:t>06.04.2018</a:t>
             </a:fld>
             <a:endParaRPr lang="ru-RU"/>
           </a:p>
@@ -11625,7 +11324,7 @@
           <a:p>
             <a:fld id="{0F64EEF6-A7EF-4ACA-ADF7-1618DD6B7A0C}" type="datetimeFigureOut">
               <a:rPr lang="ru-RU" smtClean="0"/>
-              <a:t>05.04.2018</a:t>
+              <a:t>06.04.2018</a:t>
             </a:fld>
             <a:endParaRPr lang="ru-RU"/>
           </a:p>
@@ -11972,7 +11671,7 @@
           <a:p>
             <a:fld id="{0F64EEF6-A7EF-4ACA-ADF7-1618DD6B7A0C}" type="datetimeFigureOut">
               <a:rPr lang="ru-RU" smtClean="0"/>
-              <a:t>05.04.2018</a:t>
+              <a:t>06.04.2018</a:t>
             </a:fld>
             <a:endParaRPr lang="ru-RU"/>
           </a:p>
@@ -12090,7 +11789,7 @@
           <a:p>
             <a:fld id="{0F64EEF6-A7EF-4ACA-ADF7-1618DD6B7A0C}" type="datetimeFigureOut">
               <a:rPr lang="ru-RU" smtClean="0"/>
-              <a:t>05.04.2018</a:t>
+              <a:t>06.04.2018</a:t>
             </a:fld>
             <a:endParaRPr lang="ru-RU"/>
           </a:p>
@@ -12208,7 +11907,7 @@
           <a:p>
             <a:fld id="{0F64EEF6-A7EF-4ACA-ADF7-1618DD6B7A0C}" type="datetimeFigureOut">
               <a:rPr lang="ru-RU" smtClean="0"/>
-              <a:t>05.04.2018</a:t>
+              <a:t>06.04.2018</a:t>
             </a:fld>
             <a:endParaRPr lang="ru-RU"/>
           </a:p>
@@ -12459,7 +12158,7 @@
           <a:p>
             <a:fld id="{0F64EEF6-A7EF-4ACA-ADF7-1618DD6B7A0C}" type="datetimeFigureOut">
               <a:rPr lang="ru-RU" smtClean="0"/>
-              <a:t>05.04.2018</a:t>
+              <a:t>06.04.2018</a:t>
             </a:fld>
             <a:endParaRPr lang="ru-RU"/>
           </a:p>
@@ -12743,7 +12442,7 @@
           <a:p>
             <a:fld id="{0F64EEF6-A7EF-4ACA-ADF7-1618DD6B7A0C}" type="datetimeFigureOut">
               <a:rPr lang="ru-RU" smtClean="0"/>
-              <a:t>05.04.2018</a:t>
+              <a:t>06.04.2018</a:t>
             </a:fld>
             <a:endParaRPr lang="ru-RU"/>
           </a:p>
@@ -13007,7 +12706,7 @@
           <a:p>
             <a:fld id="{0F64EEF6-A7EF-4ACA-ADF7-1618DD6B7A0C}" type="datetimeFigureOut">
               <a:rPr lang="ru-RU" smtClean="0"/>
-              <a:t>05.04.2018</a:t>
+              <a:t>06.04.2018</a:t>
             </a:fld>
             <a:endParaRPr lang="ru-RU"/>
           </a:p>
@@ -13177,7 +12876,7 @@
           <a:p>
             <a:fld id="{0F64EEF6-A7EF-4ACA-ADF7-1618DD6B7A0C}" type="datetimeFigureOut">
               <a:rPr lang="ru-RU" smtClean="0"/>
-              <a:t>05.04.2018</a:t>
+              <a:t>06.04.2018</a:t>
             </a:fld>
             <a:endParaRPr lang="ru-RU"/>
           </a:p>
@@ -13357,7 +13056,7 @@
           <a:p>
             <a:fld id="{0F64EEF6-A7EF-4ACA-ADF7-1618DD6B7A0C}" type="datetimeFigureOut">
               <a:rPr lang="ru-RU" smtClean="0"/>
-              <a:t>05.04.2018</a:t>
+              <a:t>06.04.2018</a:t>
             </a:fld>
             <a:endParaRPr lang="ru-RU"/>
           </a:p>
@@ -13644,7 +13343,7 @@
           <a:p>
             <a:fld id="{0F64EEF6-A7EF-4ACA-ADF7-1618DD6B7A0C}" type="datetimeFigureOut">
               <a:rPr lang="ru-RU" smtClean="0"/>
-              <a:t>05.04.2018</a:t>
+              <a:t>06.04.2018</a:t>
             </a:fld>
             <a:endParaRPr lang="ru-RU"/>
           </a:p>
@@ -13852,7 +13551,7 @@
           <a:p>
             <a:fld id="{0F64EEF6-A7EF-4ACA-ADF7-1618DD6B7A0C}" type="datetimeFigureOut">
               <a:rPr lang="ru-RU" smtClean="0"/>
-              <a:t>05.04.2018</a:t>
+              <a:t>06.04.2018</a:t>
             </a:fld>
             <a:endParaRPr lang="ru-RU"/>
           </a:p>
@@ -14195,7 +13894,7 @@
           <a:p>
             <a:fld id="{0F64EEF6-A7EF-4ACA-ADF7-1618DD6B7A0C}" type="datetimeFigureOut">
               <a:rPr lang="ru-RU" smtClean="0"/>
-              <a:t>05.04.2018</a:t>
+              <a:t>06.04.2018</a:t>
             </a:fld>
             <a:endParaRPr lang="ru-RU"/>
           </a:p>
@@ -14470,7 +14169,7 @@
           <a:p>
             <a:fld id="{0F64EEF6-A7EF-4ACA-ADF7-1618DD6B7A0C}" type="datetimeFigureOut">
               <a:rPr lang="ru-RU" smtClean="0"/>
-              <a:t>05.04.2018</a:t>
+              <a:t>06.04.2018</a:t>
             </a:fld>
             <a:endParaRPr lang="ru-RU"/>
           </a:p>
@@ -14849,7 +14548,7 @@
           <a:p>
             <a:fld id="{0F64EEF6-A7EF-4ACA-ADF7-1618DD6B7A0C}" type="datetimeFigureOut">
               <a:rPr lang="ru-RU" smtClean="0"/>
-              <a:t>05.04.2018</a:t>
+              <a:t>06.04.2018</a:t>
             </a:fld>
             <a:endParaRPr lang="ru-RU"/>
           </a:p>
@@ -14967,7 +14666,7 @@
           <a:p>
             <a:fld id="{0F64EEF6-A7EF-4ACA-ADF7-1618DD6B7A0C}" type="datetimeFigureOut">
               <a:rPr lang="ru-RU" smtClean="0"/>
-              <a:t>05.04.2018</a:t>
+              <a:t>06.04.2018</a:t>
             </a:fld>
             <a:endParaRPr lang="ru-RU"/>
           </a:p>
@@ -15199,7 +14898,7 @@
           <a:p>
             <a:fld id="{0F64EEF6-A7EF-4ACA-ADF7-1618DD6B7A0C}" type="datetimeFigureOut">
               <a:rPr lang="ru-RU" smtClean="0"/>
-              <a:t>05.04.2018</a:t>
+              <a:t>06.04.2018</a:t>
             </a:fld>
             <a:endParaRPr lang="ru-RU"/>
           </a:p>
@@ -15370,7 +15069,7 @@
           <a:p>
             <a:fld id="{0F64EEF6-A7EF-4ACA-ADF7-1618DD6B7A0C}" type="datetimeFigureOut">
               <a:rPr lang="ru-RU" smtClean="0"/>
-              <a:t>05.04.2018</a:t>
+              <a:t>06.04.2018</a:t>
             </a:fld>
             <a:endParaRPr lang="ru-RU"/>
           </a:p>
@@ -15724,7 +15423,7 @@
           <a:p>
             <a:fld id="{0F64EEF6-A7EF-4ACA-ADF7-1618DD6B7A0C}" type="datetimeFigureOut">
               <a:rPr lang="ru-RU" smtClean="0"/>
-              <a:t>05.04.2018</a:t>
+              <a:t>06.04.2018</a:t>
             </a:fld>
             <a:endParaRPr lang="ru-RU"/>
           </a:p>
@@ -16106,7 +15805,7 @@
           <a:p>
             <a:fld id="{0F64EEF6-A7EF-4ACA-ADF7-1618DD6B7A0C}" type="datetimeFigureOut">
               <a:rPr lang="ru-RU" smtClean="0"/>
-              <a:t>05.04.2018</a:t>
+              <a:t>06.04.2018</a:t>
             </a:fld>
             <a:endParaRPr lang="ru-RU"/>
           </a:p>
@@ -16276,7 +15975,7 @@
           <a:p>
             <a:fld id="{0F64EEF6-A7EF-4ACA-ADF7-1618DD6B7A0C}" type="datetimeFigureOut">
               <a:rPr lang="ru-RU" smtClean="0"/>
-              <a:t>05.04.2018</a:t>
+              <a:t>06.04.2018</a:t>
             </a:fld>
             <a:endParaRPr lang="ru-RU"/>
           </a:p>
@@ -16532,7 +16231,7 @@
           <a:p>
             <a:fld id="{0F64EEF6-A7EF-4ACA-ADF7-1618DD6B7A0C}" type="datetimeFigureOut">
               <a:rPr lang="ru-RU" smtClean="0"/>
-              <a:t>05.04.2018</a:t>
+              <a:t>06.04.2018</a:t>
             </a:fld>
             <a:endParaRPr lang="ru-RU"/>
           </a:p>
@@ -16879,7 +16578,7 @@
           <a:p>
             <a:fld id="{0F64EEF6-A7EF-4ACA-ADF7-1618DD6B7A0C}" type="datetimeFigureOut">
               <a:rPr lang="ru-RU" smtClean="0"/>
-              <a:t>05.04.2018</a:t>
+              <a:t>06.04.2018</a:t>
             </a:fld>
             <a:endParaRPr lang="ru-RU"/>
           </a:p>
@@ -16997,7 +16696,7 @@
           <a:p>
             <a:fld id="{0F64EEF6-A7EF-4ACA-ADF7-1618DD6B7A0C}" type="datetimeFigureOut">
               <a:rPr lang="ru-RU" smtClean="0"/>
-              <a:t>05.04.2018</a:t>
+              <a:t>06.04.2018</a:t>
             </a:fld>
             <a:endParaRPr lang="ru-RU"/>
           </a:p>
@@ -17115,7 +16814,7 @@
           <a:p>
             <a:fld id="{0F64EEF6-A7EF-4ACA-ADF7-1618DD6B7A0C}" type="datetimeFigureOut">
               <a:rPr lang="ru-RU" smtClean="0"/>
-              <a:t>05.04.2018</a:t>
+              <a:t>06.04.2018</a:t>
             </a:fld>
             <a:endParaRPr lang="ru-RU"/>
           </a:p>
@@ -17399,7 +17098,7 @@
           <a:p>
             <a:fld id="{0F64EEF6-A7EF-4ACA-ADF7-1618DD6B7A0C}" type="datetimeFigureOut">
               <a:rPr lang="ru-RU" smtClean="0"/>
-              <a:t>05.04.2018</a:t>
+              <a:t>06.04.2018</a:t>
             </a:fld>
             <a:endParaRPr lang="ru-RU"/>
           </a:p>
@@ -17663,7 +17362,7 @@
           <a:p>
             <a:fld id="{0F64EEF6-A7EF-4ACA-ADF7-1618DD6B7A0C}" type="datetimeFigureOut">
               <a:rPr lang="ru-RU" smtClean="0"/>
-              <a:t>05.04.2018</a:t>
+              <a:t>06.04.2018</a:t>
             </a:fld>
             <a:endParaRPr lang="ru-RU"/>
           </a:p>
@@ -17877,7 +17576,7 @@
           <a:p>
             <a:fld id="{0F64EEF6-A7EF-4ACA-ADF7-1618DD6B7A0C}" type="datetimeFigureOut">
               <a:rPr lang="ru-RU" smtClean="0"/>
-              <a:t>05.04.2018</a:t>
+              <a:t>06.04.2018</a:t>
             </a:fld>
             <a:endParaRPr lang="ru-RU"/>
           </a:p>
@@ -18407,7 +18106,7 @@
           <a:p>
             <a:fld id="{0F64EEF6-A7EF-4ACA-ADF7-1618DD6B7A0C}" type="datetimeFigureOut">
               <a:rPr lang="ru-RU" smtClean="0"/>
-              <a:t>05.04.2018</a:t>
+              <a:t>06.04.2018</a:t>
             </a:fld>
             <a:endParaRPr lang="ru-RU"/>
           </a:p>
@@ -18937,7 +18636,7 @@
           <a:p>
             <a:fld id="{0F64EEF6-A7EF-4ACA-ADF7-1618DD6B7A0C}" type="datetimeFigureOut">
               <a:rPr lang="ru-RU" smtClean="0"/>
-              <a:t>05.04.2018</a:t>
+              <a:t>06.04.2018</a:t>
             </a:fld>
             <a:endParaRPr lang="ru-RU"/>
           </a:p>
@@ -19545,7 +19244,7 @@
           <a:p>
             <a:fld id="{0F64EEF6-A7EF-4ACA-ADF7-1618DD6B7A0C}" type="datetimeFigureOut">
               <a:rPr lang="ru-RU" smtClean="0"/>
-              <a:t>05.04.2018</a:t>
+              <a:t>06.04.2018</a:t>
             </a:fld>
             <a:endParaRPr lang="ru-RU"/>
           </a:p>
@@ -20451,6 +20150,13 @@
   <p:clrMapOvr>
     <a:masterClrMapping/>
   </p:clrMapOvr>
+  <p:timing>
+    <p:tnLst>
+      <p:par>
+        <p:cTn id="1" dur="indefinite" restart="never" nodeType="tmRoot"/>
+      </p:par>
+    </p:tnLst>
+  </p:timing>
 </p:sld>
 </file>
 
@@ -20473,7 +20179,189 @@
       </p:grpSpPr>
       <p:pic>
         <p:nvPicPr>
-          <p:cNvPr id="1026" name="Picture 2" descr="Geek_Resume-Cloud.png (542×284)"/>
+          <p:cNvPr id="2" name="Рисунок 1"/>
+          <p:cNvPicPr>
+            <a:picLocks noChangeAspect="1"/>
+          </p:cNvPicPr>
+          <p:nvPr/>
+        </p:nvPicPr>
+        <p:blipFill>
+          <a:blip r:embed="rId3">
+            <a:extLst>
+              <a:ext uri="{28A0092B-C50C-407E-A947-70E740481C1C}">
+                <a14:useLocalDpi xmlns:a14="http://schemas.microsoft.com/office/drawing/2010/main" val="0"/>
+              </a:ext>
+            </a:extLst>
+          </a:blip>
+          <a:stretch>
+            <a:fillRect/>
+          </a:stretch>
+        </p:blipFill>
+        <p:spPr>
+          <a:xfrm>
+            <a:off x="-694268" y="235905"/>
+            <a:ext cx="10459403" cy="5794058"/>
+          </a:xfrm>
+          <a:prstGeom prst="rect">
+            <a:avLst/>
+          </a:prstGeom>
+        </p:spPr>
+      </p:pic>
+    </p:spTree>
+    <p:extLst>
+      <p:ext uri="{BB962C8B-B14F-4D97-AF65-F5344CB8AC3E}">
+        <p14:creationId xmlns:p14="http://schemas.microsoft.com/office/powerpoint/2010/main" val="1740162416"/>
+      </p:ext>
+    </p:extLst>
+  </p:cSld>
+  <p:clrMapOvr>
+    <a:masterClrMapping/>
+  </p:clrMapOvr>
+  <p:timing>
+    <p:tnLst>
+      <p:par>
+        <p:cTn id="1" dur="indefinite" restart="never" nodeType="tmRoot"/>
+      </p:par>
+    </p:tnLst>
+  </p:timing>
+</p:sld>
+</file>
+
+<file path=ppt/slides/slide15.xml><?xml version="1.0" encoding="utf-8"?>
+<p:sld xmlns:a="http://schemas.openxmlformats.org/drawingml/2006/main" xmlns:r="http://schemas.openxmlformats.org/officeDocument/2006/relationships" xmlns:p="http://schemas.openxmlformats.org/presentationml/2006/main">
+  <p:cSld>
+    <p:spTree>
+      <p:nvGrpSpPr>
+        <p:cNvPr id="1" name=""/>
+        <p:cNvGrpSpPr/>
+        <p:nvPr/>
+      </p:nvGrpSpPr>
+      <p:grpSpPr>
+        <a:xfrm>
+          <a:off x="0" y="0"/>
+          <a:ext cx="0" cy="0"/>
+          <a:chOff x="0" y="0"/>
+          <a:chExt cx="0" cy="0"/>
+        </a:xfrm>
+      </p:grpSpPr>
+      <p:sp>
+        <p:nvSpPr>
+          <p:cNvPr id="2" name="Заголовок 1"/>
+          <p:cNvSpPr>
+            <a:spLocks noGrp="1"/>
+          </p:cNvSpPr>
+          <p:nvPr>
+            <p:ph type="title"/>
+          </p:nvPr>
+        </p:nvSpPr>
+        <p:spPr>
+          <a:xfrm>
+            <a:off x="645583" y="2735793"/>
+            <a:ext cx="7886700" cy="1325563"/>
+          </a:xfrm>
+        </p:spPr>
+        <p:txBody>
+          <a:bodyPr>
+            <a:normAutofit/>
+          </a:bodyPr>
+          <a:lstStyle/>
+          <a:p>
+            <a:pPr algn="ctr"/>
+            <a:r>
+              <a:rPr lang="en-US" sz="6600" dirty="0"/>
+              <a:t>Hard Skills / Soft Skills</a:t>
+            </a:r>
+            <a:endParaRPr lang="ru-RU" sz="6600" dirty="0"/>
+          </a:p>
+        </p:txBody>
+      </p:sp>
+    </p:spTree>
+    <p:extLst>
+      <p:ext uri="{BB962C8B-B14F-4D97-AF65-F5344CB8AC3E}">
+        <p14:creationId xmlns:p14="http://schemas.microsoft.com/office/powerpoint/2010/main" val="4128484078"/>
+      </p:ext>
+    </p:extLst>
+  </p:cSld>
+  <p:clrMapOvr>
+    <a:masterClrMapping/>
+  </p:clrMapOvr>
+  <p:timing>
+    <p:tnLst>
+      <p:par>
+        <p:cTn id="1" dur="indefinite" restart="never" nodeType="tmRoot"/>
+      </p:par>
+    </p:tnLst>
+  </p:timing>
+</p:sld>
+</file>
+
+<file path=ppt/slides/slide16.xml><?xml version="1.0" encoding="utf-8"?>
+<p:sld xmlns:a="http://schemas.openxmlformats.org/drawingml/2006/main" xmlns:r="http://schemas.openxmlformats.org/officeDocument/2006/relationships" xmlns:p="http://schemas.openxmlformats.org/presentationml/2006/main">
+  <p:cSld>
+    <p:spTree>
+      <p:nvGrpSpPr>
+        <p:cNvPr id="1" name=""/>
+        <p:cNvGrpSpPr/>
+        <p:nvPr/>
+      </p:nvGrpSpPr>
+      <p:grpSpPr>
+        <a:xfrm>
+          <a:off x="0" y="0"/>
+          <a:ext cx="0" cy="0"/>
+          <a:chOff x="0" y="0"/>
+          <a:chExt cx="0" cy="0"/>
+        </a:xfrm>
+      </p:grpSpPr>
+      <p:sp>
+        <p:nvSpPr>
+          <p:cNvPr id="2" name="Заголовок 1"/>
+          <p:cNvSpPr>
+            <a:spLocks noGrp="1"/>
+          </p:cNvSpPr>
+          <p:nvPr>
+            <p:ph type="title"/>
+          </p:nvPr>
+        </p:nvSpPr>
+        <p:spPr/>
+        <p:txBody>
+          <a:bodyPr/>
+          <a:lstStyle/>
+          <a:p>
+            <a:r>
+              <a:rPr lang="en-US" dirty="0"/>
+              <a:t>Soft Skills</a:t>
+            </a:r>
+            <a:endParaRPr lang="ru-RU" dirty="0"/>
+          </a:p>
+        </p:txBody>
+      </p:sp>
+      <p:sp>
+        <p:nvSpPr>
+          <p:cNvPr id="3" name="Объект 2"/>
+          <p:cNvSpPr>
+            <a:spLocks noGrp="1"/>
+          </p:cNvSpPr>
+          <p:nvPr>
+            <p:ph idx="1"/>
+          </p:nvPr>
+        </p:nvSpPr>
+        <p:spPr/>
+        <p:txBody>
+          <a:bodyPr>
+            <a:normAutofit/>
+          </a:bodyPr>
+          <a:lstStyle/>
+          <a:p>
+            <a:r>
+              <a:rPr lang="en-US" sz="3600" dirty="0"/>
+              <a:t>English</a:t>
+            </a:r>
+          </a:p>
+        </p:txBody>
+      </p:sp>
+      <p:pic>
+        <p:nvPicPr>
+          <p:cNvPr id="2052" name="Picture 4" descr="ÐÐ°ÑÑÐ¸Ð½ÐºÐ¸ Ð¿Ð¾ Ð·Ð°Ð¿ÑÐ¾ÑÑ Ð°Ð²ÑÐ¾Ð±ÑÑ Ð°Ð½Ð³Ð»Ð¸Ñ Ð±ÑÐ´ÐºÐ°"/>
           <p:cNvPicPr>
             <a:picLocks noChangeAspect="1" noChangeArrowheads="1"/>
           </p:cNvPicPr>
@@ -20494,8 +20382,8 @@
         </p:blipFill>
         <p:spPr bwMode="auto">
           <a:xfrm>
-            <a:off x="176190" y="753533"/>
-            <a:ext cx="8967810" cy="4699000"/>
+            <a:off x="3369733" y="2410407"/>
+            <a:ext cx="4997027" cy="3641584"/>
           </a:xfrm>
           <a:prstGeom prst="rect">
             <a:avLst/>
@@ -20515,121 +20403,7 @@
     </p:spTree>
     <p:extLst>
       <p:ext uri="{BB962C8B-B14F-4D97-AF65-F5344CB8AC3E}">
-        <p14:creationId xmlns:p14="http://schemas.microsoft.com/office/powerpoint/2010/main" val="1740162416"/>
-      </p:ext>
-    </p:extLst>
-  </p:cSld>
-  <p:clrMapOvr>
-    <a:masterClrMapping/>
-  </p:clrMapOvr>
-</p:sld>
-</file>
-
-<file path=ppt/slides/slide15.xml><?xml version="1.0" encoding="utf-8"?>
-<p:sld xmlns:a="http://schemas.openxmlformats.org/drawingml/2006/main" xmlns:r="http://schemas.openxmlformats.org/officeDocument/2006/relationships" xmlns:p="http://schemas.openxmlformats.org/presentationml/2006/main">
-  <p:cSld>
-    <p:spTree>
-      <p:nvGrpSpPr>
-        <p:cNvPr id="1" name=""/>
-        <p:cNvGrpSpPr/>
-        <p:nvPr/>
-      </p:nvGrpSpPr>
-      <p:grpSpPr>
-        <a:xfrm>
-          <a:off x="0" y="0"/>
-          <a:ext cx="0" cy="0"/>
-          <a:chOff x="0" y="0"/>
-          <a:chExt cx="0" cy="0"/>
-        </a:xfrm>
-      </p:grpSpPr>
-      <p:pic>
-        <p:nvPicPr>
-          <p:cNvPr id="6" name="Picture 5"/>
-          <p:cNvPicPr>
-            <a:picLocks noChangeAspect="1"/>
-          </p:cNvPicPr>
-          <p:nvPr/>
-        </p:nvPicPr>
-        <p:blipFill rotWithShape="1">
-          <a:blip r:embed="rId3"/>
-          <a:srcRect r="208"/>
-          <a:stretch/>
-        </p:blipFill>
-        <p:spPr>
-          <a:xfrm>
-            <a:off x="-1" y="0"/>
-            <a:ext cx="9144001" cy="6181344"/>
-          </a:xfrm>
-          <a:prstGeom prst="rect">
-            <a:avLst/>
-          </a:prstGeom>
-        </p:spPr>
-      </p:pic>
-    </p:spTree>
-    <p:extLst>
-      <p:ext uri="{BB962C8B-B14F-4D97-AF65-F5344CB8AC3E}">
-        <p14:creationId xmlns:p14="http://schemas.microsoft.com/office/powerpoint/2010/main" val="548488791"/>
-      </p:ext>
-    </p:extLst>
-  </p:cSld>
-  <p:clrMapOvr>
-    <a:masterClrMapping/>
-  </p:clrMapOvr>
-</p:sld>
-</file>
-
-<file path=ppt/slides/slide16.xml><?xml version="1.0" encoding="utf-8"?>
-<p:sld xmlns:a="http://schemas.openxmlformats.org/drawingml/2006/main" xmlns:r="http://schemas.openxmlformats.org/officeDocument/2006/relationships" xmlns:p="http://schemas.openxmlformats.org/presentationml/2006/main">
-  <p:cSld>
-    <p:spTree>
-      <p:nvGrpSpPr>
-        <p:cNvPr id="1" name=""/>
-        <p:cNvGrpSpPr/>
-        <p:nvPr/>
-      </p:nvGrpSpPr>
-      <p:grpSpPr>
-        <a:xfrm>
-          <a:off x="0" y="0"/>
-          <a:ext cx="0" cy="0"/>
-          <a:chOff x="0" y="0"/>
-          <a:chExt cx="0" cy="0"/>
-        </a:xfrm>
-      </p:grpSpPr>
-      <p:sp>
-        <p:nvSpPr>
-          <p:cNvPr id="2" name="Заголовок 1"/>
-          <p:cNvSpPr>
-            <a:spLocks noGrp="1"/>
-          </p:cNvSpPr>
-          <p:nvPr>
-            <p:ph type="title"/>
-          </p:nvPr>
-        </p:nvSpPr>
-        <p:spPr>
-          <a:xfrm>
-            <a:off x="645583" y="2735793"/>
-            <a:ext cx="7886700" cy="1325563"/>
-          </a:xfrm>
-        </p:spPr>
-        <p:txBody>
-          <a:bodyPr>
-            <a:normAutofit/>
-          </a:bodyPr>
-          <a:lstStyle/>
-          <a:p>
-            <a:pPr algn="ctr"/>
-            <a:r>
-              <a:rPr lang="en-US" sz="6600" dirty="0"/>
-              <a:t>Hard Skills / Soft Skills</a:t>
-            </a:r>
-            <a:endParaRPr lang="ru-RU" sz="6600" dirty="0"/>
-          </a:p>
-        </p:txBody>
-      </p:sp>
-    </p:spTree>
-    <p:extLst>
-      <p:ext uri="{BB962C8B-B14F-4D97-AF65-F5344CB8AC3E}">
-        <p14:creationId xmlns:p14="http://schemas.microsoft.com/office/powerpoint/2010/main" val="4128484078"/>
+        <p14:creationId xmlns:p14="http://schemas.microsoft.com/office/powerpoint/2010/main" val="2442484311"/>
       </p:ext>
     </p:extLst>
   </p:cSld>
@@ -20697,16 +20471,63 @@
           <a:lstStyle/>
           <a:p>
             <a:r>
+              <a:rPr lang="ru-RU" sz="3600" dirty="0"/>
+              <a:t>Абстрактное и логическое мышление</a:t>
+            </a:r>
+          </a:p>
+          <a:p>
+            <a:r>
               <a:rPr lang="en-US" sz="3600" dirty="0"/>
               <a:t>English</a:t>
             </a:r>
           </a:p>
         </p:txBody>
       </p:sp>
+      <p:pic>
+        <p:nvPicPr>
+          <p:cNvPr id="1030" name="Picture 6" descr="ÐÐ°ÑÑÐ¸Ð½ÐºÐ¸ Ð¿Ð¾ Ð·Ð°Ð¿ÑÐ¾ÑÑ ÑÐµÑÐ»Ð¾Ðº ÐºÐ°Ð¼Ð±ÐµÑÐ±ÑÑÑ Ð² ÑÐ»ÑÐ¿Ðµ"/>
+          <p:cNvPicPr>
+            <a:picLocks noChangeAspect="1" noChangeArrowheads="1"/>
+          </p:cNvPicPr>
+          <p:nvPr/>
+        </p:nvPicPr>
+        <p:blipFill>
+          <a:blip r:embed="rId3">
+            <a:extLst>
+              <a:ext uri="{28A0092B-C50C-407E-A947-70E740481C1C}">
+                <a14:useLocalDpi xmlns:a14="http://schemas.microsoft.com/office/drawing/2010/main" val="0"/>
+              </a:ext>
+            </a:extLst>
+          </a:blip>
+          <a:srcRect/>
+          <a:stretch>
+            <a:fillRect/>
+          </a:stretch>
+        </p:blipFill>
+        <p:spPr bwMode="auto">
+          <a:xfrm>
+            <a:off x="5882215" y="2387599"/>
+            <a:ext cx="2484545" cy="3829050"/>
+          </a:xfrm>
+          <a:prstGeom prst="rect">
+            <a:avLst/>
+          </a:prstGeom>
+          <a:noFill/>
+          <a:extLst>
+            <a:ext uri="{909E8E84-426E-40DD-AFC4-6F175D3DCCD1}">
+              <a14:hiddenFill xmlns:a14="http://schemas.microsoft.com/office/drawing/2010/main">
+                <a:solidFill>
+                  <a:srgbClr val="FFFFFF"/>
+                </a:solidFill>
+              </a14:hiddenFill>
+            </a:ext>
+          </a:extLst>
+        </p:spPr>
+      </p:pic>
     </p:spTree>
     <p:extLst>
       <p:ext uri="{BB962C8B-B14F-4D97-AF65-F5344CB8AC3E}">
-        <p14:creationId xmlns:p14="http://schemas.microsoft.com/office/powerpoint/2010/main" val="2442484311"/>
+        <p14:creationId xmlns:p14="http://schemas.microsoft.com/office/powerpoint/2010/main" val="1217169791"/>
       </p:ext>
     </p:extLst>
   </p:cSld>
@@ -20780,22 +20601,84 @@
           </a:p>
           <a:p>
             <a:r>
+              <a:rPr lang="ru-RU" sz="3600" dirty="0"/>
+              <a:t>Способность к анализу</a:t>
+            </a:r>
+          </a:p>
+          <a:p>
+            <a:pPr lvl="1">
+              <a:lnSpc>
+                <a:spcPct val="150000"/>
+              </a:lnSpc>
+            </a:pPr>
+            <a:r>
+              <a:rPr lang="ru-RU" sz="3200" dirty="0" smtClean="0"/>
+              <a:t>Как это </a:t>
+            </a:r>
+            <a:r>
+              <a:rPr lang="ru-RU" sz="3200" dirty="0"/>
+              <a:t>работает?</a:t>
+            </a:r>
+          </a:p>
+          <a:p>
+            <a:r>
               <a:rPr lang="en-US" sz="3600" dirty="0"/>
               <a:t>English</a:t>
             </a:r>
           </a:p>
-        </p:txBody>
-      </p:sp>
+          <a:p>
+            <a:pPr marL="457200" lvl="1" indent="0">
+              <a:buNone/>
+            </a:pPr>
+            <a:endParaRPr lang="ru-RU" dirty="0"/>
+          </a:p>
+          <a:p>
+            <a:pPr lvl="1"/>
+            <a:endParaRPr lang="ru-RU" dirty="0"/>
+          </a:p>
+        </p:txBody>
+      </p:sp>
+      <p:pic>
+        <p:nvPicPr>
+          <p:cNvPr id="4" name="Рисунок 3"/>
+          <p:cNvPicPr>
+            <a:picLocks noChangeAspect="1"/>
+          </p:cNvPicPr>
+          <p:nvPr/>
+        </p:nvPicPr>
+        <p:blipFill>
+          <a:blip r:embed="rId3"/>
+          <a:stretch>
+            <a:fillRect/>
+          </a:stretch>
+        </p:blipFill>
+        <p:spPr>
+          <a:xfrm>
+            <a:off x="3096683" y="3857414"/>
+            <a:ext cx="6047317" cy="2392050"/>
+          </a:xfrm>
+          <a:prstGeom prst="rect">
+            <a:avLst/>
+          </a:prstGeom>
+        </p:spPr>
+      </p:pic>
     </p:spTree>
     <p:extLst>
       <p:ext uri="{BB962C8B-B14F-4D97-AF65-F5344CB8AC3E}">
-        <p14:creationId xmlns:p14="http://schemas.microsoft.com/office/powerpoint/2010/main" val="1217169791"/>
+        <p14:creationId xmlns:p14="http://schemas.microsoft.com/office/powerpoint/2010/main" val="687501788"/>
       </p:ext>
     </p:extLst>
   </p:cSld>
   <p:clrMapOvr>
     <a:masterClrMapping/>
   </p:clrMapOvr>
+  <p:timing>
+    <p:tnLst>
+      <p:par>
+        <p:cTn id="1" dur="indefinite" restart="never" nodeType="tmRoot"/>
+      </p:par>
+    </p:tnLst>
+  </p:timing>
 </p:sld>
 </file>
 
@@ -20868,31 +20751,26 @@
             </a:r>
           </a:p>
           <a:p>
-            <a:pPr lvl="1">
-              <a:lnSpc>
-                <a:spcPct val="150000"/>
-              </a:lnSpc>
-            </a:pPr>
-            <a:r>
-              <a:rPr lang="ru-RU" sz="3200" dirty="0" smtClean="0"/>
-              <a:t>Как это</a:t>
-            </a:r>
-            <a:r>
-              <a:rPr lang="ru-RU" sz="3200" dirty="0" smtClean="0"/>
-              <a:t> </a:t>
-            </a:r>
-            <a:r>
-              <a:rPr lang="ru-RU" sz="3200" dirty="0"/>
-              <a:t>работает?</a:t>
-            </a:r>
-          </a:p>
-          <a:p>
             <a:r>
               <a:rPr lang="en-US" sz="3600" dirty="0"/>
               <a:t>English</a:t>
             </a:r>
           </a:p>
           <a:p>
+            <a:r>
+              <a:rPr lang="ru-RU" sz="3600" dirty="0" smtClean="0"/>
+              <a:t>Способность </a:t>
+            </a:r>
+            <a:r>
+              <a:rPr lang="ru-RU" sz="3600" dirty="0"/>
+              <a:t>учиться </a:t>
+            </a:r>
+            <a:r>
+              <a:rPr lang="ru-RU" sz="3600" b="1" dirty="0"/>
+              <a:t>самостоятельно</a:t>
+            </a:r>
+          </a:p>
+          <a:p>
             <a:pPr marL="457200" lvl="1" indent="0">
               <a:buNone/>
             </a:pPr>
@@ -20904,10 +20782,89 @@
           </a:p>
         </p:txBody>
       </p:sp>
+      <p:sp>
+        <p:nvSpPr>
+          <p:cNvPr id="4" name="Овал 3"/>
+          <p:cNvSpPr/>
+          <p:nvPr/>
+        </p:nvSpPr>
+        <p:spPr>
+          <a:xfrm>
+            <a:off x="8669867" y="5846463"/>
+            <a:ext cx="287866" cy="283404"/>
+          </a:xfrm>
+          <a:prstGeom prst="ellipse">
+            <a:avLst/>
+          </a:prstGeom>
+        </p:spPr>
+        <p:style>
+          <a:lnRef idx="3">
+            <a:schemeClr val="lt1"/>
+          </a:lnRef>
+          <a:fillRef idx="1">
+            <a:schemeClr val="dk1"/>
+          </a:fillRef>
+          <a:effectRef idx="1">
+            <a:schemeClr val="dk1"/>
+          </a:effectRef>
+          <a:fontRef idx="minor">
+            <a:schemeClr val="lt1"/>
+          </a:fontRef>
+        </p:style>
+        <p:txBody>
+          <a:bodyPr rtlCol="0" anchor="ctr"/>
+          <a:lstStyle/>
+          <a:p>
+            <a:pPr algn="ctr"/>
+            <a:endParaRPr lang="en-US"/>
+          </a:p>
+        </p:txBody>
+      </p:sp>
+      <p:pic>
+        <p:nvPicPr>
+          <p:cNvPr id="3074" name="Picture 2" descr="ÐÐ°ÑÑÐ¸Ð½ÐºÐ¸ Ð¿Ð¾ Ð·Ð°Ð¿ÑÐ¾ÑÑ ÐºÐ½Ð¸Ð³Ð¸ ÑÑÐ¾Ð¿ÐºÐ¾Ð¹"/>
+          <p:cNvPicPr>
+            <a:picLocks noChangeAspect="1" noChangeArrowheads="1"/>
+          </p:cNvPicPr>
+          <p:nvPr/>
+        </p:nvPicPr>
+        <p:blipFill>
+          <a:blip r:embed="rId3" cstate="print">
+            <a:extLst>
+              <a:ext uri="{28A0092B-C50C-407E-A947-70E740481C1C}">
+                <a14:useLocalDpi xmlns:a14="http://schemas.microsoft.com/office/drawing/2010/main" val="0"/>
+              </a:ext>
+            </a:extLst>
+          </a:blip>
+          <a:srcRect/>
+          <a:stretch>
+            <a:fillRect/>
+          </a:stretch>
+        </p:blipFill>
+        <p:spPr bwMode="auto">
+          <a:xfrm>
+            <a:off x="6027063" y="4436534"/>
+            <a:ext cx="2011759" cy="1879599"/>
+          </a:xfrm>
+          <a:prstGeom prst="rect">
+            <a:avLst/>
+          </a:prstGeom>
+          <a:noFill/>
+          <a:extLst>
+            <a:ext uri="{909E8E84-426E-40DD-AFC4-6F175D3DCCD1}">
+              <a14:hiddenFill xmlns:a14="http://schemas.microsoft.com/office/drawing/2010/main">
+                <a:solidFill>
+                  <a:srgbClr val="FFFFFF"/>
+                </a:solidFill>
+              </a14:hiddenFill>
+            </a:ext>
+          </a:extLst>
+        </p:spPr>
+      </p:pic>
     </p:spTree>
     <p:extLst>
       <p:ext uri="{BB962C8B-B14F-4D97-AF65-F5344CB8AC3E}">
-        <p14:creationId xmlns:p14="http://schemas.microsoft.com/office/powerpoint/2010/main" val="687501788"/>
+        <p14:creationId xmlns:p14="http://schemas.microsoft.com/office/powerpoint/2010/main" val="2234887265"/>
       </p:ext>
     </p:extLst>
   </p:cSld>
@@ -21195,7 +21152,7 @@
       </p:grpSpPr>
       <p:sp>
         <p:nvSpPr>
-          <p:cNvPr id="4" name="Заголовок 3"/>
+          <p:cNvPr id="2" name="Заголовок 1"/>
           <p:cNvSpPr>
             <a:spLocks noGrp="1"/>
           </p:cNvSpPr>
@@ -21208,57 +21165,199 @@
           <a:bodyPr/>
           <a:lstStyle/>
           <a:p>
+            <a:r>
+              <a:rPr lang="en-US" dirty="0"/>
+              <a:t>Soft Skills</a:t>
+            </a:r>
+            <a:endParaRPr lang="ru-RU" dirty="0"/>
+          </a:p>
+        </p:txBody>
+      </p:sp>
+      <p:sp>
+        <p:nvSpPr>
+          <p:cNvPr id="3" name="Объект 2"/>
+          <p:cNvSpPr>
+            <a:spLocks noGrp="1"/>
+          </p:cNvSpPr>
+          <p:nvPr>
+            <p:ph idx="1"/>
+          </p:nvPr>
+        </p:nvSpPr>
+        <p:spPr>
+          <a:xfrm>
+            <a:off x="822959" y="1845734"/>
+            <a:ext cx="7543801" cy="4329288"/>
+          </a:xfrm>
+        </p:spPr>
+        <p:txBody>
+          <a:bodyPr>
+            <a:noAutofit/>
+          </a:bodyPr>
+          <a:lstStyle/>
+          <a:p>
+            <a:r>
+              <a:rPr lang="ru-RU" sz="3600" dirty="0"/>
+              <a:t>Самостоятельность</a:t>
+            </a:r>
+          </a:p>
+          <a:p>
+            <a:r>
+              <a:rPr lang="ru-RU" sz="3600" dirty="0"/>
+              <a:t>Ответственность</a:t>
+            </a:r>
+          </a:p>
+          <a:p>
+            <a:r>
+              <a:rPr lang="ru-RU" sz="3600" dirty="0"/>
+              <a:t>Общение</a:t>
+            </a:r>
+          </a:p>
+          <a:p>
+            <a:r>
+              <a:rPr lang="ru-RU" sz="3600" dirty="0"/>
+              <a:t>Работа в команде</a:t>
+            </a:r>
+          </a:p>
+          <a:p>
+            <a:endParaRPr lang="ru-RU" sz="2400" b="1" dirty="0"/>
+          </a:p>
+          <a:p>
+            <a:pPr marL="457200" lvl="1" indent="0">
+              <a:buNone/>
+            </a:pPr>
+            <a:endParaRPr lang="ru-RU" sz="2000" dirty="0"/>
+          </a:p>
+          <a:p>
+            <a:pPr lvl="1"/>
+            <a:endParaRPr lang="ru-RU" sz="2000" dirty="0"/>
+          </a:p>
+        </p:txBody>
+      </p:sp>
+      <p:sp>
+        <p:nvSpPr>
+          <p:cNvPr id="4" name="Овал 3"/>
+          <p:cNvSpPr/>
+          <p:nvPr/>
+        </p:nvSpPr>
+        <p:spPr>
+          <a:xfrm>
+            <a:off x="8669867" y="5846463"/>
+            <a:ext cx="287866" cy="283404"/>
+          </a:xfrm>
+          <a:prstGeom prst="ellipse">
+            <a:avLst/>
+          </a:prstGeom>
+        </p:spPr>
+        <p:style>
+          <a:lnRef idx="2">
+            <a:schemeClr val="dk1">
+              <a:shade val="50000"/>
+            </a:schemeClr>
+          </a:lnRef>
+          <a:fillRef idx="1">
+            <a:schemeClr val="dk1"/>
+          </a:fillRef>
+          <a:effectRef idx="0">
+            <a:schemeClr val="dk1"/>
+          </a:effectRef>
+          <a:fontRef idx="minor">
+            <a:schemeClr val="lt1"/>
+          </a:fontRef>
+        </p:style>
+        <p:txBody>
+          <a:bodyPr rtlCol="0" anchor="ctr"/>
+          <a:lstStyle/>
+          <a:p>
+            <a:pPr algn="ctr"/>
             <a:endParaRPr lang="en-US"/>
           </a:p>
         </p:txBody>
       </p:sp>
       <p:sp>
         <p:nvSpPr>
-          <p:cNvPr id="5" name="Объект 4"/>
-          <p:cNvSpPr>
-            <a:spLocks noGrp="1"/>
-          </p:cNvSpPr>
-          <p:nvPr>
-            <p:ph idx="1"/>
-          </p:nvPr>
-        </p:nvSpPr>
-        <p:spPr/>
-        <p:txBody>
-          <a:bodyPr/>
-          <a:lstStyle/>
-          <a:p>
+          <p:cNvPr id="5" name="Овал 4"/>
+          <p:cNvSpPr/>
+          <p:nvPr/>
+        </p:nvSpPr>
+        <p:spPr>
+          <a:xfrm>
+            <a:off x="8382001" y="5840818"/>
+            <a:ext cx="287866" cy="283404"/>
+          </a:xfrm>
+          <a:prstGeom prst="ellipse">
+            <a:avLst/>
+          </a:prstGeom>
+        </p:spPr>
+        <p:style>
+          <a:lnRef idx="2">
+            <a:schemeClr val="accent1">
+              <a:shade val="50000"/>
+            </a:schemeClr>
+          </a:lnRef>
+          <a:fillRef idx="1">
+            <a:schemeClr val="accent1"/>
+          </a:fillRef>
+          <a:effectRef idx="0">
+            <a:schemeClr val="accent1"/>
+          </a:effectRef>
+          <a:fontRef idx="minor">
+            <a:schemeClr val="lt1"/>
+          </a:fontRef>
+        </p:style>
+        <p:txBody>
+          <a:bodyPr rtlCol="0" anchor="ctr"/>
+          <a:lstStyle/>
+          <a:p>
+            <a:pPr algn="ctr"/>
             <a:endParaRPr lang="en-US"/>
           </a:p>
         </p:txBody>
       </p:sp>
       <p:pic>
         <p:nvPicPr>
-          <p:cNvPr id="6" name="Рисунок 5"/>
+          <p:cNvPr id="5122" name="Picture 2" descr="ÐÐ°ÑÑÐ¸Ð½ÐºÐ¸ Ð¿Ð¾ Ð·Ð°Ð¿ÑÐ¾ÑÑ ÑÑÐ¿ÐµÑÐ¼ÐµÐ½"/>
           <p:cNvPicPr>
-            <a:picLocks noChangeAspect="1"/>
+            <a:picLocks noChangeAspect="1" noChangeArrowheads="1"/>
           </p:cNvPicPr>
           <p:nvPr/>
         </p:nvPicPr>
         <p:blipFill>
-          <a:blip r:embed="rId3"/>
+          <a:blip r:embed="rId3">
+            <a:extLst>
+              <a:ext uri="{28A0092B-C50C-407E-A947-70E740481C1C}">
+                <a14:useLocalDpi xmlns:a14="http://schemas.microsoft.com/office/drawing/2010/main" val="0"/>
+              </a:ext>
+            </a:extLst>
+          </a:blip>
+          <a:srcRect/>
           <a:stretch>
             <a:fillRect/>
           </a:stretch>
         </p:blipFill>
-        <p:spPr>
+        <p:spPr bwMode="auto">
           <a:xfrm>
-            <a:off x="1592397" y="743803"/>
-            <a:ext cx="6004924" cy="4861129"/>
+            <a:off x="5453718" y="1702028"/>
+            <a:ext cx="3216149" cy="4135967"/>
           </a:xfrm>
           <a:prstGeom prst="rect">
             <a:avLst/>
           </a:prstGeom>
+          <a:noFill/>
+          <a:extLst>
+            <a:ext uri="{909E8E84-426E-40DD-AFC4-6F175D3DCCD1}">
+              <a14:hiddenFill xmlns:a14="http://schemas.microsoft.com/office/drawing/2010/main">
+                <a:solidFill>
+                  <a:srgbClr val="FFFFFF"/>
+                </a:solidFill>
+              </a14:hiddenFill>
+            </a:ext>
+          </a:extLst>
         </p:spPr>
       </p:pic>
     </p:spTree>
     <p:extLst>
       <p:ext uri="{BB962C8B-B14F-4D97-AF65-F5344CB8AC3E}">
-        <p14:creationId xmlns:p14="http://schemas.microsoft.com/office/powerpoint/2010/main" val="239462785"/>
+        <p14:creationId xmlns:p14="http://schemas.microsoft.com/office/powerpoint/2010/main" val="4193671674"/>
       </p:ext>
     </p:extLst>
   </p:cSld>
@@ -21294,7 +21393,7 @@
       </p:grpSpPr>
       <p:sp>
         <p:nvSpPr>
-          <p:cNvPr id="4" name="Заголовок 3"/>
+          <p:cNvPr id="2" name="Заголовок 1"/>
           <p:cNvSpPr>
             <a:spLocks noGrp="1"/>
           </p:cNvSpPr>
@@ -21307,13 +21406,16 @@
           <a:bodyPr/>
           <a:lstStyle/>
           <a:p>
-            <a:endParaRPr lang="en-US"/>
-          </a:p>
-        </p:txBody>
-      </p:sp>
-      <p:sp>
-        <p:nvSpPr>
-          <p:cNvPr id="5" name="Объект 4"/>
+            <a:r>
+              <a:rPr lang="ru-RU" dirty="0"/>
+              <a:t>День программиста</a:t>
+            </a:r>
+          </a:p>
+        </p:txBody>
+      </p:sp>
+      <p:sp>
+        <p:nvSpPr>
+          <p:cNvPr id="3" name="Объект 2"/>
           <p:cNvSpPr>
             <a:spLocks noGrp="1"/>
           </p:cNvSpPr>
@@ -21323,41 +21425,126 @@
         </p:nvSpPr>
         <p:spPr/>
         <p:txBody>
-          <a:bodyPr/>
-          <a:lstStyle/>
-          <a:p>
-            <a:endParaRPr lang="en-US"/>
+          <a:bodyPr>
+            <a:normAutofit/>
+          </a:bodyPr>
+          <a:lstStyle/>
+          <a:p>
+            <a:r>
+              <a:rPr lang="ru-RU" dirty="0"/>
+              <a:t>Программирование</a:t>
+            </a:r>
+          </a:p>
+          <a:p>
+            <a:pPr lvl="1"/>
+            <a:r>
+              <a:rPr lang="ru-RU" dirty="0"/>
+              <a:t>Работа в команде</a:t>
+            </a:r>
+          </a:p>
+          <a:p>
+            <a:pPr lvl="1"/>
+            <a:r>
+              <a:rPr lang="ru-RU" dirty="0"/>
+              <a:t>Самостоятельность</a:t>
+            </a:r>
+          </a:p>
+          <a:p>
+            <a:pPr lvl="1"/>
+            <a:r>
+              <a:rPr lang="ru-RU" dirty="0" err="1"/>
+              <a:t>Самообучаемость</a:t>
+            </a:r>
+            <a:endParaRPr lang="ru-RU" dirty="0"/>
+          </a:p>
+          <a:p>
+            <a:r>
+              <a:rPr lang="ru-RU" dirty="0"/>
+              <a:t>Обсуждение требований</a:t>
+            </a:r>
+          </a:p>
+          <a:p>
+            <a:pPr lvl="1"/>
+            <a:r>
+              <a:rPr lang="ru-RU" dirty="0"/>
+              <a:t>Общение</a:t>
+            </a:r>
+          </a:p>
+          <a:p>
+            <a:pPr lvl="1"/>
+            <a:r>
+              <a:rPr lang="ru-RU" dirty="0"/>
+              <a:t>Работа в команде</a:t>
+            </a:r>
+          </a:p>
+          <a:p>
+            <a:pPr lvl="1"/>
+            <a:r>
+              <a:rPr lang="ru-RU" dirty="0"/>
+              <a:t>Способность к анализу</a:t>
+            </a:r>
+          </a:p>
+          <a:p>
+            <a:r>
+              <a:rPr lang="ru-RU" dirty="0"/>
+              <a:t>Тестирование</a:t>
+            </a:r>
+          </a:p>
+          <a:p>
+            <a:pPr lvl="1"/>
+            <a:r>
+              <a:rPr lang="ru-RU" dirty="0" smtClean="0"/>
+              <a:t>Умение логически мыслить</a:t>
+            </a:r>
+            <a:endParaRPr lang="ru-RU" dirty="0"/>
           </a:p>
         </p:txBody>
       </p:sp>
       <p:pic>
         <p:nvPicPr>
-          <p:cNvPr id="2" name="Рисунок 1"/>
+          <p:cNvPr id="4100" name="Picture 4" descr="ÐÐ°ÑÑÐ¸Ð½ÐºÐ¸ Ð¿Ð¾ Ð·Ð°Ð¿ÑÐ¾ÑÑ Ð¿ÑÐ¾Ð³ÑÐ°Ð¼Ð¼Ð¸ÑÑ Ð·Ð° ÐºÐ¾Ð¼Ð¿ÑÑÑÐµÑÐ¾Ð¼ ÑÐ¸ÑÑÐ½Ð¾Ðº"/>
           <p:cNvPicPr>
-            <a:picLocks noChangeAspect="1"/>
+            <a:picLocks noChangeAspect="1" noChangeArrowheads="1"/>
           </p:cNvPicPr>
           <p:nvPr/>
         </p:nvPicPr>
         <p:blipFill>
-          <a:blip r:embed="rId3"/>
+          <a:blip r:embed="rId3">
+            <a:extLst>
+              <a:ext uri="{28A0092B-C50C-407E-A947-70E740481C1C}">
+                <a14:useLocalDpi xmlns:a14="http://schemas.microsoft.com/office/drawing/2010/main" val="0"/>
+              </a:ext>
+            </a:extLst>
+          </a:blip>
+          <a:srcRect/>
           <a:stretch>
             <a:fillRect/>
           </a:stretch>
         </p:blipFill>
-        <p:spPr>
+        <p:spPr bwMode="auto">
           <a:xfrm>
-            <a:off x="351471" y="676071"/>
-            <a:ext cx="8486775" cy="4914900"/>
+            <a:off x="4964642" y="1896534"/>
+            <a:ext cx="3823758" cy="3492367"/>
           </a:xfrm>
           <a:prstGeom prst="rect">
             <a:avLst/>
           </a:prstGeom>
+          <a:noFill/>
+          <a:extLst>
+            <a:ext uri="{909E8E84-426E-40DD-AFC4-6F175D3DCCD1}">
+              <a14:hiddenFill xmlns:a14="http://schemas.microsoft.com/office/drawing/2010/main">
+                <a:solidFill>
+                  <a:srgbClr val="FFFFFF"/>
+                </a:solidFill>
+              </a14:hiddenFill>
+            </a:ext>
+          </a:extLst>
         </p:spPr>
       </p:pic>
     </p:spTree>
     <p:extLst>
       <p:ext uri="{BB962C8B-B14F-4D97-AF65-F5344CB8AC3E}">
-        <p14:creationId xmlns:p14="http://schemas.microsoft.com/office/powerpoint/2010/main" val="1427167268"/>
+        <p14:creationId xmlns:p14="http://schemas.microsoft.com/office/powerpoint/2010/main" val="1169510648"/>
       </p:ext>
     </p:extLst>
   </p:cSld>
@@ -21391,6 +21578,47 @@
           <a:chExt cx="0" cy="0"/>
         </a:xfrm>
       </p:grpSpPr>
+      <p:pic>
+        <p:nvPicPr>
+          <p:cNvPr id="6146" name="Picture 2" descr="ÐÐ°ÑÑÐ¸Ð½ÐºÐ¸ Ð¿Ð¾ Ð·Ð°Ð¿ÑÐ¾ÑÑ girl bug catching draw"/>
+          <p:cNvPicPr>
+            <a:picLocks noChangeAspect="1" noChangeArrowheads="1"/>
+          </p:cNvPicPr>
+          <p:nvPr/>
+        </p:nvPicPr>
+        <p:blipFill>
+          <a:blip r:embed="rId3">
+            <a:extLst>
+              <a:ext uri="{28A0092B-C50C-407E-A947-70E740481C1C}">
+                <a14:useLocalDpi xmlns:a14="http://schemas.microsoft.com/office/drawing/2010/main" val="0"/>
+              </a:ext>
+            </a:extLst>
+          </a:blip>
+          <a:srcRect/>
+          <a:stretch>
+            <a:fillRect/>
+          </a:stretch>
+        </p:blipFill>
+        <p:spPr bwMode="auto">
+          <a:xfrm>
+            <a:off x="4934882" y="1766634"/>
+            <a:ext cx="3431878" cy="4515629"/>
+          </a:xfrm>
+          <a:prstGeom prst="rect">
+            <a:avLst/>
+          </a:prstGeom>
+          <a:noFill/>
+          <a:extLst>
+            <a:ext uri="{909E8E84-426E-40DD-AFC4-6F175D3DCCD1}">
+              <a14:hiddenFill xmlns:a14="http://schemas.microsoft.com/office/drawing/2010/main">
+                <a:solidFill>
+                  <a:srgbClr val="FFFFFF"/>
+                </a:solidFill>
+              </a14:hiddenFill>
+            </a:ext>
+          </a:extLst>
+        </p:spPr>
+      </p:pic>
       <p:sp>
         <p:nvSpPr>
           <p:cNvPr id="2" name="Заголовок 1"/>
@@ -21407,8 +21635,12 @@
           <a:lstStyle/>
           <a:p>
             <a:r>
-              <a:rPr lang="en-US" dirty="0"/>
-              <a:t>Soft Skills</a:t>
+              <a:rPr lang="ru-RU" dirty="0"/>
+              <a:t>День </a:t>
+            </a:r>
+            <a:r>
+              <a:rPr lang="ru-RU" dirty="0" err="1"/>
+              <a:t>тестировщика</a:t>
             </a:r>
             <a:endParaRPr lang="ru-RU" dirty="0"/>
           </a:p>
@@ -21432,37 +21664,77 @@
           <a:lstStyle/>
           <a:p>
             <a:r>
-              <a:rPr lang="ru-RU" sz="3600" dirty="0"/>
-              <a:t>Абстрактное и логическое мышление</a:t>
-            </a:r>
-          </a:p>
-          <a:p>
-            <a:r>
-              <a:rPr lang="ru-RU" sz="3600" dirty="0"/>
+              <a:rPr lang="ru-RU" dirty="0"/>
+              <a:t>Тестирование</a:t>
+            </a:r>
+          </a:p>
+          <a:p>
+            <a:pPr lvl="1"/>
+            <a:r>
+              <a:rPr lang="ru-RU" b="1" dirty="0"/>
               <a:t>Способность к анализу</a:t>
             </a:r>
           </a:p>
           <a:p>
-            <a:r>
-              <a:rPr lang="en-US" sz="3600" dirty="0"/>
-              <a:t>English</a:t>
-            </a:r>
-          </a:p>
-          <a:p>
-            <a:r>
-              <a:rPr lang="ru-RU" sz="3600" strike="sngStrike" dirty="0"/>
-              <a:t>Способность учиться</a:t>
-            </a:r>
-          </a:p>
-          <a:p>
-            <a:pPr marL="457200" lvl="1" indent="0">
-              <a:buNone/>
-            </a:pPr>
-            <a:endParaRPr lang="ru-RU" dirty="0"/>
-          </a:p>
-          <a:p>
             <a:pPr lvl="1"/>
-            <a:endParaRPr lang="ru-RU" dirty="0"/>
+            <a:r>
+              <a:rPr lang="ru-RU" dirty="0"/>
+              <a:t>Внимание к деталям</a:t>
+            </a:r>
+          </a:p>
+          <a:p>
+            <a:pPr lvl="1"/>
+            <a:r>
+              <a:rPr lang="ru-RU" dirty="0"/>
+              <a:t>Креативность</a:t>
+            </a:r>
+          </a:p>
+          <a:p>
+            <a:r>
+              <a:rPr lang="ru-RU" dirty="0"/>
+              <a:t>Обсуждение требований</a:t>
+            </a:r>
+          </a:p>
+          <a:p>
+            <a:pPr lvl="1"/>
+            <a:r>
+              <a:rPr lang="ru-RU" b="1" dirty="0"/>
+              <a:t>Способность к анализу</a:t>
+            </a:r>
+          </a:p>
+          <a:p>
+            <a:pPr lvl="1"/>
+            <a:r>
+              <a:rPr lang="ru-RU" dirty="0"/>
+              <a:t>Командная игра</a:t>
+            </a:r>
+          </a:p>
+          <a:p>
+            <a:pPr lvl="1"/>
+            <a:r>
+              <a:rPr lang="ru-RU" dirty="0"/>
+              <a:t>Общение</a:t>
+            </a:r>
+          </a:p>
+          <a:p>
+            <a:pPr lvl="1"/>
+            <a:r>
+              <a:rPr lang="ru-RU" dirty="0"/>
+              <a:t>Английский</a:t>
+            </a:r>
+          </a:p>
+          <a:p>
+            <a:r>
+              <a:rPr lang="ru-RU" dirty="0"/>
+              <a:t>Работа с багами</a:t>
+            </a:r>
+          </a:p>
+          <a:p>
+            <a:pPr lvl="1"/>
+            <a:r>
+              <a:rPr lang="ru-RU" b="1" dirty="0"/>
+              <a:t>Способность к анализу</a:t>
+            </a:r>
           </a:p>
         </p:txBody>
       </p:sp>
@@ -21507,7 +21779,7 @@
     </p:spTree>
     <p:extLst>
       <p:ext uri="{BB962C8B-B14F-4D97-AF65-F5344CB8AC3E}">
-        <p14:creationId xmlns:p14="http://schemas.microsoft.com/office/powerpoint/2010/main" val="3914421873"/>
+        <p14:creationId xmlns:p14="http://schemas.microsoft.com/office/powerpoint/2010/main" val="1561343379"/>
       </p:ext>
     </p:extLst>
   </p:cSld>
@@ -21551,136 +21823,36 @@
             <p:ph type="title"/>
           </p:nvPr>
         </p:nvSpPr>
-        <p:spPr/>
-        <p:txBody>
-          <a:bodyPr/>
-          <a:lstStyle/>
-          <a:p>
-            <a:r>
-              <a:rPr lang="en-US" dirty="0"/>
-              <a:t>Soft Skills</a:t>
-            </a:r>
-            <a:endParaRPr lang="ru-RU" dirty="0"/>
-          </a:p>
-        </p:txBody>
-      </p:sp>
-      <p:sp>
-        <p:nvSpPr>
-          <p:cNvPr id="3" name="Объект 2"/>
-          <p:cNvSpPr>
-            <a:spLocks noGrp="1"/>
-          </p:cNvSpPr>
-          <p:nvPr>
-            <p:ph idx="1"/>
-          </p:nvPr>
-        </p:nvSpPr>
-        <p:spPr/>
-        <p:txBody>
-          <a:bodyPr>
-            <a:normAutofit/>
-          </a:bodyPr>
-          <a:lstStyle/>
-          <a:p>
-            <a:r>
-              <a:rPr lang="ru-RU" sz="3600" dirty="0"/>
-              <a:t>Абстрактное и логическое мышление</a:t>
-            </a:r>
-          </a:p>
-          <a:p>
-            <a:r>
-              <a:rPr lang="ru-RU" sz="3600" dirty="0"/>
-              <a:t>Способность к анализу</a:t>
-            </a:r>
-          </a:p>
-          <a:p>
-            <a:r>
-              <a:rPr lang="en-US" sz="3600" dirty="0"/>
-              <a:t>English</a:t>
-            </a:r>
-          </a:p>
-          <a:p>
-            <a:r>
-              <a:rPr lang="ru-RU" sz="3600" strike="sngStrike" dirty="0"/>
-              <a:t>Способность учиться</a:t>
-            </a:r>
-          </a:p>
-          <a:p>
-            <a:r>
-              <a:rPr lang="ru-RU" sz="3600" dirty="0"/>
-              <a:t>Способность учиться </a:t>
-            </a:r>
-            <a:r>
-              <a:rPr lang="ru-RU" sz="3600" b="1" dirty="0"/>
-              <a:t>самостоятельно</a:t>
-            </a:r>
-          </a:p>
-          <a:p>
-            <a:pPr marL="457200" lvl="1" indent="0">
-              <a:buNone/>
-            </a:pPr>
-            <a:endParaRPr lang="ru-RU" dirty="0"/>
-          </a:p>
-          <a:p>
-            <a:pPr lvl="1"/>
-            <a:endParaRPr lang="ru-RU" dirty="0"/>
-          </a:p>
-        </p:txBody>
-      </p:sp>
-      <p:sp>
-        <p:nvSpPr>
-          <p:cNvPr id="4" name="Овал 3"/>
-          <p:cNvSpPr/>
-          <p:nvPr/>
-        </p:nvSpPr>
         <p:spPr>
           <a:xfrm>
-            <a:off x="8669867" y="5846463"/>
-            <a:ext cx="287866" cy="283404"/>
+            <a:off x="811671" y="3424916"/>
+            <a:ext cx="7543800" cy="1450757"/>
           </a:xfrm>
-          <a:prstGeom prst="ellipse">
-            <a:avLst/>
-          </a:prstGeom>
         </p:spPr>
-        <p:style>
-          <a:lnRef idx="3">
-            <a:schemeClr val="lt1"/>
-          </a:lnRef>
-          <a:fillRef idx="1">
-            <a:schemeClr val="dk1"/>
-          </a:fillRef>
-          <a:effectRef idx="1">
-            <a:schemeClr val="dk1"/>
-          </a:effectRef>
-          <a:fontRef idx="minor">
-            <a:schemeClr val="lt1"/>
-          </a:fontRef>
-        </p:style>
-        <p:txBody>
-          <a:bodyPr rtlCol="0" anchor="ctr"/>
+        <p:txBody>
+          <a:bodyPr>
+            <a:noAutofit/>
+          </a:bodyPr>
           <a:lstStyle/>
           <a:p>
             <a:pPr algn="ctr"/>
-            <a:endParaRPr lang="en-US"/>
+            <a:r>
+              <a:rPr lang="ru-RU" sz="23900" dirty="0"/>
+              <a:t>?</a:t>
+            </a:r>
           </a:p>
         </p:txBody>
       </p:sp>
     </p:spTree>
     <p:extLst>
       <p:ext uri="{BB962C8B-B14F-4D97-AF65-F5344CB8AC3E}">
-        <p14:creationId xmlns:p14="http://schemas.microsoft.com/office/powerpoint/2010/main" val="2234887265"/>
+        <p14:creationId xmlns:p14="http://schemas.microsoft.com/office/powerpoint/2010/main" val="2121546825"/>
       </p:ext>
     </p:extLst>
   </p:cSld>
   <p:clrMapOvr>
     <a:masterClrMapping/>
   </p:clrMapOvr>
-  <p:timing>
-    <p:tnLst>
-      <p:par>
-        <p:cTn id="1" dur="indefinite" restart="never" nodeType="tmRoot"/>
-      </p:par>
-    </p:tnLst>
-  </p:timing>
 </p:sld>
 </file>
 
@@ -21703,7 +21875,7 @@
       </p:grpSpPr>
       <p:sp>
         <p:nvSpPr>
-          <p:cNvPr id="2" name="Заголовок 1"/>
+          <p:cNvPr id="2" name="Title 1"/>
           <p:cNvSpPr>
             <a:spLocks noGrp="1"/>
           </p:cNvSpPr>
@@ -21717,16 +21889,16 @@
           <a:lstStyle/>
           <a:p>
             <a:r>
-              <a:rPr lang="en-US" dirty="0"/>
-              <a:t>Soft Skills</a:t>
-            </a:r>
-            <a:endParaRPr lang="ru-RU" dirty="0"/>
-          </a:p>
-        </p:txBody>
-      </p:sp>
-      <p:sp>
-        <p:nvSpPr>
-          <p:cNvPr id="3" name="Объект 2"/>
+              <a:rPr lang="ru-RU" dirty="0" smtClean="0"/>
+              <a:t>Мастер класс</a:t>
+            </a:r>
+            <a:endParaRPr lang="en-US" dirty="0"/>
+          </a:p>
+        </p:txBody>
+      </p:sp>
+      <p:sp>
+        <p:nvSpPr>
+          <p:cNvPr id="3" name="Content Placeholder 2"/>
           <p:cNvSpPr>
             <a:spLocks noGrp="1"/>
           </p:cNvSpPr>
@@ -21734,153 +21906,69 @@
             <p:ph idx="1"/>
           </p:nvPr>
         </p:nvSpPr>
-        <p:spPr>
-          <a:xfrm>
-            <a:off x="822959" y="1845734"/>
-            <a:ext cx="7543801" cy="4329288"/>
-          </a:xfrm>
-        </p:spPr>
-        <p:txBody>
-          <a:bodyPr>
-            <a:noAutofit/>
+        <p:spPr/>
+        <p:txBody>
+          <a:bodyPr anchor="ctr">
+            <a:normAutofit/>
           </a:bodyPr>
           <a:lstStyle/>
           <a:p>
-            <a:r>
-              <a:rPr lang="ru-RU" sz="3600" dirty="0"/>
-              <a:t>Самостоятельность</a:t>
-            </a:r>
-          </a:p>
-          <a:p>
-            <a:r>
-              <a:rPr lang="ru-RU" sz="3600" dirty="0"/>
-              <a:t>Ответственность</a:t>
-            </a:r>
-          </a:p>
-          <a:p>
-            <a:r>
-              <a:rPr lang="ru-RU" sz="3600" dirty="0"/>
-              <a:t>Общение</a:t>
-            </a:r>
-          </a:p>
-          <a:p>
-            <a:r>
-              <a:rPr lang="ru-RU" sz="3600" dirty="0"/>
-              <a:t>Работа в команде</a:t>
-            </a:r>
-          </a:p>
-          <a:p>
-            <a:endParaRPr lang="ru-RU" sz="2400" b="1" dirty="0"/>
-          </a:p>
-          <a:p>
-            <a:pPr marL="457200" lvl="1" indent="0">
+            <a:pPr marL="0" indent="0">
               <a:buNone/>
             </a:pPr>
-            <a:endParaRPr lang="ru-RU" sz="2000" dirty="0"/>
-          </a:p>
-          <a:p>
-            <a:pPr lvl="1"/>
-            <a:endParaRPr lang="ru-RU" sz="2000" dirty="0"/>
-          </a:p>
-        </p:txBody>
-      </p:sp>
-      <p:sp>
-        <p:nvSpPr>
-          <p:cNvPr id="4" name="Овал 3"/>
-          <p:cNvSpPr/>
-          <p:nvPr/>
-        </p:nvSpPr>
-        <p:spPr>
-          <a:xfrm>
-            <a:off x="8669867" y="5846463"/>
-            <a:ext cx="287866" cy="283404"/>
-          </a:xfrm>
-          <a:prstGeom prst="ellipse">
-            <a:avLst/>
-          </a:prstGeom>
-        </p:spPr>
-        <p:style>
-          <a:lnRef idx="2">
-            <a:schemeClr val="dk1">
-              <a:shade val="50000"/>
-            </a:schemeClr>
-          </a:lnRef>
-          <a:fillRef idx="1">
-            <a:schemeClr val="dk1"/>
-          </a:fillRef>
-          <a:effectRef idx="0">
-            <a:schemeClr val="dk1"/>
-          </a:effectRef>
-          <a:fontRef idx="minor">
-            <a:schemeClr val="lt1"/>
-          </a:fontRef>
-        </p:style>
-        <p:txBody>
-          <a:bodyPr rtlCol="0" anchor="ctr"/>
-          <a:lstStyle/>
-          <a:p>
-            <a:pPr algn="ctr"/>
-            <a:endParaRPr lang="en-US"/>
-          </a:p>
-        </p:txBody>
-      </p:sp>
-      <p:sp>
-        <p:nvSpPr>
-          <p:cNvPr id="5" name="Овал 4"/>
-          <p:cNvSpPr/>
-          <p:nvPr/>
-        </p:nvSpPr>
-        <p:spPr>
-          <a:xfrm>
-            <a:off x="8382001" y="5840818"/>
-            <a:ext cx="287866" cy="283404"/>
-          </a:xfrm>
-          <a:prstGeom prst="ellipse">
-            <a:avLst/>
-          </a:prstGeom>
-        </p:spPr>
-        <p:style>
-          <a:lnRef idx="2">
-            <a:schemeClr val="accent1">
-              <a:shade val="50000"/>
-            </a:schemeClr>
-          </a:lnRef>
-          <a:fillRef idx="1">
-            <a:schemeClr val="accent1"/>
-          </a:fillRef>
-          <a:effectRef idx="0">
-            <a:schemeClr val="accent1"/>
-          </a:effectRef>
-          <a:fontRef idx="minor">
-            <a:schemeClr val="lt1"/>
-          </a:fontRef>
-        </p:style>
-        <p:txBody>
-          <a:bodyPr rtlCol="0" anchor="ctr"/>
-          <a:lstStyle/>
-          <a:p>
-            <a:pPr algn="ctr"/>
-            <a:endParaRPr lang="en-US"/>
+            <a:r>
+              <a:rPr lang="en-US" sz="4000" dirty="0" smtClean="0"/>
+              <a:t>- </a:t>
+            </a:r>
+            <a:r>
+              <a:rPr lang="ru-RU" sz="4000" dirty="0" smtClean="0"/>
+              <a:t>программирование а.313</a:t>
+            </a:r>
+          </a:p>
+          <a:p>
+            <a:pPr marL="0" indent="0">
+              <a:buNone/>
+            </a:pPr>
+            <a:r>
+              <a:rPr lang="en-US" sz="4000" dirty="0" smtClean="0"/>
+              <a:t>	</a:t>
+            </a:r>
+            <a:r>
+              <a:rPr lang="ru-RU" sz="4000" dirty="0" smtClean="0"/>
+              <a:t>- </a:t>
+            </a:r>
+            <a:r>
+              <a:rPr lang="en-US" sz="4000" dirty="0" smtClean="0"/>
+              <a:t>android</a:t>
+            </a:r>
+            <a:endParaRPr lang="ru-RU" sz="4000" dirty="0" smtClean="0"/>
+          </a:p>
+          <a:p>
+            <a:pPr marL="0" indent="0">
+              <a:buNone/>
+            </a:pPr>
+            <a:r>
+              <a:rPr lang="en-US" sz="4000" dirty="0" smtClean="0"/>
+              <a:t>- </a:t>
+            </a:r>
+            <a:r>
+              <a:rPr lang="ru-RU" sz="4000" dirty="0" smtClean="0"/>
+              <a:t>тестирование а.308</a:t>
+            </a:r>
+            <a:endParaRPr lang="en-US" sz="4000" dirty="0"/>
           </a:p>
         </p:txBody>
       </p:sp>
     </p:spTree>
     <p:extLst>
       <p:ext uri="{BB962C8B-B14F-4D97-AF65-F5344CB8AC3E}">
-        <p14:creationId xmlns:p14="http://schemas.microsoft.com/office/powerpoint/2010/main" val="4193671674"/>
+        <p14:creationId xmlns:p14="http://schemas.microsoft.com/office/powerpoint/2010/main" val="116218786"/>
       </p:ext>
     </p:extLst>
   </p:cSld>
   <p:clrMapOvr>
     <a:masterClrMapping/>
   </p:clrMapOvr>
-  <p:timing>
-    <p:tnLst>
-      <p:par>
-        <p:cTn id="1" dur="indefinite" restart="never" nodeType="tmRoot"/>
-      </p:par>
-    </p:tnLst>
-  </p:timing>
 </p:sld>
 </file>
 
@@ -21903,7 +21991,7 @@
       </p:grpSpPr>
       <p:sp>
         <p:nvSpPr>
-          <p:cNvPr id="2" name="Заголовок 1"/>
+          <p:cNvPr id="2" name="Title 1"/>
           <p:cNvSpPr>
             <a:spLocks noGrp="1"/>
           </p:cNvSpPr>
@@ -21916,16 +22004,13 @@
           <a:bodyPr/>
           <a:lstStyle/>
           <a:p>
-            <a:r>
-              <a:rPr lang="ru-RU" dirty="0"/>
-              <a:t>День программиста</a:t>
-            </a:r>
-          </a:p>
-        </p:txBody>
-      </p:sp>
-      <p:sp>
-        <p:nvSpPr>
-          <p:cNvPr id="3" name="Объект 2"/>
+            <a:endParaRPr lang="en-US" dirty="0"/>
+          </a:p>
+        </p:txBody>
+      </p:sp>
+      <p:sp>
+        <p:nvSpPr>
+          <p:cNvPr id="3" name="Content Placeholder 2"/>
           <p:cNvSpPr>
             <a:spLocks noGrp="1"/>
           </p:cNvSpPr>
@@ -21935,421 +22020,24 @@
         </p:nvSpPr>
         <p:spPr/>
         <p:txBody>
-          <a:bodyPr>
+          <a:bodyPr anchor="ctr">
             <a:normAutofit/>
           </a:bodyPr>
           <a:lstStyle/>
           <a:p>
-            <a:r>
-              <a:rPr lang="ru-RU" dirty="0"/>
-              <a:t>Программирование</a:t>
-            </a:r>
-          </a:p>
-          <a:p>
-            <a:pPr lvl="1"/>
-            <a:r>
-              <a:rPr lang="ru-RU" dirty="0"/>
-              <a:t>Работа в команде</a:t>
-            </a:r>
-          </a:p>
-          <a:p>
-            <a:pPr lvl="1"/>
-            <a:r>
-              <a:rPr lang="ru-RU" dirty="0"/>
-              <a:t>Самостоятельность</a:t>
-            </a:r>
-          </a:p>
-          <a:p>
-            <a:pPr lvl="1"/>
-            <a:r>
-              <a:rPr lang="ru-RU" dirty="0" err="1"/>
-              <a:t>Самообучаемость</a:t>
-            </a:r>
-            <a:endParaRPr lang="ru-RU" dirty="0"/>
-          </a:p>
-          <a:p>
-            <a:r>
-              <a:rPr lang="ru-RU" dirty="0"/>
-              <a:t>Обсуждение требований</a:t>
-            </a:r>
-          </a:p>
-          <a:p>
-            <a:pPr lvl="1"/>
-            <a:r>
-              <a:rPr lang="ru-RU" dirty="0"/>
-              <a:t>Общение</a:t>
-            </a:r>
-          </a:p>
-          <a:p>
-            <a:pPr lvl="1"/>
-            <a:r>
-              <a:rPr lang="ru-RU" dirty="0"/>
-              <a:t>Работа в команде</a:t>
-            </a:r>
-          </a:p>
-          <a:p>
-            <a:pPr lvl="1"/>
-            <a:r>
-              <a:rPr lang="ru-RU" dirty="0"/>
-              <a:t>Способность к анализу</a:t>
-            </a:r>
-          </a:p>
-          <a:p>
-            <a:r>
-              <a:rPr lang="ru-RU" dirty="0"/>
-              <a:t>Тестирование</a:t>
-            </a:r>
-          </a:p>
-          <a:p>
-            <a:pPr lvl="1"/>
-            <a:r>
-              <a:rPr lang="ru-RU" dirty="0" smtClean="0"/>
-              <a:t>Умение логически мыслить</a:t>
-            </a:r>
-            <a:endParaRPr lang="ru-RU" dirty="0"/>
+            <a:pPr algn="ctr"/>
+            <a:r>
+              <a:rPr lang="ru-RU" sz="4000" dirty="0"/>
+              <a:t>Спасибо за внимание</a:t>
+            </a:r>
+            <a:endParaRPr lang="en-US" sz="4000" dirty="0"/>
           </a:p>
         </p:txBody>
       </p:sp>
     </p:spTree>
     <p:extLst>
       <p:ext uri="{BB962C8B-B14F-4D97-AF65-F5344CB8AC3E}">
-        <p14:creationId xmlns:p14="http://schemas.microsoft.com/office/powerpoint/2010/main" val="1169510648"/>
-      </p:ext>
-    </p:extLst>
-  </p:cSld>
-  <p:clrMapOvr>
-    <a:masterClrMapping/>
-  </p:clrMapOvr>
-  <p:timing>
-    <p:tnLst>
-      <p:par>
-        <p:cTn id="1" dur="indefinite" restart="never" nodeType="tmRoot"/>
-      </p:par>
-    </p:tnLst>
-  </p:timing>
-</p:sld>
-</file>
-
-<file path=ppt/slides/slide26.xml><?xml version="1.0" encoding="utf-8"?>
-<p:sld xmlns:a="http://schemas.openxmlformats.org/drawingml/2006/main" xmlns:r="http://schemas.openxmlformats.org/officeDocument/2006/relationships" xmlns:p="http://schemas.openxmlformats.org/presentationml/2006/main">
-  <p:cSld>
-    <p:spTree>
-      <p:nvGrpSpPr>
-        <p:cNvPr id="1" name=""/>
-        <p:cNvGrpSpPr/>
-        <p:nvPr/>
-      </p:nvGrpSpPr>
-      <p:grpSpPr>
-        <a:xfrm>
-          <a:off x="0" y="0"/>
-          <a:ext cx="0" cy="0"/>
-          <a:chOff x="0" y="0"/>
-          <a:chExt cx="0" cy="0"/>
-        </a:xfrm>
-      </p:grpSpPr>
-      <p:sp>
-        <p:nvSpPr>
-          <p:cNvPr id="2" name="Заголовок 1"/>
-          <p:cNvSpPr>
-            <a:spLocks noGrp="1"/>
-          </p:cNvSpPr>
-          <p:nvPr>
-            <p:ph type="title"/>
-          </p:nvPr>
-        </p:nvSpPr>
-        <p:spPr/>
-        <p:txBody>
-          <a:bodyPr/>
-          <a:lstStyle/>
-          <a:p>
-            <a:r>
-              <a:rPr lang="ru-RU" dirty="0"/>
-              <a:t>День </a:t>
-            </a:r>
-            <a:r>
-              <a:rPr lang="ru-RU" dirty="0" err="1"/>
-              <a:t>тестировщика</a:t>
-            </a:r>
-            <a:endParaRPr lang="ru-RU" dirty="0"/>
-          </a:p>
-        </p:txBody>
-      </p:sp>
-      <p:sp>
-        <p:nvSpPr>
-          <p:cNvPr id="3" name="Объект 2"/>
-          <p:cNvSpPr>
-            <a:spLocks noGrp="1"/>
-          </p:cNvSpPr>
-          <p:nvPr>
-            <p:ph idx="1"/>
-          </p:nvPr>
-        </p:nvSpPr>
-        <p:spPr/>
-        <p:txBody>
-          <a:bodyPr>
-            <a:normAutofit/>
-          </a:bodyPr>
-          <a:lstStyle/>
-          <a:p>
-            <a:r>
-              <a:rPr lang="ru-RU" dirty="0"/>
-              <a:t>Тестирование</a:t>
-            </a:r>
-          </a:p>
-          <a:p>
-            <a:pPr lvl="1"/>
-            <a:r>
-              <a:rPr lang="ru-RU" dirty="0"/>
-              <a:t>Способность к анализу</a:t>
-            </a:r>
-          </a:p>
-          <a:p>
-            <a:pPr lvl="1"/>
-            <a:r>
-              <a:rPr lang="ru-RU" dirty="0"/>
-              <a:t>Внимание к деталям</a:t>
-            </a:r>
-          </a:p>
-          <a:p>
-            <a:pPr lvl="1"/>
-            <a:r>
-              <a:rPr lang="ru-RU" dirty="0"/>
-              <a:t>Креативность</a:t>
-            </a:r>
-          </a:p>
-          <a:p>
-            <a:r>
-              <a:rPr lang="ru-RU" dirty="0"/>
-              <a:t>Обсуждение требований</a:t>
-            </a:r>
-          </a:p>
-          <a:p>
-            <a:pPr lvl="1"/>
-            <a:r>
-              <a:rPr lang="ru-RU" dirty="0"/>
-              <a:t>Способность к анализу</a:t>
-            </a:r>
-          </a:p>
-          <a:p>
-            <a:pPr lvl="1"/>
-            <a:r>
-              <a:rPr lang="ru-RU" dirty="0"/>
-              <a:t>Командная игра</a:t>
-            </a:r>
-          </a:p>
-          <a:p>
-            <a:pPr lvl="1"/>
-            <a:r>
-              <a:rPr lang="ru-RU" dirty="0"/>
-              <a:t>Общение</a:t>
-            </a:r>
-          </a:p>
-          <a:p>
-            <a:pPr lvl="1"/>
-            <a:r>
-              <a:rPr lang="ru-RU" dirty="0"/>
-              <a:t>Английский</a:t>
-            </a:r>
-          </a:p>
-          <a:p>
-            <a:r>
-              <a:rPr lang="ru-RU" dirty="0"/>
-              <a:t>Работа с багами</a:t>
-            </a:r>
-          </a:p>
-          <a:p>
-            <a:pPr lvl="1"/>
-            <a:r>
-              <a:rPr lang="ru-RU" dirty="0"/>
-              <a:t>Способность к анализу</a:t>
-            </a:r>
-          </a:p>
-        </p:txBody>
-      </p:sp>
-      <p:sp>
-        <p:nvSpPr>
-          <p:cNvPr id="4" name="Овал 3"/>
-          <p:cNvSpPr/>
-          <p:nvPr/>
-        </p:nvSpPr>
-        <p:spPr>
-          <a:xfrm>
-            <a:off x="8669867" y="5846463"/>
-            <a:ext cx="287866" cy="283404"/>
-          </a:xfrm>
-          <a:prstGeom prst="ellipse">
-            <a:avLst/>
-          </a:prstGeom>
-        </p:spPr>
-        <p:style>
-          <a:lnRef idx="3">
-            <a:schemeClr val="lt1"/>
-          </a:lnRef>
-          <a:fillRef idx="1">
-            <a:schemeClr val="dk1"/>
-          </a:fillRef>
-          <a:effectRef idx="1">
-            <a:schemeClr val="dk1"/>
-          </a:effectRef>
-          <a:fontRef idx="minor">
-            <a:schemeClr val="lt1"/>
-          </a:fontRef>
-        </p:style>
-        <p:txBody>
-          <a:bodyPr rtlCol="0" anchor="ctr"/>
-          <a:lstStyle/>
-          <a:p>
-            <a:pPr algn="ctr"/>
-            <a:endParaRPr lang="en-US"/>
-          </a:p>
-        </p:txBody>
-      </p:sp>
-    </p:spTree>
-    <p:extLst>
-      <p:ext uri="{BB962C8B-B14F-4D97-AF65-F5344CB8AC3E}">
-        <p14:creationId xmlns:p14="http://schemas.microsoft.com/office/powerpoint/2010/main" val="1561343379"/>
-      </p:ext>
-    </p:extLst>
-  </p:cSld>
-  <p:clrMapOvr>
-    <a:masterClrMapping/>
-  </p:clrMapOvr>
-  <p:timing>
-    <p:tnLst>
-      <p:par>
-        <p:cTn id="1" dur="indefinite" restart="never" nodeType="tmRoot"/>
-      </p:par>
-    </p:tnLst>
-  </p:timing>
-</p:sld>
-</file>
-
-<file path=ppt/slides/slide27.xml><?xml version="1.0" encoding="utf-8"?>
-<p:sld xmlns:a="http://schemas.openxmlformats.org/drawingml/2006/main" xmlns:r="http://schemas.openxmlformats.org/officeDocument/2006/relationships" xmlns:p="http://schemas.openxmlformats.org/presentationml/2006/main">
-  <p:cSld>
-    <p:spTree>
-      <p:nvGrpSpPr>
-        <p:cNvPr id="1" name=""/>
-        <p:cNvGrpSpPr/>
-        <p:nvPr/>
-      </p:nvGrpSpPr>
-      <p:grpSpPr>
-        <a:xfrm>
-          <a:off x="0" y="0"/>
-          <a:ext cx="0" cy="0"/>
-          <a:chOff x="0" y="0"/>
-          <a:chExt cx="0" cy="0"/>
-        </a:xfrm>
-      </p:grpSpPr>
-      <p:sp>
-        <p:nvSpPr>
-          <p:cNvPr id="2" name="Заголовок 1"/>
-          <p:cNvSpPr>
-            <a:spLocks noGrp="1"/>
-          </p:cNvSpPr>
-          <p:nvPr>
-            <p:ph type="title"/>
-          </p:nvPr>
-        </p:nvSpPr>
-        <p:spPr>
-          <a:xfrm>
-            <a:off x="811671" y="3424916"/>
-            <a:ext cx="7543800" cy="1450757"/>
-          </a:xfrm>
-        </p:spPr>
-        <p:txBody>
-          <a:bodyPr>
-            <a:noAutofit/>
-          </a:bodyPr>
-          <a:lstStyle/>
-          <a:p>
-            <a:pPr algn="ctr"/>
-            <a:r>
-              <a:rPr lang="ru-RU" sz="23900" dirty="0"/>
-              <a:t>?</a:t>
-            </a:r>
-          </a:p>
-        </p:txBody>
-      </p:sp>
-    </p:spTree>
-    <p:extLst>
-      <p:ext uri="{BB962C8B-B14F-4D97-AF65-F5344CB8AC3E}">
-        <p14:creationId xmlns:p14="http://schemas.microsoft.com/office/powerpoint/2010/main" val="2121546825"/>
-      </p:ext>
-    </p:extLst>
-  </p:cSld>
-  <p:clrMapOvr>
-    <a:masterClrMapping/>
-  </p:clrMapOvr>
-</p:sld>
-</file>
-
-<file path=ppt/slides/slide28.xml><?xml version="1.0" encoding="utf-8"?>
-<p:sld xmlns:a="http://schemas.openxmlformats.org/drawingml/2006/main" xmlns:r="http://schemas.openxmlformats.org/officeDocument/2006/relationships" xmlns:p="http://schemas.openxmlformats.org/presentationml/2006/main">
-  <p:cSld>
-    <p:spTree>
-      <p:nvGrpSpPr>
-        <p:cNvPr id="1" name=""/>
-        <p:cNvGrpSpPr/>
-        <p:nvPr/>
-      </p:nvGrpSpPr>
-      <p:grpSpPr>
-        <a:xfrm>
-          <a:off x="0" y="0"/>
-          <a:ext cx="0" cy="0"/>
-          <a:chOff x="0" y="0"/>
-          <a:chExt cx="0" cy="0"/>
-        </a:xfrm>
-      </p:grpSpPr>
-      <p:sp>
-        <p:nvSpPr>
-          <p:cNvPr id="2" name="Title 1"/>
-          <p:cNvSpPr>
-            <a:spLocks noGrp="1"/>
-          </p:cNvSpPr>
-          <p:nvPr>
-            <p:ph type="title"/>
-          </p:nvPr>
-        </p:nvSpPr>
-        <p:spPr/>
-        <p:txBody>
-          <a:bodyPr/>
-          <a:lstStyle/>
-          <a:p>
-            <a:endParaRPr lang="en-US" dirty="0"/>
-          </a:p>
-        </p:txBody>
-      </p:sp>
-      <p:sp>
-        <p:nvSpPr>
-          <p:cNvPr id="3" name="Content Placeholder 2"/>
-          <p:cNvSpPr>
-            <a:spLocks noGrp="1"/>
-          </p:cNvSpPr>
-          <p:nvPr>
-            <p:ph idx="1"/>
-          </p:nvPr>
-        </p:nvSpPr>
-        <p:spPr/>
-        <p:txBody>
-          <a:bodyPr anchor="ctr">
-            <a:normAutofit/>
-          </a:bodyPr>
-          <a:lstStyle/>
-          <a:p>
-            <a:pPr algn="ctr"/>
-            <a:r>
-              <a:rPr lang="ru-RU" sz="4000" dirty="0"/>
-              <a:t>Спасибо за внимание</a:t>
-            </a:r>
-            <a:endParaRPr lang="en-US" sz="4000" dirty="0"/>
-          </a:p>
-        </p:txBody>
-      </p:sp>
-    </p:spTree>
-    <p:extLst>
-      <p:ext uri="{BB962C8B-B14F-4D97-AF65-F5344CB8AC3E}">
-        <p14:creationId xmlns:p14="http://schemas.microsoft.com/office/powerpoint/2010/main" val="116218786"/>
+        <p14:creationId xmlns:p14="http://schemas.microsoft.com/office/powerpoint/2010/main" val="22630053"/>
       </p:ext>
     </p:extLst>
   </p:cSld>
